--- a/Plantilla_PPT_ATL.pptx
+++ b/Plantilla_PPT_ATL.pptx
@@ -2,7 +2,7 @@
 <file path=ppt/presentation.xml><?xml version="1.0" encoding="utf-8"?>
 <p:presentation xmlns:a="http://schemas.openxmlformats.org/drawingml/2006/main" xmlns:r="http://schemas.openxmlformats.org/officeDocument/2006/relationships" xmlns:p="http://schemas.openxmlformats.org/presentationml/2006/main" saveSubsetFonts="1">
   <p:sldMasterIdLst>
-    <p:sldMasterId id="2147483885" r:id="rId1"/>
+    <p:sldMasterId id="2147483898" r:id="rId1"/>
   </p:sldMasterIdLst>
   <p:notesMasterIdLst>
     <p:notesMasterId r:id="rId3"/>
@@ -13,13 +13,13 @@
   <p:sldIdLst>
     <p:sldId id="309" r:id="rId2"/>
   </p:sldIdLst>
-  <p:sldSz cx="9906000" cy="6858000" type="A4"/>
+  <p:sldSz cx="9144000" cy="5143500" type="screen16x9"/>
   <p:notesSz cx="6858000" cy="9144000"/>
   <p:defaultTextStyle>
     <a:defPPr>
-      <a:defRPr lang="es-CO"/>
+      <a:defRPr lang="en-US"/>
     </a:defPPr>
-    <a:lvl1pPr marL="0" algn="l" defTabSz="914400" rtl="0" eaLnBrk="1" latinLnBrk="0" hangingPunct="1">
+    <a:lvl1pPr marL="0" algn="l" defTabSz="457200" rtl="0" eaLnBrk="1" latinLnBrk="0" hangingPunct="1">
       <a:defRPr sz="1800" kern="1200">
         <a:solidFill>
           <a:schemeClr val="tx1"/>
@@ -29,7 +29,7 @@
         <a:cs typeface="+mn-cs"/>
       </a:defRPr>
     </a:lvl1pPr>
-    <a:lvl2pPr marL="457200" algn="l" defTabSz="914400" rtl="0" eaLnBrk="1" latinLnBrk="0" hangingPunct="1">
+    <a:lvl2pPr marL="457200" algn="l" defTabSz="457200" rtl="0" eaLnBrk="1" latinLnBrk="0" hangingPunct="1">
       <a:defRPr sz="1800" kern="1200">
         <a:solidFill>
           <a:schemeClr val="tx1"/>
@@ -39,7 +39,7 @@
         <a:cs typeface="+mn-cs"/>
       </a:defRPr>
     </a:lvl2pPr>
-    <a:lvl3pPr marL="914400" algn="l" defTabSz="914400" rtl="0" eaLnBrk="1" latinLnBrk="0" hangingPunct="1">
+    <a:lvl3pPr marL="914400" algn="l" defTabSz="457200" rtl="0" eaLnBrk="1" latinLnBrk="0" hangingPunct="1">
       <a:defRPr sz="1800" kern="1200">
         <a:solidFill>
           <a:schemeClr val="tx1"/>
@@ -49,7 +49,7 @@
         <a:cs typeface="+mn-cs"/>
       </a:defRPr>
     </a:lvl3pPr>
-    <a:lvl4pPr marL="1371600" algn="l" defTabSz="914400" rtl="0" eaLnBrk="1" latinLnBrk="0" hangingPunct="1">
+    <a:lvl4pPr marL="1371600" algn="l" defTabSz="457200" rtl="0" eaLnBrk="1" latinLnBrk="0" hangingPunct="1">
       <a:defRPr sz="1800" kern="1200">
         <a:solidFill>
           <a:schemeClr val="tx1"/>
@@ -59,7 +59,7 @@
         <a:cs typeface="+mn-cs"/>
       </a:defRPr>
     </a:lvl4pPr>
-    <a:lvl5pPr marL="1828800" algn="l" defTabSz="914400" rtl="0" eaLnBrk="1" latinLnBrk="0" hangingPunct="1">
+    <a:lvl5pPr marL="1828800" algn="l" defTabSz="457200" rtl="0" eaLnBrk="1" latinLnBrk="0" hangingPunct="1">
       <a:defRPr sz="1800" kern="1200">
         <a:solidFill>
           <a:schemeClr val="tx1"/>
@@ -69,7 +69,7 @@
         <a:cs typeface="+mn-cs"/>
       </a:defRPr>
     </a:lvl5pPr>
-    <a:lvl6pPr marL="2286000" algn="l" defTabSz="914400" rtl="0" eaLnBrk="1" latinLnBrk="0" hangingPunct="1">
+    <a:lvl6pPr marL="2286000" algn="l" defTabSz="457200" rtl="0" eaLnBrk="1" latinLnBrk="0" hangingPunct="1">
       <a:defRPr sz="1800" kern="1200">
         <a:solidFill>
           <a:schemeClr val="tx1"/>
@@ -79,7 +79,7 @@
         <a:cs typeface="+mn-cs"/>
       </a:defRPr>
     </a:lvl6pPr>
-    <a:lvl7pPr marL="2743200" algn="l" defTabSz="914400" rtl="0" eaLnBrk="1" latinLnBrk="0" hangingPunct="1">
+    <a:lvl7pPr marL="2743200" algn="l" defTabSz="457200" rtl="0" eaLnBrk="1" latinLnBrk="0" hangingPunct="1">
       <a:defRPr sz="1800" kern="1200">
         <a:solidFill>
           <a:schemeClr val="tx1"/>
@@ -89,7 +89,7 @@
         <a:cs typeface="+mn-cs"/>
       </a:defRPr>
     </a:lvl7pPr>
-    <a:lvl8pPr marL="3200400" algn="l" defTabSz="914400" rtl="0" eaLnBrk="1" latinLnBrk="0" hangingPunct="1">
+    <a:lvl8pPr marL="3200400" algn="l" defTabSz="457200" rtl="0" eaLnBrk="1" latinLnBrk="0" hangingPunct="1">
       <a:defRPr sz="1800" kern="1200">
         <a:solidFill>
           <a:schemeClr val="tx1"/>
@@ -99,7 +99,7 @@
         <a:cs typeface="+mn-cs"/>
       </a:defRPr>
     </a:lvl8pPr>
-    <a:lvl9pPr marL="3657600" algn="l" defTabSz="914400" rtl="0" eaLnBrk="1" latinLnBrk="0" hangingPunct="1">
+    <a:lvl9pPr marL="3657600" algn="l" defTabSz="457200" rtl="0" eaLnBrk="1" latinLnBrk="0" hangingPunct="1">
       <a:defRPr sz="1800" kern="1200">
         <a:solidFill>
           <a:schemeClr val="tx1"/>
@@ -113,12 +113,12 @@
   <p:extLst>
     <p:ext uri="{EFAFB233-063F-42B5-8137-9DF3F51BA10A}">
       <p15:sldGuideLst xmlns:p15="http://schemas.microsoft.com/office/powerpoint/2012/main">
-        <p15:guide id="1" orient="horz" pos="2160" userDrawn="1">
+        <p15:guide id="1" orient="horz" pos="1620" userDrawn="1">
           <p15:clr>
             <a:srgbClr val="A4A3A4"/>
           </p15:clr>
         </p15:guide>
-        <p15:guide id="2" pos="3120" userDrawn="1">
+        <p15:guide id="2" pos="2880" userDrawn="1">
           <p15:clr>
             <a:srgbClr val="A4A3A4"/>
           </p15:clr>
@@ -465,8 +465,8 @@
         </p:nvSpPr>
         <p:spPr>
           <a:xfrm>
-            <a:off x="1200150" y="1143000"/>
-            <a:ext cx="4457700" cy="3086100"/>
+            <a:off x="685800" y="1143000"/>
+            <a:ext cx="5486400" cy="3086100"/>
           </a:xfrm>
           <a:prstGeom prst="rect">
             <a:avLst/>
@@ -667,7 +667,7 @@
       <a:spcAft>
         <a:spcPct val="0"/>
       </a:spcAft>
-      <a:defRPr sz="1200" kern="1200">
+      <a:defRPr sz="1023" kern="1200">
         <a:solidFill>
           <a:schemeClr val="tx1"/>
         </a:solidFill>
@@ -676,14 +676,14 @@
         <a:cs typeface="+mn-cs"/>
       </a:defRPr>
     </a:lvl1pPr>
-    <a:lvl2pPr marL="457200" algn="l" rtl="0" eaLnBrk="0" fontAlgn="base" hangingPunct="0">
+    <a:lvl2pPr marL="389626" algn="l" rtl="0" eaLnBrk="0" fontAlgn="base" hangingPunct="0">
       <a:spcBef>
         <a:spcPct val="30000"/>
       </a:spcBef>
       <a:spcAft>
         <a:spcPct val="0"/>
       </a:spcAft>
-      <a:defRPr sz="1200" kern="1200">
+      <a:defRPr sz="1023" kern="1200">
         <a:solidFill>
           <a:schemeClr val="tx1"/>
         </a:solidFill>
@@ -692,14 +692,14 @@
         <a:cs typeface="+mn-cs"/>
       </a:defRPr>
     </a:lvl2pPr>
-    <a:lvl3pPr marL="914400" algn="l" rtl="0" eaLnBrk="0" fontAlgn="base" hangingPunct="0">
+    <a:lvl3pPr marL="779252" algn="l" rtl="0" eaLnBrk="0" fontAlgn="base" hangingPunct="0">
       <a:spcBef>
         <a:spcPct val="30000"/>
       </a:spcBef>
       <a:spcAft>
         <a:spcPct val="0"/>
       </a:spcAft>
-      <a:defRPr sz="1200" kern="1200">
+      <a:defRPr sz="1023" kern="1200">
         <a:solidFill>
           <a:schemeClr val="tx1"/>
         </a:solidFill>
@@ -708,14 +708,14 @@
         <a:cs typeface="+mn-cs"/>
       </a:defRPr>
     </a:lvl3pPr>
-    <a:lvl4pPr marL="1371600" algn="l" rtl="0" eaLnBrk="0" fontAlgn="base" hangingPunct="0">
+    <a:lvl4pPr marL="1168878" algn="l" rtl="0" eaLnBrk="0" fontAlgn="base" hangingPunct="0">
       <a:spcBef>
         <a:spcPct val="30000"/>
       </a:spcBef>
       <a:spcAft>
         <a:spcPct val="0"/>
       </a:spcAft>
-      <a:defRPr sz="1200" kern="1200">
+      <a:defRPr sz="1023" kern="1200">
         <a:solidFill>
           <a:schemeClr val="tx1"/>
         </a:solidFill>
@@ -724,14 +724,14 @@
         <a:cs typeface="+mn-cs"/>
       </a:defRPr>
     </a:lvl4pPr>
-    <a:lvl5pPr marL="1828800" algn="l" rtl="0" eaLnBrk="0" fontAlgn="base" hangingPunct="0">
+    <a:lvl5pPr marL="1558503" algn="l" rtl="0" eaLnBrk="0" fontAlgn="base" hangingPunct="0">
       <a:spcBef>
         <a:spcPct val="30000"/>
       </a:spcBef>
       <a:spcAft>
         <a:spcPct val="0"/>
       </a:spcAft>
-      <a:defRPr sz="1200" kern="1200">
+      <a:defRPr sz="1023" kern="1200">
         <a:solidFill>
           <a:schemeClr val="tx1"/>
         </a:solidFill>
@@ -740,8 +740,8 @@
         <a:cs typeface="+mn-cs"/>
       </a:defRPr>
     </a:lvl5pPr>
-    <a:lvl6pPr marL="2286000" algn="l" defTabSz="914400" rtl="0" eaLnBrk="1" latinLnBrk="0" hangingPunct="1">
-      <a:defRPr sz="1200" kern="1200">
+    <a:lvl6pPr marL="1948129" algn="l" defTabSz="779252" rtl="0" eaLnBrk="1" latinLnBrk="0" hangingPunct="1">
+      <a:defRPr sz="1023" kern="1200">
         <a:solidFill>
           <a:schemeClr val="tx1"/>
         </a:solidFill>
@@ -750,8 +750,8 @@
         <a:cs typeface="+mn-cs"/>
       </a:defRPr>
     </a:lvl6pPr>
-    <a:lvl7pPr marL="2743200" algn="l" defTabSz="914400" rtl="0" eaLnBrk="1" latinLnBrk="0" hangingPunct="1">
-      <a:defRPr sz="1200" kern="1200">
+    <a:lvl7pPr marL="2337755" algn="l" defTabSz="779252" rtl="0" eaLnBrk="1" latinLnBrk="0" hangingPunct="1">
+      <a:defRPr sz="1023" kern="1200">
         <a:solidFill>
           <a:schemeClr val="tx1"/>
         </a:solidFill>
@@ -760,8 +760,8 @@
         <a:cs typeface="+mn-cs"/>
       </a:defRPr>
     </a:lvl7pPr>
-    <a:lvl8pPr marL="3200400" algn="l" defTabSz="914400" rtl="0" eaLnBrk="1" latinLnBrk="0" hangingPunct="1">
-      <a:defRPr sz="1200" kern="1200">
+    <a:lvl8pPr marL="2727381" algn="l" defTabSz="779252" rtl="0" eaLnBrk="1" latinLnBrk="0" hangingPunct="1">
+      <a:defRPr sz="1023" kern="1200">
         <a:solidFill>
           <a:schemeClr val="tx1"/>
         </a:solidFill>
@@ -770,8 +770,8 @@
         <a:cs typeface="+mn-cs"/>
       </a:defRPr>
     </a:lvl8pPr>
-    <a:lvl9pPr marL="3657600" algn="l" defTabSz="914400" rtl="0" eaLnBrk="1" latinLnBrk="0" hangingPunct="1">
-      <a:defRPr sz="1200" kern="1200">
+    <a:lvl9pPr marL="3117007" algn="l" defTabSz="779252" rtl="0" eaLnBrk="1" latinLnBrk="0" hangingPunct="1">
+      <a:defRPr sz="1023" kern="1200">
         <a:solidFill>
           <a:schemeClr val="tx1"/>
         </a:solidFill>
@@ -803,13 +803,7 @@
       </p:grpSpPr>
       <p:sp>
         <p:nvSpPr>
-          <p:cNvPr id="2" name="Título 1">
-            <a:extLst>
-              <a:ext uri="{FF2B5EF4-FFF2-40B4-BE49-F238E27FC236}">
-                <a16:creationId xmlns:a16="http://schemas.microsoft.com/office/drawing/2014/main" id="{F232F4BB-5E48-8287-364F-DBD0B3A518C5}"/>
-              </a:ext>
-            </a:extLst>
-          </p:cNvPr>
+          <p:cNvPr id="2" name="Title 1"/>
           <p:cNvSpPr>
             <a:spLocks noGrp="1"/>
           </p:cNvSpPr>
@@ -819,15 +813,15 @@
         </p:nvSpPr>
         <p:spPr>
           <a:xfrm>
-            <a:off x="1238250" y="1122363"/>
-            <a:ext cx="7429500" cy="2387600"/>
+            <a:off x="1143000" y="841772"/>
+            <a:ext cx="6858000" cy="1790700"/>
           </a:xfrm>
         </p:spPr>
         <p:txBody>
           <a:bodyPr anchor="b"/>
           <a:lstStyle>
             <a:lvl1pPr algn="ctr">
-              <a:defRPr sz="4875"/>
+              <a:defRPr sz="4500"/>
             </a:lvl1pPr>
           </a:lstStyle>
           <a:p>
@@ -835,19 +829,13 @@
               <a:rPr lang="es-MX"/>
               <a:t>Haz clic para modificar el estilo de título del patrón</a:t>
             </a:r>
-            <a:endParaRPr lang="es-CO"/>
-          </a:p>
-        </p:txBody>
-      </p:sp>
-      <p:sp>
-        <p:nvSpPr>
-          <p:cNvPr id="3" name="Subtítulo 2">
-            <a:extLst>
-              <a:ext uri="{FF2B5EF4-FFF2-40B4-BE49-F238E27FC236}">
-                <a16:creationId xmlns:a16="http://schemas.microsoft.com/office/drawing/2014/main" id="{53510C86-6D6D-FF68-AED4-A726A945DBCF}"/>
-              </a:ext>
-            </a:extLst>
-          </p:cNvPr>
+            <a:endParaRPr lang="en-US" dirty="0"/>
+          </a:p>
+        </p:txBody>
+      </p:sp>
+      <p:sp>
+        <p:nvSpPr>
+          <p:cNvPr id="3" name="Subtitle 2"/>
           <p:cNvSpPr>
             <a:spLocks noGrp="1"/>
           </p:cNvSpPr>
@@ -857,8 +845,8 @@
         </p:nvSpPr>
         <p:spPr>
           <a:xfrm>
-            <a:off x="1238250" y="3602038"/>
-            <a:ext cx="7429500" cy="1655762"/>
+            <a:off x="1143000" y="2701528"/>
+            <a:ext cx="6858000" cy="1241822"/>
           </a:xfrm>
         </p:spPr>
         <p:txBody>
@@ -866,39 +854,39 @@
           <a:lstStyle>
             <a:lvl1pPr marL="0" indent="0" algn="ctr">
               <a:buNone/>
-              <a:defRPr sz="1950"/>
+              <a:defRPr sz="1800"/>
             </a:lvl1pPr>
-            <a:lvl2pPr marL="371475" indent="0" algn="ctr">
-              <a:buNone/>
-              <a:defRPr sz="1625"/>
+            <a:lvl2pPr marL="342900" indent="0" algn="ctr">
+              <a:buNone/>
+              <a:defRPr sz="1500"/>
             </a:lvl2pPr>
-            <a:lvl3pPr marL="742950" indent="0" algn="ctr">
-              <a:buNone/>
-              <a:defRPr sz="1463"/>
+            <a:lvl3pPr marL="685800" indent="0" algn="ctr">
+              <a:buNone/>
+              <a:defRPr sz="1350"/>
             </a:lvl3pPr>
-            <a:lvl4pPr marL="1114425" indent="0" algn="ctr">
-              <a:buNone/>
-              <a:defRPr sz="1300"/>
+            <a:lvl4pPr marL="1028700" indent="0" algn="ctr">
+              <a:buNone/>
+              <a:defRPr sz="1200"/>
             </a:lvl4pPr>
-            <a:lvl5pPr marL="1485900" indent="0" algn="ctr">
-              <a:buNone/>
-              <a:defRPr sz="1300"/>
+            <a:lvl5pPr marL="1371600" indent="0" algn="ctr">
+              <a:buNone/>
+              <a:defRPr sz="1200"/>
             </a:lvl5pPr>
-            <a:lvl6pPr marL="1857375" indent="0" algn="ctr">
-              <a:buNone/>
-              <a:defRPr sz="1300"/>
+            <a:lvl6pPr marL="1714500" indent="0" algn="ctr">
+              <a:buNone/>
+              <a:defRPr sz="1200"/>
             </a:lvl6pPr>
-            <a:lvl7pPr marL="2228850" indent="0" algn="ctr">
-              <a:buNone/>
-              <a:defRPr sz="1300"/>
+            <a:lvl7pPr marL="2057400" indent="0" algn="ctr">
+              <a:buNone/>
+              <a:defRPr sz="1200"/>
             </a:lvl7pPr>
-            <a:lvl8pPr marL="2600325" indent="0" algn="ctr">
-              <a:buNone/>
-              <a:defRPr sz="1300"/>
+            <a:lvl8pPr marL="2400300" indent="0" algn="ctr">
+              <a:buNone/>
+              <a:defRPr sz="1200"/>
             </a:lvl8pPr>
-            <a:lvl9pPr marL="2971800" indent="0" algn="ctr">
-              <a:buNone/>
-              <a:defRPr sz="1300"/>
+            <a:lvl9pPr marL="2743200" indent="0" algn="ctr">
+              <a:buNone/>
+              <a:defRPr sz="1200"/>
             </a:lvl9pPr>
           </a:lstStyle>
           <a:p>
@@ -906,19 +894,13 @@
               <a:rPr lang="es-MX"/>
               <a:t>Haz clic para editar el estilo de subtítulo del patrón</a:t>
             </a:r>
-            <a:endParaRPr lang="es-CO"/>
-          </a:p>
-        </p:txBody>
-      </p:sp>
-      <p:sp>
-        <p:nvSpPr>
-          <p:cNvPr id="4" name="Marcador de fecha 3">
-            <a:extLst>
-              <a:ext uri="{FF2B5EF4-FFF2-40B4-BE49-F238E27FC236}">
-                <a16:creationId xmlns:a16="http://schemas.microsoft.com/office/drawing/2014/main" id="{182E26B2-EB0E-AA6F-AF9E-68493D9FCD6F}"/>
-              </a:ext>
-            </a:extLst>
-          </p:cNvPr>
+            <a:endParaRPr lang="en-US" dirty="0"/>
+          </a:p>
+        </p:txBody>
+      </p:sp>
+      <p:sp>
+        <p:nvSpPr>
+          <p:cNvPr id="4" name="Date Placeholder 3"/>
           <p:cNvSpPr>
             <a:spLocks noGrp="1"/>
           </p:cNvSpPr>
@@ -941,13 +923,7 @@
       </p:sp>
       <p:sp>
         <p:nvSpPr>
-          <p:cNvPr id="5" name="Marcador de pie de página 4">
-            <a:extLst>
-              <a:ext uri="{FF2B5EF4-FFF2-40B4-BE49-F238E27FC236}">
-                <a16:creationId xmlns:a16="http://schemas.microsoft.com/office/drawing/2014/main" id="{A4562D79-1052-6439-C5D4-5C8C736EABE6}"/>
-              </a:ext>
-            </a:extLst>
-          </p:cNvPr>
+          <p:cNvPr id="5" name="Footer Placeholder 4"/>
           <p:cNvSpPr>
             <a:spLocks noGrp="1"/>
           </p:cNvSpPr>
@@ -966,13 +942,7 @@
       </p:sp>
       <p:sp>
         <p:nvSpPr>
-          <p:cNvPr id="6" name="Marcador de número de diapositiva 5">
-            <a:extLst>
-              <a:ext uri="{FF2B5EF4-FFF2-40B4-BE49-F238E27FC236}">
-                <a16:creationId xmlns:a16="http://schemas.microsoft.com/office/drawing/2014/main" id="{2C37158E-FD4B-606D-FAAA-36301A606013}"/>
-              </a:ext>
-            </a:extLst>
-          </p:cNvPr>
+          <p:cNvPr id="6" name="Slide Number Placeholder 5"/>
           <p:cNvSpPr>
             <a:spLocks noGrp="1"/>
           </p:cNvSpPr>
@@ -1002,7 +972,7 @@
     </p:spTree>
     <p:extLst>
       <p:ext uri="{BB962C8B-B14F-4D97-AF65-F5344CB8AC3E}">
-        <p14:creationId xmlns:p14="http://schemas.microsoft.com/office/powerpoint/2010/main" val="1735124630"/>
+        <p14:creationId xmlns:p14="http://schemas.microsoft.com/office/powerpoint/2010/main" val="2242320293"/>
       </p:ext>
     </p:extLst>
   </p:cSld>
@@ -1032,13 +1002,7 @@
       </p:grpSpPr>
       <p:sp>
         <p:nvSpPr>
-          <p:cNvPr id="2" name="Título 1">
-            <a:extLst>
-              <a:ext uri="{FF2B5EF4-FFF2-40B4-BE49-F238E27FC236}">
-                <a16:creationId xmlns:a16="http://schemas.microsoft.com/office/drawing/2014/main" id="{F56AA245-E178-BE77-0678-46C6A59462A9}"/>
-              </a:ext>
-            </a:extLst>
-          </p:cNvPr>
+          <p:cNvPr id="2" name="Title 1"/>
           <p:cNvSpPr>
             <a:spLocks noGrp="1"/>
           </p:cNvSpPr>
@@ -1055,19 +1019,13 @@
               <a:rPr lang="es-MX"/>
               <a:t>Haz clic para modificar el estilo de título del patrón</a:t>
             </a:r>
-            <a:endParaRPr lang="es-CO"/>
-          </a:p>
-        </p:txBody>
-      </p:sp>
-      <p:sp>
-        <p:nvSpPr>
-          <p:cNvPr id="3" name="Marcador de texto vertical 2">
-            <a:extLst>
-              <a:ext uri="{FF2B5EF4-FFF2-40B4-BE49-F238E27FC236}">
-                <a16:creationId xmlns:a16="http://schemas.microsoft.com/office/drawing/2014/main" id="{887DE5D8-5F25-A811-4FAF-E7A17E7E456C}"/>
-              </a:ext>
-            </a:extLst>
-          </p:cNvPr>
+            <a:endParaRPr lang="en-US" dirty="0"/>
+          </a:p>
+        </p:txBody>
+      </p:sp>
+      <p:sp>
+        <p:nvSpPr>
+          <p:cNvPr id="3" name="Vertical Text Placeholder 2"/>
           <p:cNvSpPr>
             <a:spLocks noGrp="1"/>
           </p:cNvSpPr>
@@ -1113,19 +1071,13 @@
               <a:rPr lang="es-MX"/>
               <a:t>Quinto nivel</a:t>
             </a:r>
-            <a:endParaRPr lang="es-CO"/>
-          </a:p>
-        </p:txBody>
-      </p:sp>
-      <p:sp>
-        <p:nvSpPr>
-          <p:cNvPr id="4" name="Marcador de fecha 3">
-            <a:extLst>
-              <a:ext uri="{FF2B5EF4-FFF2-40B4-BE49-F238E27FC236}">
-                <a16:creationId xmlns:a16="http://schemas.microsoft.com/office/drawing/2014/main" id="{389C63F2-E565-CC81-B164-2FF9D3249C73}"/>
-              </a:ext>
-            </a:extLst>
-          </p:cNvPr>
+            <a:endParaRPr lang="en-US" dirty="0"/>
+          </a:p>
+        </p:txBody>
+      </p:sp>
+      <p:sp>
+        <p:nvSpPr>
+          <p:cNvPr id="4" name="Date Placeholder 3"/>
           <p:cNvSpPr>
             <a:spLocks noGrp="1"/>
           </p:cNvSpPr>
@@ -1148,13 +1100,7 @@
       </p:sp>
       <p:sp>
         <p:nvSpPr>
-          <p:cNvPr id="5" name="Marcador de pie de página 4">
-            <a:extLst>
-              <a:ext uri="{FF2B5EF4-FFF2-40B4-BE49-F238E27FC236}">
-                <a16:creationId xmlns:a16="http://schemas.microsoft.com/office/drawing/2014/main" id="{FC38E97E-8BD8-2D77-8929-4E9B6E4BE7B7}"/>
-              </a:ext>
-            </a:extLst>
-          </p:cNvPr>
+          <p:cNvPr id="5" name="Footer Placeholder 4"/>
           <p:cNvSpPr>
             <a:spLocks noGrp="1"/>
           </p:cNvSpPr>
@@ -1173,13 +1119,7 @@
       </p:sp>
       <p:sp>
         <p:nvSpPr>
-          <p:cNvPr id="6" name="Marcador de número de diapositiva 5">
-            <a:extLst>
-              <a:ext uri="{FF2B5EF4-FFF2-40B4-BE49-F238E27FC236}">
-                <a16:creationId xmlns:a16="http://schemas.microsoft.com/office/drawing/2014/main" id="{429E38A5-C038-DEC4-0A1A-A480D3DECA94}"/>
-              </a:ext>
-            </a:extLst>
-          </p:cNvPr>
+          <p:cNvPr id="6" name="Slide Number Placeholder 5"/>
           <p:cNvSpPr>
             <a:spLocks noGrp="1"/>
           </p:cNvSpPr>
@@ -1209,7 +1149,7 @@
     </p:spTree>
     <p:extLst>
       <p:ext uri="{BB962C8B-B14F-4D97-AF65-F5344CB8AC3E}">
-        <p14:creationId xmlns:p14="http://schemas.microsoft.com/office/powerpoint/2010/main" val="4163608394"/>
+        <p14:creationId xmlns:p14="http://schemas.microsoft.com/office/powerpoint/2010/main" val="180263830"/>
       </p:ext>
     </p:extLst>
   </p:cSld>
@@ -1239,13 +1179,7 @@
       </p:grpSpPr>
       <p:sp>
         <p:nvSpPr>
-          <p:cNvPr id="2" name="Título vertical 1">
-            <a:extLst>
-              <a:ext uri="{FF2B5EF4-FFF2-40B4-BE49-F238E27FC236}">
-                <a16:creationId xmlns:a16="http://schemas.microsoft.com/office/drawing/2014/main" id="{B0439CE1-54A9-C123-D29F-0C79E3280621}"/>
-              </a:ext>
-            </a:extLst>
-          </p:cNvPr>
+          <p:cNvPr id="2" name="Vertical Title 1"/>
           <p:cNvSpPr>
             <a:spLocks noGrp="1"/>
           </p:cNvSpPr>
@@ -1255,8 +1189,8 @@
         </p:nvSpPr>
         <p:spPr>
           <a:xfrm>
-            <a:off x="7088981" y="365125"/>
-            <a:ext cx="2135981" cy="5811838"/>
+            <a:off x="6543675" y="273843"/>
+            <a:ext cx="1971675" cy="4358879"/>
           </a:xfrm>
         </p:spPr>
         <p:txBody>
@@ -1267,19 +1201,13 @@
               <a:rPr lang="es-MX"/>
               <a:t>Haz clic para modificar el estilo de título del patrón</a:t>
             </a:r>
-            <a:endParaRPr lang="es-CO"/>
-          </a:p>
-        </p:txBody>
-      </p:sp>
-      <p:sp>
-        <p:nvSpPr>
-          <p:cNvPr id="3" name="Marcador de texto vertical 2">
-            <a:extLst>
-              <a:ext uri="{FF2B5EF4-FFF2-40B4-BE49-F238E27FC236}">
-                <a16:creationId xmlns:a16="http://schemas.microsoft.com/office/drawing/2014/main" id="{6E4A8473-5A26-09AE-41FB-CD48FE4472A3}"/>
-              </a:ext>
-            </a:extLst>
-          </p:cNvPr>
+            <a:endParaRPr lang="en-US" dirty="0"/>
+          </a:p>
+        </p:txBody>
+      </p:sp>
+      <p:sp>
+        <p:nvSpPr>
+          <p:cNvPr id="3" name="Vertical Text Placeholder 2"/>
           <p:cNvSpPr>
             <a:spLocks noGrp="1"/>
           </p:cNvSpPr>
@@ -1289,8 +1217,8 @@
         </p:nvSpPr>
         <p:spPr>
           <a:xfrm>
-            <a:off x="681037" y="365125"/>
-            <a:ext cx="6284119" cy="5811838"/>
+            <a:off x="628650" y="273843"/>
+            <a:ext cx="5800725" cy="4358879"/>
           </a:xfrm>
         </p:spPr>
         <p:txBody>
@@ -1330,19 +1258,13 @@
               <a:rPr lang="es-MX"/>
               <a:t>Quinto nivel</a:t>
             </a:r>
-            <a:endParaRPr lang="es-CO"/>
-          </a:p>
-        </p:txBody>
-      </p:sp>
-      <p:sp>
-        <p:nvSpPr>
-          <p:cNvPr id="4" name="Marcador de fecha 3">
-            <a:extLst>
-              <a:ext uri="{FF2B5EF4-FFF2-40B4-BE49-F238E27FC236}">
-                <a16:creationId xmlns:a16="http://schemas.microsoft.com/office/drawing/2014/main" id="{202A2C46-CD14-FEB0-838E-AE2F2F6E1584}"/>
-              </a:ext>
-            </a:extLst>
-          </p:cNvPr>
+            <a:endParaRPr lang="en-US" dirty="0"/>
+          </a:p>
+        </p:txBody>
+      </p:sp>
+      <p:sp>
+        <p:nvSpPr>
+          <p:cNvPr id="4" name="Date Placeholder 3"/>
           <p:cNvSpPr>
             <a:spLocks noGrp="1"/>
           </p:cNvSpPr>
@@ -1365,13 +1287,7 @@
       </p:sp>
       <p:sp>
         <p:nvSpPr>
-          <p:cNvPr id="5" name="Marcador de pie de página 4">
-            <a:extLst>
-              <a:ext uri="{FF2B5EF4-FFF2-40B4-BE49-F238E27FC236}">
-                <a16:creationId xmlns:a16="http://schemas.microsoft.com/office/drawing/2014/main" id="{D2312E12-1186-22D8-370E-FE6DE0B2B096}"/>
-              </a:ext>
-            </a:extLst>
-          </p:cNvPr>
+          <p:cNvPr id="5" name="Footer Placeholder 4"/>
           <p:cNvSpPr>
             <a:spLocks noGrp="1"/>
           </p:cNvSpPr>
@@ -1390,13 +1306,7 @@
       </p:sp>
       <p:sp>
         <p:nvSpPr>
-          <p:cNvPr id="6" name="Marcador de número de diapositiva 5">
-            <a:extLst>
-              <a:ext uri="{FF2B5EF4-FFF2-40B4-BE49-F238E27FC236}">
-                <a16:creationId xmlns:a16="http://schemas.microsoft.com/office/drawing/2014/main" id="{B73E4E5F-17D7-66F9-46F3-93706136FE91}"/>
-              </a:ext>
-            </a:extLst>
-          </p:cNvPr>
+          <p:cNvPr id="6" name="Slide Number Placeholder 5"/>
           <p:cNvSpPr>
             <a:spLocks noGrp="1"/>
           </p:cNvSpPr>
@@ -1426,7 +1336,7 @@
     </p:spTree>
     <p:extLst>
       <p:ext uri="{BB962C8B-B14F-4D97-AF65-F5344CB8AC3E}">
-        <p14:creationId xmlns:p14="http://schemas.microsoft.com/office/powerpoint/2010/main" val="1025543558"/>
+        <p14:creationId xmlns:p14="http://schemas.microsoft.com/office/powerpoint/2010/main" val="937455482"/>
       </p:ext>
     </p:extLst>
   </p:cSld>
@@ -1472,8 +1382,8 @@
         </p:nvSpPr>
         <p:spPr>
           <a:xfrm>
-            <a:off x="9219600" y="311490"/>
-            <a:ext cx="438750" cy="360000"/>
+            <a:off x="8510400" y="233618"/>
+            <a:ext cx="405000" cy="270000"/>
           </a:xfrm>
           <a:prstGeom prst="rect">
             <a:avLst/>
@@ -1489,7 +1399,7 @@
               <a:spcAft>
                 <a:spcPts val="0"/>
               </a:spcAft>
-              <a:defRPr sz="812" b="1">
+              <a:defRPr sz="609" b="1">
                 <a:solidFill>
                   <a:schemeClr val="tx1"/>
                 </a:solidFill>
@@ -1540,8 +1450,8 @@
         </p:blipFill>
         <p:spPr>
           <a:xfrm>
-            <a:off x="9289190" y="6207990"/>
-            <a:ext cx="497318" cy="513237"/>
+            <a:off x="8574637" y="4655993"/>
+            <a:ext cx="459063" cy="384928"/>
           </a:xfrm>
           <a:prstGeom prst="rect">
             <a:avLst/>
@@ -1566,8 +1476,8 @@
         </p:nvSpPr>
         <p:spPr>
           <a:xfrm>
-            <a:off x="247651" y="208890"/>
-            <a:ext cx="6825087" cy="705510"/>
+            <a:off x="228602" y="156667"/>
+            <a:ext cx="6300080" cy="529133"/>
           </a:xfrm>
           <a:prstGeom prst="rect">
             <a:avLst/>
@@ -1576,7 +1486,7 @@
         <p:txBody>
           <a:bodyPr anchor="ctr"/>
           <a:lstStyle>
-            <a:lvl1pPr marL="0" indent="0" algn="l" defTabSz="371473" rtl="0" eaLnBrk="1" fontAlgn="auto" hangingPunct="1">
+            <a:lvl1pPr marL="0" indent="0" algn="l" defTabSz="278605" rtl="0" eaLnBrk="1" fontAlgn="auto" hangingPunct="1">
               <a:lnSpc>
                 <a:spcPct val="100000"/>
               </a:lnSpc>
@@ -1587,7 +1497,7 @@
                 <a:spcPts val="0"/>
               </a:spcAft>
               <a:buNone/>
-              <a:defRPr lang="en-US" sz="3575" b="0" kern="1200" dirty="0">
+              <a:defRPr lang="en-US" sz="2681" b="0" kern="1200" dirty="0">
                 <a:solidFill>
                   <a:schemeClr val="accent1">
                     <a:lumMod val="75000"/>
@@ -1626,8 +1536,8 @@
         </p:nvSpPr>
         <p:spPr>
           <a:xfrm>
-            <a:off x="682329" y="1681163"/>
-            <a:ext cx="4190702" cy="823912"/>
+            <a:off x="629842" y="1260872"/>
+            <a:ext cx="3868340" cy="617934"/>
           </a:xfrm>
         </p:spPr>
         <p:txBody>
@@ -1635,41 +1545,41 @@
           <a:lstStyle>
             <a:lvl1pPr marL="0" indent="0" algn="ctr">
               <a:buNone/>
-              <a:defRPr sz="2000" b="1">
+              <a:defRPr sz="1500" b="1">
                 <a:latin typeface="Montserrat" pitchFamily="2" charset="77"/>
               </a:defRPr>
             </a:lvl1pPr>
-            <a:lvl2pPr marL="457200" indent="0">
-              <a:buNone/>
-              <a:defRPr sz="2000" b="1"/>
+            <a:lvl2pPr marL="342900" indent="0">
+              <a:buNone/>
+              <a:defRPr sz="1500" b="1"/>
             </a:lvl2pPr>
-            <a:lvl3pPr marL="914400" indent="0">
-              <a:buNone/>
-              <a:defRPr sz="1800" b="1"/>
+            <a:lvl3pPr marL="685800" indent="0">
+              <a:buNone/>
+              <a:defRPr sz="1350" b="1"/>
             </a:lvl3pPr>
-            <a:lvl4pPr marL="1371600" indent="0">
-              <a:buNone/>
-              <a:defRPr sz="1600" b="1"/>
+            <a:lvl4pPr marL="1028700" indent="0">
+              <a:buNone/>
+              <a:defRPr sz="1200" b="1"/>
             </a:lvl4pPr>
-            <a:lvl5pPr marL="1828800" indent="0">
-              <a:buNone/>
-              <a:defRPr sz="1600" b="1"/>
+            <a:lvl5pPr marL="1371600" indent="0">
+              <a:buNone/>
+              <a:defRPr sz="1200" b="1"/>
             </a:lvl5pPr>
-            <a:lvl6pPr marL="2286000" indent="0">
-              <a:buNone/>
-              <a:defRPr sz="1600" b="1"/>
+            <a:lvl6pPr marL="1714500" indent="0">
+              <a:buNone/>
+              <a:defRPr sz="1200" b="1"/>
             </a:lvl6pPr>
-            <a:lvl7pPr marL="2743200" indent="0">
-              <a:buNone/>
-              <a:defRPr sz="1600" b="1"/>
+            <a:lvl7pPr marL="2057400" indent="0">
+              <a:buNone/>
+              <a:defRPr sz="1200" b="1"/>
             </a:lvl7pPr>
-            <a:lvl8pPr marL="3200400" indent="0">
-              <a:buNone/>
-              <a:defRPr sz="1600" b="1"/>
+            <a:lvl8pPr marL="2400300" indent="0">
+              <a:buNone/>
+              <a:defRPr sz="1200" b="1"/>
             </a:lvl8pPr>
-            <a:lvl9pPr marL="3657600" indent="0">
-              <a:buNone/>
-              <a:defRPr sz="1600" b="1"/>
+            <a:lvl9pPr marL="2743200" indent="0">
+              <a:buNone/>
+              <a:defRPr sz="1200" b="1"/>
             </a:lvl9pPr>
           </a:lstStyle>
           <a:p>
@@ -1699,8 +1609,8 @@
         </p:nvSpPr>
         <p:spPr>
           <a:xfrm>
-            <a:off x="682329" y="2505075"/>
-            <a:ext cx="4190702" cy="3684588"/>
+            <a:off x="629842" y="1878806"/>
+            <a:ext cx="3868340" cy="2763441"/>
           </a:xfrm>
         </p:spPr>
         <p:txBody>
@@ -1709,27 +1619,27 @@
           </a:bodyPr>
           <a:lstStyle>
             <a:lvl1pPr>
-              <a:defRPr sz="2400">
+              <a:defRPr sz="1800">
                 <a:latin typeface="Montserrat" pitchFamily="2" charset="77"/>
               </a:defRPr>
             </a:lvl1pPr>
             <a:lvl2pPr>
-              <a:defRPr sz="2000">
+              <a:defRPr sz="1500">
                 <a:latin typeface="Montserrat" pitchFamily="2" charset="77"/>
               </a:defRPr>
             </a:lvl2pPr>
             <a:lvl3pPr>
-              <a:defRPr sz="1800">
+              <a:defRPr sz="1350">
                 <a:latin typeface="Montserrat" pitchFamily="2" charset="77"/>
               </a:defRPr>
             </a:lvl3pPr>
             <a:lvl4pPr>
-              <a:defRPr sz="1600">
+              <a:defRPr sz="1200">
                 <a:latin typeface="Montserrat" pitchFamily="2" charset="77"/>
               </a:defRPr>
             </a:lvl4pPr>
             <a:lvl5pPr>
-              <a:defRPr sz="1600">
+              <a:defRPr sz="1200">
                 <a:latin typeface="Montserrat" pitchFamily="2" charset="77"/>
               </a:defRPr>
             </a:lvl5pPr>
@@ -1790,8 +1700,8 @@
         </p:nvSpPr>
         <p:spPr>
           <a:xfrm>
-            <a:off x="5014913" y="1681163"/>
-            <a:ext cx="4211340" cy="823912"/>
+            <a:off x="4629150" y="1260872"/>
+            <a:ext cx="3887391" cy="617934"/>
           </a:xfrm>
         </p:spPr>
         <p:txBody>
@@ -1799,41 +1709,41 @@
           <a:lstStyle>
             <a:lvl1pPr marL="0" indent="0" algn="ctr">
               <a:buNone/>
-              <a:defRPr sz="2000" b="1">
+              <a:defRPr sz="1500" b="1">
                 <a:latin typeface="Montserrat" pitchFamily="2" charset="77"/>
               </a:defRPr>
             </a:lvl1pPr>
-            <a:lvl2pPr marL="457200" indent="0">
-              <a:buNone/>
-              <a:defRPr sz="2000" b="1"/>
+            <a:lvl2pPr marL="342900" indent="0">
+              <a:buNone/>
+              <a:defRPr sz="1500" b="1"/>
             </a:lvl2pPr>
-            <a:lvl3pPr marL="914400" indent="0">
-              <a:buNone/>
-              <a:defRPr sz="1800" b="1"/>
+            <a:lvl3pPr marL="685800" indent="0">
+              <a:buNone/>
+              <a:defRPr sz="1350" b="1"/>
             </a:lvl3pPr>
-            <a:lvl4pPr marL="1371600" indent="0">
-              <a:buNone/>
-              <a:defRPr sz="1600" b="1"/>
+            <a:lvl4pPr marL="1028700" indent="0">
+              <a:buNone/>
+              <a:defRPr sz="1200" b="1"/>
             </a:lvl4pPr>
-            <a:lvl5pPr marL="1828800" indent="0">
-              <a:buNone/>
-              <a:defRPr sz="1600" b="1"/>
+            <a:lvl5pPr marL="1371600" indent="0">
+              <a:buNone/>
+              <a:defRPr sz="1200" b="1"/>
             </a:lvl5pPr>
-            <a:lvl6pPr marL="2286000" indent="0">
-              <a:buNone/>
-              <a:defRPr sz="1600" b="1"/>
+            <a:lvl6pPr marL="1714500" indent="0">
+              <a:buNone/>
+              <a:defRPr sz="1200" b="1"/>
             </a:lvl6pPr>
-            <a:lvl7pPr marL="2743200" indent="0">
-              <a:buNone/>
-              <a:defRPr sz="1600" b="1"/>
+            <a:lvl7pPr marL="2057400" indent="0">
+              <a:buNone/>
+              <a:defRPr sz="1200" b="1"/>
             </a:lvl7pPr>
-            <a:lvl8pPr marL="3200400" indent="0">
-              <a:buNone/>
-              <a:defRPr sz="1600" b="1"/>
+            <a:lvl8pPr marL="2400300" indent="0">
+              <a:buNone/>
+              <a:defRPr sz="1200" b="1"/>
             </a:lvl8pPr>
-            <a:lvl9pPr marL="3657600" indent="0">
-              <a:buNone/>
-              <a:defRPr sz="1600" b="1"/>
+            <a:lvl9pPr marL="2743200" indent="0">
+              <a:buNone/>
+              <a:defRPr sz="1200" b="1"/>
             </a:lvl9pPr>
           </a:lstStyle>
           <a:p>
@@ -1863,8 +1773,8 @@
         </p:nvSpPr>
         <p:spPr>
           <a:xfrm>
-            <a:off x="5014913" y="2505075"/>
-            <a:ext cx="4211340" cy="3684588"/>
+            <a:off x="4629150" y="1878806"/>
+            <a:ext cx="3887391" cy="2763441"/>
           </a:xfrm>
         </p:spPr>
         <p:txBody>
@@ -1873,27 +1783,27 @@
           </a:bodyPr>
           <a:lstStyle>
             <a:lvl1pPr>
-              <a:defRPr sz="2400">
+              <a:defRPr sz="1800">
                 <a:latin typeface="Montserrat" pitchFamily="2" charset="77"/>
               </a:defRPr>
             </a:lvl1pPr>
             <a:lvl2pPr>
-              <a:defRPr sz="2000">
+              <a:defRPr sz="1500">
                 <a:latin typeface="Montserrat" pitchFamily="2" charset="77"/>
               </a:defRPr>
             </a:lvl2pPr>
             <a:lvl3pPr>
-              <a:defRPr sz="1800">
+              <a:defRPr sz="1350">
                 <a:latin typeface="Montserrat" pitchFamily="2" charset="77"/>
               </a:defRPr>
             </a:lvl3pPr>
             <a:lvl4pPr>
-              <a:defRPr sz="1600">
+              <a:defRPr sz="1200">
                 <a:latin typeface="Montserrat" pitchFamily="2" charset="77"/>
               </a:defRPr>
             </a:lvl4pPr>
             <a:lvl5pPr>
-              <a:defRPr sz="1600">
+              <a:defRPr sz="1200">
                 <a:latin typeface="Montserrat" pitchFamily="2" charset="77"/>
               </a:defRPr>
             </a:lvl5pPr>
@@ -1971,13 +1881,7 @@
       </p:grpSpPr>
       <p:sp>
         <p:nvSpPr>
-          <p:cNvPr id="2" name="Título 1">
-            <a:extLst>
-              <a:ext uri="{FF2B5EF4-FFF2-40B4-BE49-F238E27FC236}">
-                <a16:creationId xmlns:a16="http://schemas.microsoft.com/office/drawing/2014/main" id="{A18B1A6D-90BB-763B-D098-8B708381306C}"/>
-              </a:ext>
-            </a:extLst>
-          </p:cNvPr>
+          <p:cNvPr id="2" name="Title 1"/>
           <p:cNvSpPr>
             <a:spLocks noGrp="1"/>
           </p:cNvSpPr>
@@ -1994,19 +1898,13 @@
               <a:rPr lang="es-MX"/>
               <a:t>Haz clic para modificar el estilo de título del patrón</a:t>
             </a:r>
-            <a:endParaRPr lang="es-CO"/>
-          </a:p>
-        </p:txBody>
-      </p:sp>
-      <p:sp>
-        <p:nvSpPr>
-          <p:cNvPr id="3" name="Marcador de contenido 2">
-            <a:extLst>
-              <a:ext uri="{FF2B5EF4-FFF2-40B4-BE49-F238E27FC236}">
-                <a16:creationId xmlns:a16="http://schemas.microsoft.com/office/drawing/2014/main" id="{2C5B5914-78F2-31B5-6623-845B7596D403}"/>
-              </a:ext>
-            </a:extLst>
-          </p:cNvPr>
+            <a:endParaRPr lang="en-US" dirty="0"/>
+          </a:p>
+        </p:txBody>
+      </p:sp>
+      <p:sp>
+        <p:nvSpPr>
+          <p:cNvPr id="3" name="Content Placeholder 2"/>
           <p:cNvSpPr>
             <a:spLocks noGrp="1"/>
           </p:cNvSpPr>
@@ -2052,19 +1950,13 @@
               <a:rPr lang="es-MX"/>
               <a:t>Quinto nivel</a:t>
             </a:r>
-            <a:endParaRPr lang="es-CO"/>
-          </a:p>
-        </p:txBody>
-      </p:sp>
-      <p:sp>
-        <p:nvSpPr>
-          <p:cNvPr id="4" name="Marcador de fecha 3">
-            <a:extLst>
-              <a:ext uri="{FF2B5EF4-FFF2-40B4-BE49-F238E27FC236}">
-                <a16:creationId xmlns:a16="http://schemas.microsoft.com/office/drawing/2014/main" id="{AEA462CA-98A3-2574-FEAC-4B878D23279F}"/>
-              </a:ext>
-            </a:extLst>
-          </p:cNvPr>
+            <a:endParaRPr lang="en-US" dirty="0"/>
+          </a:p>
+        </p:txBody>
+      </p:sp>
+      <p:sp>
+        <p:nvSpPr>
+          <p:cNvPr id="4" name="Date Placeholder 3"/>
           <p:cNvSpPr>
             <a:spLocks noGrp="1"/>
           </p:cNvSpPr>
@@ -2087,13 +1979,7 @@
       </p:sp>
       <p:sp>
         <p:nvSpPr>
-          <p:cNvPr id="5" name="Marcador de pie de página 4">
-            <a:extLst>
-              <a:ext uri="{FF2B5EF4-FFF2-40B4-BE49-F238E27FC236}">
-                <a16:creationId xmlns:a16="http://schemas.microsoft.com/office/drawing/2014/main" id="{542BD8B0-1FC1-00B1-7447-E578934E2D66}"/>
-              </a:ext>
-            </a:extLst>
-          </p:cNvPr>
+          <p:cNvPr id="5" name="Footer Placeholder 4"/>
           <p:cNvSpPr>
             <a:spLocks noGrp="1"/>
           </p:cNvSpPr>
@@ -2112,13 +1998,7 @@
       </p:sp>
       <p:sp>
         <p:nvSpPr>
-          <p:cNvPr id="6" name="Marcador de número de diapositiva 5">
-            <a:extLst>
-              <a:ext uri="{FF2B5EF4-FFF2-40B4-BE49-F238E27FC236}">
-                <a16:creationId xmlns:a16="http://schemas.microsoft.com/office/drawing/2014/main" id="{2408B52E-9537-1DE3-6457-ADCA8F906B62}"/>
-              </a:ext>
-            </a:extLst>
-          </p:cNvPr>
+          <p:cNvPr id="6" name="Slide Number Placeholder 5"/>
           <p:cNvSpPr>
             <a:spLocks noGrp="1"/>
           </p:cNvSpPr>
@@ -2148,7 +2028,7 @@
     </p:spTree>
     <p:extLst>
       <p:ext uri="{BB962C8B-B14F-4D97-AF65-F5344CB8AC3E}">
-        <p14:creationId xmlns:p14="http://schemas.microsoft.com/office/powerpoint/2010/main" val="3792654005"/>
+        <p14:creationId xmlns:p14="http://schemas.microsoft.com/office/powerpoint/2010/main" val="550084577"/>
       </p:ext>
     </p:extLst>
   </p:cSld>
@@ -2178,13 +2058,7 @@
       </p:grpSpPr>
       <p:sp>
         <p:nvSpPr>
-          <p:cNvPr id="2" name="Título 1">
-            <a:extLst>
-              <a:ext uri="{FF2B5EF4-FFF2-40B4-BE49-F238E27FC236}">
-                <a16:creationId xmlns:a16="http://schemas.microsoft.com/office/drawing/2014/main" id="{D9A0939A-F657-EA4F-EC39-D099277C2BB7}"/>
-              </a:ext>
-            </a:extLst>
-          </p:cNvPr>
+          <p:cNvPr id="2" name="Title 1"/>
           <p:cNvSpPr>
             <a:spLocks noGrp="1"/>
           </p:cNvSpPr>
@@ -2194,15 +2068,15 @@
         </p:nvSpPr>
         <p:spPr>
           <a:xfrm>
-            <a:off x="675878" y="1709738"/>
-            <a:ext cx="8543925" cy="2852737"/>
+            <a:off x="623887" y="1282304"/>
+            <a:ext cx="7886700" cy="2139553"/>
           </a:xfrm>
         </p:spPr>
         <p:txBody>
           <a:bodyPr anchor="b"/>
           <a:lstStyle>
             <a:lvl1pPr>
-              <a:defRPr sz="4875"/>
+              <a:defRPr sz="4500"/>
             </a:lvl1pPr>
           </a:lstStyle>
           <a:p>
@@ -2210,19 +2084,13 @@
               <a:rPr lang="es-MX"/>
               <a:t>Haz clic para modificar el estilo de título del patrón</a:t>
             </a:r>
-            <a:endParaRPr lang="es-CO"/>
-          </a:p>
-        </p:txBody>
-      </p:sp>
-      <p:sp>
-        <p:nvSpPr>
-          <p:cNvPr id="3" name="Marcador de texto 2">
-            <a:extLst>
-              <a:ext uri="{FF2B5EF4-FFF2-40B4-BE49-F238E27FC236}">
-                <a16:creationId xmlns:a16="http://schemas.microsoft.com/office/drawing/2014/main" id="{39831EB2-7654-4E46-1FCE-474183F9EDDB}"/>
-              </a:ext>
-            </a:extLst>
-          </p:cNvPr>
+            <a:endParaRPr lang="en-US" dirty="0"/>
+          </a:p>
+        </p:txBody>
+      </p:sp>
+      <p:sp>
+        <p:nvSpPr>
+          <p:cNvPr id="3" name="Text Placeholder 2"/>
           <p:cNvSpPr>
             <a:spLocks noGrp="1"/>
           </p:cNvSpPr>
@@ -2232,8 +2100,8 @@
         </p:nvSpPr>
         <p:spPr>
           <a:xfrm>
-            <a:off x="675878" y="4589464"/>
-            <a:ext cx="8543925" cy="1500187"/>
+            <a:off x="623887" y="3442098"/>
+            <a:ext cx="7886700" cy="1125140"/>
           </a:xfrm>
         </p:spPr>
         <p:txBody>
@@ -2241,7 +2109,7 @@
           <a:lstStyle>
             <a:lvl1pPr marL="0" indent="0">
               <a:buNone/>
-              <a:defRPr sz="1950">
+              <a:defRPr sz="1800">
                 <a:solidFill>
                   <a:schemeClr val="tx1">
                     <a:tint val="82000"/>
@@ -2249,9 +2117,9 @@
                 </a:solidFill>
               </a:defRPr>
             </a:lvl1pPr>
-            <a:lvl2pPr marL="371475" indent="0">
-              <a:buNone/>
-              <a:defRPr sz="1625">
+            <a:lvl2pPr marL="342900" indent="0">
+              <a:buNone/>
+              <a:defRPr sz="1500">
                 <a:solidFill>
                   <a:schemeClr val="tx1">
                     <a:tint val="82000"/>
@@ -2259,9 +2127,9 @@
                 </a:solidFill>
               </a:defRPr>
             </a:lvl2pPr>
-            <a:lvl3pPr marL="742950" indent="0">
-              <a:buNone/>
-              <a:defRPr sz="1463">
+            <a:lvl3pPr marL="685800" indent="0">
+              <a:buNone/>
+              <a:defRPr sz="1350">
                 <a:solidFill>
                   <a:schemeClr val="tx1">
                     <a:tint val="82000"/>
@@ -2269,9 +2137,9 @@
                 </a:solidFill>
               </a:defRPr>
             </a:lvl3pPr>
-            <a:lvl4pPr marL="1114425" indent="0">
-              <a:buNone/>
-              <a:defRPr sz="1300">
+            <a:lvl4pPr marL="1028700" indent="0">
+              <a:buNone/>
+              <a:defRPr sz="1200">
                 <a:solidFill>
                   <a:schemeClr val="tx1">
                     <a:tint val="82000"/>
@@ -2279,9 +2147,9 @@
                 </a:solidFill>
               </a:defRPr>
             </a:lvl4pPr>
-            <a:lvl5pPr marL="1485900" indent="0">
-              <a:buNone/>
-              <a:defRPr sz="1300">
+            <a:lvl5pPr marL="1371600" indent="0">
+              <a:buNone/>
+              <a:defRPr sz="1200">
                 <a:solidFill>
                   <a:schemeClr val="tx1">
                     <a:tint val="82000"/>
@@ -2289,9 +2157,9 @@
                 </a:solidFill>
               </a:defRPr>
             </a:lvl5pPr>
-            <a:lvl6pPr marL="1857375" indent="0">
-              <a:buNone/>
-              <a:defRPr sz="1300">
+            <a:lvl6pPr marL="1714500" indent="0">
+              <a:buNone/>
+              <a:defRPr sz="1200">
                 <a:solidFill>
                   <a:schemeClr val="tx1">
                     <a:tint val="82000"/>
@@ -2299,9 +2167,9 @@
                 </a:solidFill>
               </a:defRPr>
             </a:lvl6pPr>
-            <a:lvl7pPr marL="2228850" indent="0">
-              <a:buNone/>
-              <a:defRPr sz="1300">
+            <a:lvl7pPr marL="2057400" indent="0">
+              <a:buNone/>
+              <a:defRPr sz="1200">
                 <a:solidFill>
                   <a:schemeClr val="tx1">
                     <a:tint val="82000"/>
@@ -2309,9 +2177,9 @@
                 </a:solidFill>
               </a:defRPr>
             </a:lvl7pPr>
-            <a:lvl8pPr marL="2600325" indent="0">
-              <a:buNone/>
-              <a:defRPr sz="1300">
+            <a:lvl8pPr marL="2400300" indent="0">
+              <a:buNone/>
+              <a:defRPr sz="1200">
                 <a:solidFill>
                   <a:schemeClr val="tx1">
                     <a:tint val="82000"/>
@@ -2319,9 +2187,9 @@
                 </a:solidFill>
               </a:defRPr>
             </a:lvl8pPr>
-            <a:lvl9pPr marL="2971800" indent="0">
-              <a:buNone/>
-              <a:defRPr sz="1300">
+            <a:lvl9pPr marL="2743200" indent="0">
+              <a:buNone/>
+              <a:defRPr sz="1200">
                 <a:solidFill>
                   <a:schemeClr val="tx1">
                     <a:tint val="82000"/>
@@ -2341,13 +2209,7 @@
       </p:sp>
       <p:sp>
         <p:nvSpPr>
-          <p:cNvPr id="4" name="Marcador de fecha 3">
-            <a:extLst>
-              <a:ext uri="{FF2B5EF4-FFF2-40B4-BE49-F238E27FC236}">
-                <a16:creationId xmlns:a16="http://schemas.microsoft.com/office/drawing/2014/main" id="{208400C6-B039-FE0E-8A91-62F184E58CCC}"/>
-              </a:ext>
-            </a:extLst>
-          </p:cNvPr>
+          <p:cNvPr id="4" name="Date Placeholder 3"/>
           <p:cNvSpPr>
             <a:spLocks noGrp="1"/>
           </p:cNvSpPr>
@@ -2370,13 +2232,7 @@
       </p:sp>
       <p:sp>
         <p:nvSpPr>
-          <p:cNvPr id="5" name="Marcador de pie de página 4">
-            <a:extLst>
-              <a:ext uri="{FF2B5EF4-FFF2-40B4-BE49-F238E27FC236}">
-                <a16:creationId xmlns:a16="http://schemas.microsoft.com/office/drawing/2014/main" id="{C89D44D3-2BD6-D246-5FA3-568BA72CD8EE}"/>
-              </a:ext>
-            </a:extLst>
-          </p:cNvPr>
+          <p:cNvPr id="5" name="Footer Placeholder 4"/>
           <p:cNvSpPr>
             <a:spLocks noGrp="1"/>
           </p:cNvSpPr>
@@ -2395,13 +2251,7 @@
       </p:sp>
       <p:sp>
         <p:nvSpPr>
-          <p:cNvPr id="6" name="Marcador de número de diapositiva 5">
-            <a:extLst>
-              <a:ext uri="{FF2B5EF4-FFF2-40B4-BE49-F238E27FC236}">
-                <a16:creationId xmlns:a16="http://schemas.microsoft.com/office/drawing/2014/main" id="{AA27155C-8CE2-2D06-677D-7FEC7DF1B4ED}"/>
-              </a:ext>
-            </a:extLst>
-          </p:cNvPr>
+          <p:cNvPr id="6" name="Slide Number Placeholder 5"/>
           <p:cNvSpPr>
             <a:spLocks noGrp="1"/>
           </p:cNvSpPr>
@@ -2431,7 +2281,7 @@
     </p:spTree>
     <p:extLst>
       <p:ext uri="{BB962C8B-B14F-4D97-AF65-F5344CB8AC3E}">
-        <p14:creationId xmlns:p14="http://schemas.microsoft.com/office/powerpoint/2010/main" val="3591979477"/>
+        <p14:creationId xmlns:p14="http://schemas.microsoft.com/office/powerpoint/2010/main" val="2922541606"/>
       </p:ext>
     </p:extLst>
   </p:cSld>
@@ -2461,13 +2311,7 @@
       </p:grpSpPr>
       <p:sp>
         <p:nvSpPr>
-          <p:cNvPr id="2" name="Título 1">
-            <a:extLst>
-              <a:ext uri="{FF2B5EF4-FFF2-40B4-BE49-F238E27FC236}">
-                <a16:creationId xmlns:a16="http://schemas.microsoft.com/office/drawing/2014/main" id="{556A4F25-B497-F4FF-28E9-893436C2479F}"/>
-              </a:ext>
-            </a:extLst>
-          </p:cNvPr>
+          <p:cNvPr id="2" name="Title 1"/>
           <p:cNvSpPr>
             <a:spLocks noGrp="1"/>
           </p:cNvSpPr>
@@ -2484,19 +2328,13 @@
               <a:rPr lang="es-MX"/>
               <a:t>Haz clic para modificar el estilo de título del patrón</a:t>
             </a:r>
-            <a:endParaRPr lang="es-CO"/>
-          </a:p>
-        </p:txBody>
-      </p:sp>
-      <p:sp>
-        <p:nvSpPr>
-          <p:cNvPr id="3" name="Marcador de contenido 2">
-            <a:extLst>
-              <a:ext uri="{FF2B5EF4-FFF2-40B4-BE49-F238E27FC236}">
-                <a16:creationId xmlns:a16="http://schemas.microsoft.com/office/drawing/2014/main" id="{30B8F20D-7058-E5A3-096C-4747B4E046D1}"/>
-              </a:ext>
-            </a:extLst>
-          </p:cNvPr>
+            <a:endParaRPr lang="en-US" dirty="0"/>
+          </a:p>
+        </p:txBody>
+      </p:sp>
+      <p:sp>
+        <p:nvSpPr>
+          <p:cNvPr id="3" name="Content Placeholder 2"/>
           <p:cNvSpPr>
             <a:spLocks noGrp="1"/>
           </p:cNvSpPr>
@@ -2506,8 +2344,8 @@
         </p:nvSpPr>
         <p:spPr>
           <a:xfrm>
-            <a:off x="681038" y="1825625"/>
-            <a:ext cx="4210050" cy="4351338"/>
+            <a:off x="628650" y="1369218"/>
+            <a:ext cx="3886200" cy="3263504"/>
           </a:xfrm>
         </p:spPr>
         <p:txBody>
@@ -2547,19 +2385,13 @@
               <a:rPr lang="es-MX"/>
               <a:t>Quinto nivel</a:t>
             </a:r>
-            <a:endParaRPr lang="es-CO"/>
-          </a:p>
-        </p:txBody>
-      </p:sp>
-      <p:sp>
-        <p:nvSpPr>
-          <p:cNvPr id="4" name="Marcador de contenido 3">
-            <a:extLst>
-              <a:ext uri="{FF2B5EF4-FFF2-40B4-BE49-F238E27FC236}">
-                <a16:creationId xmlns:a16="http://schemas.microsoft.com/office/drawing/2014/main" id="{AFEAF5AD-B69C-E629-A6B7-337C8AF6FD71}"/>
-              </a:ext>
-            </a:extLst>
-          </p:cNvPr>
+            <a:endParaRPr lang="en-US" dirty="0"/>
+          </a:p>
+        </p:txBody>
+      </p:sp>
+      <p:sp>
+        <p:nvSpPr>
+          <p:cNvPr id="4" name="Content Placeholder 3"/>
           <p:cNvSpPr>
             <a:spLocks noGrp="1"/>
           </p:cNvSpPr>
@@ -2569,8 +2401,8 @@
         </p:nvSpPr>
         <p:spPr>
           <a:xfrm>
-            <a:off x="5014913" y="1825625"/>
-            <a:ext cx="4210050" cy="4351338"/>
+            <a:off x="4629150" y="1369218"/>
+            <a:ext cx="3886200" cy="3263504"/>
           </a:xfrm>
         </p:spPr>
         <p:txBody>
@@ -2610,19 +2442,13 @@
               <a:rPr lang="es-MX"/>
               <a:t>Quinto nivel</a:t>
             </a:r>
-            <a:endParaRPr lang="es-CO"/>
-          </a:p>
-        </p:txBody>
-      </p:sp>
-      <p:sp>
-        <p:nvSpPr>
-          <p:cNvPr id="5" name="Marcador de fecha 4">
-            <a:extLst>
-              <a:ext uri="{FF2B5EF4-FFF2-40B4-BE49-F238E27FC236}">
-                <a16:creationId xmlns:a16="http://schemas.microsoft.com/office/drawing/2014/main" id="{FFCA0B9C-6AC2-D68D-5D59-936AA5D1EFB3}"/>
-              </a:ext>
-            </a:extLst>
-          </p:cNvPr>
+            <a:endParaRPr lang="en-US" dirty="0"/>
+          </a:p>
+        </p:txBody>
+      </p:sp>
+      <p:sp>
+        <p:nvSpPr>
+          <p:cNvPr id="5" name="Date Placeholder 4"/>
           <p:cNvSpPr>
             <a:spLocks noGrp="1"/>
           </p:cNvSpPr>
@@ -2645,13 +2471,7 @@
       </p:sp>
       <p:sp>
         <p:nvSpPr>
-          <p:cNvPr id="6" name="Marcador de pie de página 5">
-            <a:extLst>
-              <a:ext uri="{FF2B5EF4-FFF2-40B4-BE49-F238E27FC236}">
-                <a16:creationId xmlns:a16="http://schemas.microsoft.com/office/drawing/2014/main" id="{CBC1E800-3EC8-2D50-6341-5E468815C6D8}"/>
-              </a:ext>
-            </a:extLst>
-          </p:cNvPr>
+          <p:cNvPr id="6" name="Footer Placeholder 5"/>
           <p:cNvSpPr>
             <a:spLocks noGrp="1"/>
           </p:cNvSpPr>
@@ -2670,13 +2490,7 @@
       </p:sp>
       <p:sp>
         <p:nvSpPr>
-          <p:cNvPr id="7" name="Marcador de número de diapositiva 6">
-            <a:extLst>
-              <a:ext uri="{FF2B5EF4-FFF2-40B4-BE49-F238E27FC236}">
-                <a16:creationId xmlns:a16="http://schemas.microsoft.com/office/drawing/2014/main" id="{BD554C95-2F13-C762-2D18-60EC7A4ACDF2}"/>
-              </a:ext>
-            </a:extLst>
-          </p:cNvPr>
+          <p:cNvPr id="7" name="Slide Number Placeholder 6"/>
           <p:cNvSpPr>
             <a:spLocks noGrp="1"/>
           </p:cNvSpPr>
@@ -2706,7 +2520,7 @@
     </p:spTree>
     <p:extLst>
       <p:ext uri="{BB962C8B-B14F-4D97-AF65-F5344CB8AC3E}">
-        <p14:creationId xmlns:p14="http://schemas.microsoft.com/office/powerpoint/2010/main" val="1330288451"/>
+        <p14:creationId xmlns:p14="http://schemas.microsoft.com/office/powerpoint/2010/main" val="1555281819"/>
       </p:ext>
     </p:extLst>
   </p:cSld>
@@ -2736,13 +2550,7 @@
       </p:grpSpPr>
       <p:sp>
         <p:nvSpPr>
-          <p:cNvPr id="2" name="Título 1">
-            <a:extLst>
-              <a:ext uri="{FF2B5EF4-FFF2-40B4-BE49-F238E27FC236}">
-                <a16:creationId xmlns:a16="http://schemas.microsoft.com/office/drawing/2014/main" id="{C56C481E-D636-FC75-CE06-789A24D5F320}"/>
-              </a:ext>
-            </a:extLst>
-          </p:cNvPr>
+          <p:cNvPr id="2" name="Title 1"/>
           <p:cNvSpPr>
             <a:spLocks noGrp="1"/>
           </p:cNvSpPr>
@@ -2752,8 +2560,8 @@
         </p:nvSpPr>
         <p:spPr>
           <a:xfrm>
-            <a:off x="682328" y="365126"/>
-            <a:ext cx="8543925" cy="1325563"/>
+            <a:off x="629841" y="273844"/>
+            <a:ext cx="7886700" cy="994172"/>
           </a:xfrm>
         </p:spPr>
         <p:txBody>
@@ -2764,19 +2572,13 @@
               <a:rPr lang="es-MX"/>
               <a:t>Haz clic para modificar el estilo de título del patrón</a:t>
             </a:r>
-            <a:endParaRPr lang="es-CO"/>
-          </a:p>
-        </p:txBody>
-      </p:sp>
-      <p:sp>
-        <p:nvSpPr>
-          <p:cNvPr id="3" name="Marcador de texto 2">
-            <a:extLst>
-              <a:ext uri="{FF2B5EF4-FFF2-40B4-BE49-F238E27FC236}">
-                <a16:creationId xmlns:a16="http://schemas.microsoft.com/office/drawing/2014/main" id="{07F2F53B-B3E3-DC84-B2C6-CFEE48FC1015}"/>
-              </a:ext>
-            </a:extLst>
-          </p:cNvPr>
+            <a:endParaRPr lang="en-US" dirty="0"/>
+          </a:p>
+        </p:txBody>
+      </p:sp>
+      <p:sp>
+        <p:nvSpPr>
+          <p:cNvPr id="3" name="Text Placeholder 2"/>
           <p:cNvSpPr>
             <a:spLocks noGrp="1"/>
           </p:cNvSpPr>
@@ -2786,8 +2588,8 @@
         </p:nvSpPr>
         <p:spPr>
           <a:xfrm>
-            <a:off x="682328" y="1681163"/>
-            <a:ext cx="4190702" cy="823912"/>
+            <a:off x="629842" y="1260872"/>
+            <a:ext cx="3868340" cy="617934"/>
           </a:xfrm>
         </p:spPr>
         <p:txBody>
@@ -2795,39 +2597,39 @@
           <a:lstStyle>
             <a:lvl1pPr marL="0" indent="0">
               <a:buNone/>
-              <a:defRPr sz="1950" b="1"/>
+              <a:defRPr sz="1800" b="1"/>
             </a:lvl1pPr>
-            <a:lvl2pPr marL="371475" indent="0">
-              <a:buNone/>
-              <a:defRPr sz="1625" b="1"/>
+            <a:lvl2pPr marL="342900" indent="0">
+              <a:buNone/>
+              <a:defRPr sz="1500" b="1"/>
             </a:lvl2pPr>
-            <a:lvl3pPr marL="742950" indent="0">
-              <a:buNone/>
-              <a:defRPr sz="1463" b="1"/>
+            <a:lvl3pPr marL="685800" indent="0">
+              <a:buNone/>
+              <a:defRPr sz="1350" b="1"/>
             </a:lvl3pPr>
-            <a:lvl4pPr marL="1114425" indent="0">
-              <a:buNone/>
-              <a:defRPr sz="1300" b="1"/>
+            <a:lvl4pPr marL="1028700" indent="0">
+              <a:buNone/>
+              <a:defRPr sz="1200" b="1"/>
             </a:lvl4pPr>
-            <a:lvl5pPr marL="1485900" indent="0">
-              <a:buNone/>
-              <a:defRPr sz="1300" b="1"/>
+            <a:lvl5pPr marL="1371600" indent="0">
+              <a:buNone/>
+              <a:defRPr sz="1200" b="1"/>
             </a:lvl5pPr>
-            <a:lvl6pPr marL="1857375" indent="0">
-              <a:buNone/>
-              <a:defRPr sz="1300" b="1"/>
+            <a:lvl6pPr marL="1714500" indent="0">
+              <a:buNone/>
+              <a:defRPr sz="1200" b="1"/>
             </a:lvl6pPr>
-            <a:lvl7pPr marL="2228850" indent="0">
-              <a:buNone/>
-              <a:defRPr sz="1300" b="1"/>
+            <a:lvl7pPr marL="2057400" indent="0">
+              <a:buNone/>
+              <a:defRPr sz="1200" b="1"/>
             </a:lvl7pPr>
-            <a:lvl8pPr marL="2600325" indent="0">
-              <a:buNone/>
-              <a:defRPr sz="1300" b="1"/>
+            <a:lvl8pPr marL="2400300" indent="0">
+              <a:buNone/>
+              <a:defRPr sz="1200" b="1"/>
             </a:lvl8pPr>
-            <a:lvl9pPr marL="2971800" indent="0">
-              <a:buNone/>
-              <a:defRPr sz="1300" b="1"/>
+            <a:lvl9pPr marL="2743200" indent="0">
+              <a:buNone/>
+              <a:defRPr sz="1200" b="1"/>
             </a:lvl9pPr>
           </a:lstStyle>
           <a:p>
@@ -2841,13 +2643,7 @@
       </p:sp>
       <p:sp>
         <p:nvSpPr>
-          <p:cNvPr id="4" name="Marcador de contenido 3">
-            <a:extLst>
-              <a:ext uri="{FF2B5EF4-FFF2-40B4-BE49-F238E27FC236}">
-                <a16:creationId xmlns:a16="http://schemas.microsoft.com/office/drawing/2014/main" id="{4EF8F77D-69F3-A798-2442-5A1573E86E65}"/>
-              </a:ext>
-            </a:extLst>
-          </p:cNvPr>
+          <p:cNvPr id="4" name="Content Placeholder 3"/>
           <p:cNvSpPr>
             <a:spLocks noGrp="1"/>
           </p:cNvSpPr>
@@ -2857,8 +2653,8 @@
         </p:nvSpPr>
         <p:spPr>
           <a:xfrm>
-            <a:off x="682328" y="2505075"/>
-            <a:ext cx="4190702" cy="3684588"/>
+            <a:off x="629842" y="1878806"/>
+            <a:ext cx="3868340" cy="2763441"/>
           </a:xfrm>
         </p:spPr>
         <p:txBody>
@@ -2898,19 +2694,13 @@
               <a:rPr lang="es-MX"/>
               <a:t>Quinto nivel</a:t>
             </a:r>
-            <a:endParaRPr lang="es-CO"/>
-          </a:p>
-        </p:txBody>
-      </p:sp>
-      <p:sp>
-        <p:nvSpPr>
-          <p:cNvPr id="5" name="Marcador de texto 4">
-            <a:extLst>
-              <a:ext uri="{FF2B5EF4-FFF2-40B4-BE49-F238E27FC236}">
-                <a16:creationId xmlns:a16="http://schemas.microsoft.com/office/drawing/2014/main" id="{FF893BD6-2E70-B1E5-8119-153D2F4B49C1}"/>
-              </a:ext>
-            </a:extLst>
-          </p:cNvPr>
+            <a:endParaRPr lang="en-US" dirty="0"/>
+          </a:p>
+        </p:txBody>
+      </p:sp>
+      <p:sp>
+        <p:nvSpPr>
+          <p:cNvPr id="5" name="Text Placeholder 4"/>
           <p:cNvSpPr>
             <a:spLocks noGrp="1"/>
           </p:cNvSpPr>
@@ -2920,8 +2710,8 @@
         </p:nvSpPr>
         <p:spPr>
           <a:xfrm>
-            <a:off x="5014913" y="1681163"/>
-            <a:ext cx="4211340" cy="823912"/>
+            <a:off x="4629150" y="1260872"/>
+            <a:ext cx="3887391" cy="617934"/>
           </a:xfrm>
         </p:spPr>
         <p:txBody>
@@ -2929,39 +2719,39 @@
           <a:lstStyle>
             <a:lvl1pPr marL="0" indent="0">
               <a:buNone/>
-              <a:defRPr sz="1950" b="1"/>
+              <a:defRPr sz="1800" b="1"/>
             </a:lvl1pPr>
-            <a:lvl2pPr marL="371475" indent="0">
-              <a:buNone/>
-              <a:defRPr sz="1625" b="1"/>
+            <a:lvl2pPr marL="342900" indent="0">
+              <a:buNone/>
+              <a:defRPr sz="1500" b="1"/>
             </a:lvl2pPr>
-            <a:lvl3pPr marL="742950" indent="0">
-              <a:buNone/>
-              <a:defRPr sz="1463" b="1"/>
+            <a:lvl3pPr marL="685800" indent="0">
+              <a:buNone/>
+              <a:defRPr sz="1350" b="1"/>
             </a:lvl3pPr>
-            <a:lvl4pPr marL="1114425" indent="0">
-              <a:buNone/>
-              <a:defRPr sz="1300" b="1"/>
+            <a:lvl4pPr marL="1028700" indent="0">
+              <a:buNone/>
+              <a:defRPr sz="1200" b="1"/>
             </a:lvl4pPr>
-            <a:lvl5pPr marL="1485900" indent="0">
-              <a:buNone/>
-              <a:defRPr sz="1300" b="1"/>
+            <a:lvl5pPr marL="1371600" indent="0">
+              <a:buNone/>
+              <a:defRPr sz="1200" b="1"/>
             </a:lvl5pPr>
-            <a:lvl6pPr marL="1857375" indent="0">
-              <a:buNone/>
-              <a:defRPr sz="1300" b="1"/>
+            <a:lvl6pPr marL="1714500" indent="0">
+              <a:buNone/>
+              <a:defRPr sz="1200" b="1"/>
             </a:lvl6pPr>
-            <a:lvl7pPr marL="2228850" indent="0">
-              <a:buNone/>
-              <a:defRPr sz="1300" b="1"/>
+            <a:lvl7pPr marL="2057400" indent="0">
+              <a:buNone/>
+              <a:defRPr sz="1200" b="1"/>
             </a:lvl7pPr>
-            <a:lvl8pPr marL="2600325" indent="0">
-              <a:buNone/>
-              <a:defRPr sz="1300" b="1"/>
+            <a:lvl8pPr marL="2400300" indent="0">
+              <a:buNone/>
+              <a:defRPr sz="1200" b="1"/>
             </a:lvl8pPr>
-            <a:lvl9pPr marL="2971800" indent="0">
-              <a:buNone/>
-              <a:defRPr sz="1300" b="1"/>
+            <a:lvl9pPr marL="2743200" indent="0">
+              <a:buNone/>
+              <a:defRPr sz="1200" b="1"/>
             </a:lvl9pPr>
           </a:lstStyle>
           <a:p>
@@ -2975,13 +2765,7 @@
       </p:sp>
       <p:sp>
         <p:nvSpPr>
-          <p:cNvPr id="6" name="Marcador de contenido 5">
-            <a:extLst>
-              <a:ext uri="{FF2B5EF4-FFF2-40B4-BE49-F238E27FC236}">
-                <a16:creationId xmlns:a16="http://schemas.microsoft.com/office/drawing/2014/main" id="{C0607301-8416-219E-1031-44A65CD47EDE}"/>
-              </a:ext>
-            </a:extLst>
-          </p:cNvPr>
+          <p:cNvPr id="6" name="Content Placeholder 5"/>
           <p:cNvSpPr>
             <a:spLocks noGrp="1"/>
           </p:cNvSpPr>
@@ -2991,8 +2775,8 @@
         </p:nvSpPr>
         <p:spPr>
           <a:xfrm>
-            <a:off x="5014913" y="2505075"/>
-            <a:ext cx="4211340" cy="3684588"/>
+            <a:off x="4629150" y="1878806"/>
+            <a:ext cx="3887391" cy="2763441"/>
           </a:xfrm>
         </p:spPr>
         <p:txBody>
@@ -3032,19 +2816,13 @@
               <a:rPr lang="es-MX"/>
               <a:t>Quinto nivel</a:t>
             </a:r>
-            <a:endParaRPr lang="es-CO"/>
-          </a:p>
-        </p:txBody>
-      </p:sp>
-      <p:sp>
-        <p:nvSpPr>
-          <p:cNvPr id="7" name="Marcador de fecha 6">
-            <a:extLst>
-              <a:ext uri="{FF2B5EF4-FFF2-40B4-BE49-F238E27FC236}">
-                <a16:creationId xmlns:a16="http://schemas.microsoft.com/office/drawing/2014/main" id="{7BCE3F6B-267D-9E9B-AAA2-7E6AF164F14F}"/>
-              </a:ext>
-            </a:extLst>
-          </p:cNvPr>
+            <a:endParaRPr lang="en-US" dirty="0"/>
+          </a:p>
+        </p:txBody>
+      </p:sp>
+      <p:sp>
+        <p:nvSpPr>
+          <p:cNvPr id="7" name="Date Placeholder 6"/>
           <p:cNvSpPr>
             <a:spLocks noGrp="1"/>
           </p:cNvSpPr>
@@ -3067,13 +2845,7 @@
       </p:sp>
       <p:sp>
         <p:nvSpPr>
-          <p:cNvPr id="8" name="Marcador de pie de página 7">
-            <a:extLst>
-              <a:ext uri="{FF2B5EF4-FFF2-40B4-BE49-F238E27FC236}">
-                <a16:creationId xmlns:a16="http://schemas.microsoft.com/office/drawing/2014/main" id="{4095308F-E632-298B-03C4-04386E72CEB3}"/>
-              </a:ext>
-            </a:extLst>
-          </p:cNvPr>
+          <p:cNvPr id="8" name="Footer Placeholder 7"/>
           <p:cNvSpPr>
             <a:spLocks noGrp="1"/>
           </p:cNvSpPr>
@@ -3092,13 +2864,7 @@
       </p:sp>
       <p:sp>
         <p:nvSpPr>
-          <p:cNvPr id="9" name="Marcador de número de diapositiva 8">
-            <a:extLst>
-              <a:ext uri="{FF2B5EF4-FFF2-40B4-BE49-F238E27FC236}">
-                <a16:creationId xmlns:a16="http://schemas.microsoft.com/office/drawing/2014/main" id="{CA2F3103-CCAF-A1F7-5BA3-3F7C4584456D}"/>
-              </a:ext>
-            </a:extLst>
-          </p:cNvPr>
+          <p:cNvPr id="9" name="Slide Number Placeholder 8"/>
           <p:cNvSpPr>
             <a:spLocks noGrp="1"/>
           </p:cNvSpPr>
@@ -3128,7 +2894,7 @@
     </p:spTree>
     <p:extLst>
       <p:ext uri="{BB962C8B-B14F-4D97-AF65-F5344CB8AC3E}">
-        <p14:creationId xmlns:p14="http://schemas.microsoft.com/office/powerpoint/2010/main" val="1527429079"/>
+        <p14:creationId xmlns:p14="http://schemas.microsoft.com/office/powerpoint/2010/main" val="1407176346"/>
       </p:ext>
     </p:extLst>
   </p:cSld>
@@ -3158,13 +2924,7 @@
       </p:grpSpPr>
       <p:sp>
         <p:nvSpPr>
-          <p:cNvPr id="2" name="Título 1">
-            <a:extLst>
-              <a:ext uri="{FF2B5EF4-FFF2-40B4-BE49-F238E27FC236}">
-                <a16:creationId xmlns:a16="http://schemas.microsoft.com/office/drawing/2014/main" id="{0E2DD463-4834-0D3E-E15C-FE1BCF929415}"/>
-              </a:ext>
-            </a:extLst>
-          </p:cNvPr>
+          <p:cNvPr id="2" name="Title 1"/>
           <p:cNvSpPr>
             <a:spLocks noGrp="1"/>
           </p:cNvSpPr>
@@ -3181,19 +2941,13 @@
               <a:rPr lang="es-MX"/>
               <a:t>Haz clic para modificar el estilo de título del patrón</a:t>
             </a:r>
-            <a:endParaRPr lang="es-CO"/>
-          </a:p>
-        </p:txBody>
-      </p:sp>
-      <p:sp>
-        <p:nvSpPr>
-          <p:cNvPr id="3" name="Marcador de fecha 2">
-            <a:extLst>
-              <a:ext uri="{FF2B5EF4-FFF2-40B4-BE49-F238E27FC236}">
-                <a16:creationId xmlns:a16="http://schemas.microsoft.com/office/drawing/2014/main" id="{AF752CEB-46F2-895B-6589-E093ECB0D480}"/>
-              </a:ext>
-            </a:extLst>
-          </p:cNvPr>
+            <a:endParaRPr lang="en-US" dirty="0"/>
+          </a:p>
+        </p:txBody>
+      </p:sp>
+      <p:sp>
+        <p:nvSpPr>
+          <p:cNvPr id="3" name="Date Placeholder 2"/>
           <p:cNvSpPr>
             <a:spLocks noGrp="1"/>
           </p:cNvSpPr>
@@ -3216,13 +2970,7 @@
       </p:sp>
       <p:sp>
         <p:nvSpPr>
-          <p:cNvPr id="4" name="Marcador de pie de página 3">
-            <a:extLst>
-              <a:ext uri="{FF2B5EF4-FFF2-40B4-BE49-F238E27FC236}">
-                <a16:creationId xmlns:a16="http://schemas.microsoft.com/office/drawing/2014/main" id="{EF91163F-7FC7-760E-3623-0A866D78436B}"/>
-              </a:ext>
-            </a:extLst>
-          </p:cNvPr>
+          <p:cNvPr id="4" name="Footer Placeholder 3"/>
           <p:cNvSpPr>
             <a:spLocks noGrp="1"/>
           </p:cNvSpPr>
@@ -3241,13 +2989,7 @@
       </p:sp>
       <p:sp>
         <p:nvSpPr>
-          <p:cNvPr id="5" name="Marcador de número de diapositiva 4">
-            <a:extLst>
-              <a:ext uri="{FF2B5EF4-FFF2-40B4-BE49-F238E27FC236}">
-                <a16:creationId xmlns:a16="http://schemas.microsoft.com/office/drawing/2014/main" id="{AEB3E45B-0C20-3CA8-B828-5789031747EA}"/>
-              </a:ext>
-            </a:extLst>
-          </p:cNvPr>
+          <p:cNvPr id="5" name="Slide Number Placeholder 4"/>
           <p:cNvSpPr>
             <a:spLocks noGrp="1"/>
           </p:cNvSpPr>
@@ -3277,7 +3019,7 @@
     </p:spTree>
     <p:extLst>
       <p:ext uri="{BB962C8B-B14F-4D97-AF65-F5344CB8AC3E}">
-        <p14:creationId xmlns:p14="http://schemas.microsoft.com/office/powerpoint/2010/main" val="111300926"/>
+        <p14:creationId xmlns:p14="http://schemas.microsoft.com/office/powerpoint/2010/main" val="2838670738"/>
       </p:ext>
     </p:extLst>
   </p:cSld>
@@ -3307,13 +3049,7 @@
       </p:grpSpPr>
       <p:sp>
         <p:nvSpPr>
-          <p:cNvPr id="2" name="Marcador de fecha 1">
-            <a:extLst>
-              <a:ext uri="{FF2B5EF4-FFF2-40B4-BE49-F238E27FC236}">
-                <a16:creationId xmlns:a16="http://schemas.microsoft.com/office/drawing/2014/main" id="{94B56183-B8AC-A0AA-1C32-F600CF4E63B0}"/>
-              </a:ext>
-            </a:extLst>
-          </p:cNvPr>
+          <p:cNvPr id="2" name="Date Placeholder 1"/>
           <p:cNvSpPr>
             <a:spLocks noGrp="1"/>
           </p:cNvSpPr>
@@ -3336,13 +3072,7 @@
       </p:sp>
       <p:sp>
         <p:nvSpPr>
-          <p:cNvPr id="3" name="Marcador de pie de página 2">
-            <a:extLst>
-              <a:ext uri="{FF2B5EF4-FFF2-40B4-BE49-F238E27FC236}">
-                <a16:creationId xmlns:a16="http://schemas.microsoft.com/office/drawing/2014/main" id="{977D323E-7FB0-511E-306C-24534B26D279}"/>
-              </a:ext>
-            </a:extLst>
-          </p:cNvPr>
+          <p:cNvPr id="3" name="Footer Placeholder 2"/>
           <p:cNvSpPr>
             <a:spLocks noGrp="1"/>
           </p:cNvSpPr>
@@ -3361,13 +3091,7 @@
       </p:sp>
       <p:sp>
         <p:nvSpPr>
-          <p:cNvPr id="4" name="Marcador de número de diapositiva 3">
-            <a:extLst>
-              <a:ext uri="{FF2B5EF4-FFF2-40B4-BE49-F238E27FC236}">
-                <a16:creationId xmlns:a16="http://schemas.microsoft.com/office/drawing/2014/main" id="{7E12373E-8F8E-B859-0457-F3F201FB15FD}"/>
-              </a:ext>
-            </a:extLst>
-          </p:cNvPr>
+          <p:cNvPr id="4" name="Slide Number Placeholder 3"/>
           <p:cNvSpPr>
             <a:spLocks noGrp="1"/>
           </p:cNvSpPr>
@@ -3397,7 +3121,7 @@
     </p:spTree>
     <p:extLst>
       <p:ext uri="{BB962C8B-B14F-4D97-AF65-F5344CB8AC3E}">
-        <p14:creationId xmlns:p14="http://schemas.microsoft.com/office/powerpoint/2010/main" val="2685428080"/>
+        <p14:creationId xmlns:p14="http://schemas.microsoft.com/office/powerpoint/2010/main" val="2704228309"/>
       </p:ext>
     </p:extLst>
   </p:cSld>
@@ -3427,13 +3151,7 @@
       </p:grpSpPr>
       <p:sp>
         <p:nvSpPr>
-          <p:cNvPr id="2" name="Título 1">
-            <a:extLst>
-              <a:ext uri="{FF2B5EF4-FFF2-40B4-BE49-F238E27FC236}">
-                <a16:creationId xmlns:a16="http://schemas.microsoft.com/office/drawing/2014/main" id="{B4815AAD-E3B1-4D36-E400-5E97EA7B7B83}"/>
-              </a:ext>
-            </a:extLst>
-          </p:cNvPr>
+          <p:cNvPr id="2" name="Title 1"/>
           <p:cNvSpPr>
             <a:spLocks noGrp="1"/>
           </p:cNvSpPr>
@@ -3443,15 +3161,15 @@
         </p:nvSpPr>
         <p:spPr>
           <a:xfrm>
-            <a:off x="682328" y="457200"/>
-            <a:ext cx="3194943" cy="1600200"/>
+            <a:off x="629841" y="342900"/>
+            <a:ext cx="2949178" cy="1200150"/>
           </a:xfrm>
         </p:spPr>
         <p:txBody>
           <a:bodyPr anchor="b"/>
           <a:lstStyle>
             <a:lvl1pPr>
-              <a:defRPr sz="2600"/>
+              <a:defRPr sz="2400"/>
             </a:lvl1pPr>
           </a:lstStyle>
           <a:p>
@@ -3459,19 +3177,13 @@
               <a:rPr lang="es-MX"/>
               <a:t>Haz clic para modificar el estilo de título del patrón</a:t>
             </a:r>
-            <a:endParaRPr lang="es-CO"/>
-          </a:p>
-        </p:txBody>
-      </p:sp>
-      <p:sp>
-        <p:nvSpPr>
-          <p:cNvPr id="3" name="Marcador de contenido 2">
-            <a:extLst>
-              <a:ext uri="{FF2B5EF4-FFF2-40B4-BE49-F238E27FC236}">
-                <a16:creationId xmlns:a16="http://schemas.microsoft.com/office/drawing/2014/main" id="{895B9096-4770-DC94-D48E-9B2567C816DB}"/>
-              </a:ext>
-            </a:extLst>
-          </p:cNvPr>
+            <a:endParaRPr lang="en-US" dirty="0"/>
+          </a:p>
+        </p:txBody>
+      </p:sp>
+      <p:sp>
+        <p:nvSpPr>
+          <p:cNvPr id="3" name="Content Placeholder 2"/>
           <p:cNvSpPr>
             <a:spLocks noGrp="1"/>
           </p:cNvSpPr>
@@ -3481,39 +3193,39 @@
         </p:nvSpPr>
         <p:spPr>
           <a:xfrm>
-            <a:off x="4211340" y="987426"/>
-            <a:ext cx="5014913" cy="4873625"/>
+            <a:off x="3887391" y="740569"/>
+            <a:ext cx="4629150" cy="3655219"/>
           </a:xfrm>
         </p:spPr>
         <p:txBody>
           <a:bodyPr/>
           <a:lstStyle>
             <a:lvl1pPr>
-              <a:defRPr sz="2600"/>
+              <a:defRPr sz="2400"/>
             </a:lvl1pPr>
             <a:lvl2pPr>
-              <a:defRPr sz="2275"/>
+              <a:defRPr sz="2100"/>
             </a:lvl2pPr>
             <a:lvl3pPr>
-              <a:defRPr sz="1950"/>
+              <a:defRPr sz="1800"/>
             </a:lvl3pPr>
             <a:lvl4pPr>
-              <a:defRPr sz="1625"/>
+              <a:defRPr sz="1500"/>
             </a:lvl4pPr>
             <a:lvl5pPr>
-              <a:defRPr sz="1625"/>
+              <a:defRPr sz="1500"/>
             </a:lvl5pPr>
             <a:lvl6pPr>
-              <a:defRPr sz="1625"/>
+              <a:defRPr sz="1500"/>
             </a:lvl6pPr>
             <a:lvl7pPr>
-              <a:defRPr sz="1625"/>
+              <a:defRPr sz="1500"/>
             </a:lvl7pPr>
             <a:lvl8pPr>
-              <a:defRPr sz="1625"/>
+              <a:defRPr sz="1500"/>
             </a:lvl8pPr>
             <a:lvl9pPr>
-              <a:defRPr sz="1625"/>
+              <a:defRPr sz="1500"/>
             </a:lvl9pPr>
           </a:lstStyle>
           <a:p>
@@ -3550,19 +3262,13 @@
               <a:rPr lang="es-MX"/>
               <a:t>Quinto nivel</a:t>
             </a:r>
-            <a:endParaRPr lang="es-CO"/>
-          </a:p>
-        </p:txBody>
-      </p:sp>
-      <p:sp>
-        <p:nvSpPr>
-          <p:cNvPr id="4" name="Marcador de texto 3">
-            <a:extLst>
-              <a:ext uri="{FF2B5EF4-FFF2-40B4-BE49-F238E27FC236}">
-                <a16:creationId xmlns:a16="http://schemas.microsoft.com/office/drawing/2014/main" id="{34DFFCE1-2290-2882-B5C5-C22E8FAB3520}"/>
-              </a:ext>
-            </a:extLst>
-          </p:cNvPr>
+            <a:endParaRPr lang="en-US" dirty="0"/>
+          </a:p>
+        </p:txBody>
+      </p:sp>
+      <p:sp>
+        <p:nvSpPr>
+          <p:cNvPr id="4" name="Text Placeholder 3"/>
           <p:cNvSpPr>
             <a:spLocks noGrp="1"/>
           </p:cNvSpPr>
@@ -3572,8 +3278,8 @@
         </p:nvSpPr>
         <p:spPr>
           <a:xfrm>
-            <a:off x="682328" y="2057400"/>
-            <a:ext cx="3194943" cy="3811588"/>
+            <a:off x="629841" y="1543050"/>
+            <a:ext cx="2949178" cy="2858691"/>
           </a:xfrm>
         </p:spPr>
         <p:txBody>
@@ -3581,39 +3287,39 @@
           <a:lstStyle>
             <a:lvl1pPr marL="0" indent="0">
               <a:buNone/>
-              <a:defRPr sz="1300"/>
+              <a:defRPr sz="1200"/>
             </a:lvl1pPr>
-            <a:lvl2pPr marL="371475" indent="0">
-              <a:buNone/>
-              <a:defRPr sz="1138"/>
+            <a:lvl2pPr marL="342900" indent="0">
+              <a:buNone/>
+              <a:defRPr sz="1050"/>
             </a:lvl2pPr>
-            <a:lvl3pPr marL="742950" indent="0">
-              <a:buNone/>
-              <a:defRPr sz="975"/>
+            <a:lvl3pPr marL="685800" indent="0">
+              <a:buNone/>
+              <a:defRPr sz="900"/>
             </a:lvl3pPr>
-            <a:lvl4pPr marL="1114425" indent="0">
-              <a:buNone/>
-              <a:defRPr sz="813"/>
+            <a:lvl4pPr marL="1028700" indent="0">
+              <a:buNone/>
+              <a:defRPr sz="750"/>
             </a:lvl4pPr>
-            <a:lvl5pPr marL="1485900" indent="0">
-              <a:buNone/>
-              <a:defRPr sz="813"/>
+            <a:lvl5pPr marL="1371600" indent="0">
+              <a:buNone/>
+              <a:defRPr sz="750"/>
             </a:lvl5pPr>
-            <a:lvl6pPr marL="1857375" indent="0">
-              <a:buNone/>
-              <a:defRPr sz="813"/>
+            <a:lvl6pPr marL="1714500" indent="0">
+              <a:buNone/>
+              <a:defRPr sz="750"/>
             </a:lvl6pPr>
-            <a:lvl7pPr marL="2228850" indent="0">
-              <a:buNone/>
-              <a:defRPr sz="813"/>
+            <a:lvl7pPr marL="2057400" indent="0">
+              <a:buNone/>
+              <a:defRPr sz="750"/>
             </a:lvl7pPr>
-            <a:lvl8pPr marL="2600325" indent="0">
-              <a:buNone/>
-              <a:defRPr sz="813"/>
+            <a:lvl8pPr marL="2400300" indent="0">
+              <a:buNone/>
+              <a:defRPr sz="750"/>
             </a:lvl8pPr>
-            <a:lvl9pPr marL="2971800" indent="0">
-              <a:buNone/>
-              <a:defRPr sz="813"/>
+            <a:lvl9pPr marL="2743200" indent="0">
+              <a:buNone/>
+              <a:defRPr sz="750"/>
             </a:lvl9pPr>
           </a:lstStyle>
           <a:p>
@@ -3627,13 +3333,7 @@
       </p:sp>
       <p:sp>
         <p:nvSpPr>
-          <p:cNvPr id="5" name="Marcador de fecha 4">
-            <a:extLst>
-              <a:ext uri="{FF2B5EF4-FFF2-40B4-BE49-F238E27FC236}">
-                <a16:creationId xmlns:a16="http://schemas.microsoft.com/office/drawing/2014/main" id="{1574F420-C5C5-9C8D-63F5-BB36E6352D03}"/>
-              </a:ext>
-            </a:extLst>
-          </p:cNvPr>
+          <p:cNvPr id="5" name="Date Placeholder 4"/>
           <p:cNvSpPr>
             <a:spLocks noGrp="1"/>
           </p:cNvSpPr>
@@ -3656,13 +3356,7 @@
       </p:sp>
       <p:sp>
         <p:nvSpPr>
-          <p:cNvPr id="6" name="Marcador de pie de página 5">
-            <a:extLst>
-              <a:ext uri="{FF2B5EF4-FFF2-40B4-BE49-F238E27FC236}">
-                <a16:creationId xmlns:a16="http://schemas.microsoft.com/office/drawing/2014/main" id="{1720996A-F519-AA62-0414-454C4F83A1CE}"/>
-              </a:ext>
-            </a:extLst>
-          </p:cNvPr>
+          <p:cNvPr id="6" name="Footer Placeholder 5"/>
           <p:cNvSpPr>
             <a:spLocks noGrp="1"/>
           </p:cNvSpPr>
@@ -3681,13 +3375,7 @@
       </p:sp>
       <p:sp>
         <p:nvSpPr>
-          <p:cNvPr id="7" name="Marcador de número de diapositiva 6">
-            <a:extLst>
-              <a:ext uri="{FF2B5EF4-FFF2-40B4-BE49-F238E27FC236}">
-                <a16:creationId xmlns:a16="http://schemas.microsoft.com/office/drawing/2014/main" id="{4AC14AA6-9549-0EFE-BDE5-C577AF6092F2}"/>
-              </a:ext>
-            </a:extLst>
-          </p:cNvPr>
+          <p:cNvPr id="7" name="Slide Number Placeholder 6"/>
           <p:cNvSpPr>
             <a:spLocks noGrp="1"/>
           </p:cNvSpPr>
@@ -3717,7 +3405,7 @@
     </p:spTree>
     <p:extLst>
       <p:ext uri="{BB962C8B-B14F-4D97-AF65-F5344CB8AC3E}">
-        <p14:creationId xmlns:p14="http://schemas.microsoft.com/office/powerpoint/2010/main" val="810568118"/>
+        <p14:creationId xmlns:p14="http://schemas.microsoft.com/office/powerpoint/2010/main" val="872662690"/>
       </p:ext>
     </p:extLst>
   </p:cSld>
@@ -3747,13 +3435,7 @@
       </p:grpSpPr>
       <p:sp>
         <p:nvSpPr>
-          <p:cNvPr id="2" name="Título 1">
-            <a:extLst>
-              <a:ext uri="{FF2B5EF4-FFF2-40B4-BE49-F238E27FC236}">
-                <a16:creationId xmlns:a16="http://schemas.microsoft.com/office/drawing/2014/main" id="{3919B70B-02EF-2C10-43B6-0A78DB2A7C3B}"/>
-              </a:ext>
-            </a:extLst>
-          </p:cNvPr>
+          <p:cNvPr id="2" name="Title 1"/>
           <p:cNvSpPr>
             <a:spLocks noGrp="1"/>
           </p:cNvSpPr>
@@ -3763,15 +3445,15 @@
         </p:nvSpPr>
         <p:spPr>
           <a:xfrm>
-            <a:off x="682328" y="457200"/>
-            <a:ext cx="3194943" cy="1600200"/>
+            <a:off x="629841" y="342900"/>
+            <a:ext cx="2949178" cy="1200150"/>
           </a:xfrm>
         </p:spPr>
         <p:txBody>
           <a:bodyPr anchor="b"/>
           <a:lstStyle>
             <a:lvl1pPr>
-              <a:defRPr sz="2600"/>
+              <a:defRPr sz="2400"/>
             </a:lvl1pPr>
           </a:lstStyle>
           <a:p>
@@ -3779,21 +3461,15 @@
               <a:rPr lang="es-MX"/>
               <a:t>Haz clic para modificar el estilo de título del patrón</a:t>
             </a:r>
-            <a:endParaRPr lang="es-CO"/>
-          </a:p>
-        </p:txBody>
-      </p:sp>
-      <p:sp>
-        <p:nvSpPr>
-          <p:cNvPr id="3" name="Marcador de posición de imagen 2">
-            <a:extLst>
-              <a:ext uri="{FF2B5EF4-FFF2-40B4-BE49-F238E27FC236}">
-                <a16:creationId xmlns:a16="http://schemas.microsoft.com/office/drawing/2014/main" id="{49503CD1-66F5-2222-D485-299C0ACB91DE}"/>
-              </a:ext>
-            </a:extLst>
-          </p:cNvPr>
-          <p:cNvSpPr>
-            <a:spLocks noGrp="1"/>
+            <a:endParaRPr lang="en-US" dirty="0"/>
+          </a:p>
+        </p:txBody>
+      </p:sp>
+      <p:sp>
+        <p:nvSpPr>
+          <p:cNvPr id="3" name="Picture Placeholder 2"/>
+          <p:cNvSpPr>
+            <a:spLocks noGrp="1" noChangeAspect="1"/>
           </p:cNvSpPr>
           <p:nvPr>
             <p:ph type="pic" idx="1"/>
@@ -3801,8 +3477,73 @@
         </p:nvSpPr>
         <p:spPr>
           <a:xfrm>
-            <a:off x="4211340" y="987426"/>
-            <a:ext cx="5014913" cy="4873625"/>
+            <a:off x="3887391" y="740569"/>
+            <a:ext cx="4629150" cy="3655219"/>
+          </a:xfrm>
+        </p:spPr>
+        <p:txBody>
+          <a:bodyPr anchor="t"/>
+          <a:lstStyle>
+            <a:lvl1pPr marL="0" indent="0">
+              <a:buNone/>
+              <a:defRPr sz="2400"/>
+            </a:lvl1pPr>
+            <a:lvl2pPr marL="342900" indent="0">
+              <a:buNone/>
+              <a:defRPr sz="2100"/>
+            </a:lvl2pPr>
+            <a:lvl3pPr marL="685800" indent="0">
+              <a:buNone/>
+              <a:defRPr sz="1800"/>
+            </a:lvl3pPr>
+            <a:lvl4pPr marL="1028700" indent="0">
+              <a:buNone/>
+              <a:defRPr sz="1500"/>
+            </a:lvl4pPr>
+            <a:lvl5pPr marL="1371600" indent="0">
+              <a:buNone/>
+              <a:defRPr sz="1500"/>
+            </a:lvl5pPr>
+            <a:lvl6pPr marL="1714500" indent="0">
+              <a:buNone/>
+              <a:defRPr sz="1500"/>
+            </a:lvl6pPr>
+            <a:lvl7pPr marL="2057400" indent="0">
+              <a:buNone/>
+              <a:defRPr sz="1500"/>
+            </a:lvl7pPr>
+            <a:lvl8pPr marL="2400300" indent="0">
+              <a:buNone/>
+              <a:defRPr sz="1500"/>
+            </a:lvl8pPr>
+            <a:lvl9pPr marL="2743200" indent="0">
+              <a:buNone/>
+              <a:defRPr sz="1500"/>
+            </a:lvl9pPr>
+          </a:lstStyle>
+          <a:p>
+            <a:r>
+              <a:rPr lang="es-MX"/>
+              <a:t>Haz clic en el icono para agregar una imagen</a:t>
+            </a:r>
+            <a:endParaRPr lang="en-US" dirty="0"/>
+          </a:p>
+        </p:txBody>
+      </p:sp>
+      <p:sp>
+        <p:nvSpPr>
+          <p:cNvPr id="4" name="Text Placeholder 3"/>
+          <p:cNvSpPr>
+            <a:spLocks noGrp="1"/>
+          </p:cNvSpPr>
+          <p:nvPr>
+            <p:ph type="body" sz="half" idx="2"/>
+          </p:nvPr>
+        </p:nvSpPr>
+        <p:spPr>
+          <a:xfrm>
+            <a:off x="629841" y="1543050"/>
+            <a:ext cx="2949178" cy="2858691"/>
           </a:xfrm>
         </p:spPr>
         <p:txBody>
@@ -3810,109 +3551,42 @@
           <a:lstStyle>
             <a:lvl1pPr marL="0" indent="0">
               <a:buNone/>
-              <a:defRPr sz="2600"/>
+              <a:defRPr sz="1200"/>
             </a:lvl1pPr>
-            <a:lvl2pPr marL="371475" indent="0">
-              <a:buNone/>
-              <a:defRPr sz="2275"/>
+            <a:lvl2pPr marL="342900" indent="0">
+              <a:buNone/>
+              <a:defRPr sz="1050"/>
             </a:lvl2pPr>
-            <a:lvl3pPr marL="742950" indent="0">
-              <a:buNone/>
-              <a:defRPr sz="1950"/>
+            <a:lvl3pPr marL="685800" indent="0">
+              <a:buNone/>
+              <a:defRPr sz="900"/>
             </a:lvl3pPr>
-            <a:lvl4pPr marL="1114425" indent="0">
-              <a:buNone/>
-              <a:defRPr sz="1625"/>
+            <a:lvl4pPr marL="1028700" indent="0">
+              <a:buNone/>
+              <a:defRPr sz="750"/>
             </a:lvl4pPr>
-            <a:lvl5pPr marL="1485900" indent="0">
-              <a:buNone/>
-              <a:defRPr sz="1625"/>
+            <a:lvl5pPr marL="1371600" indent="0">
+              <a:buNone/>
+              <a:defRPr sz="750"/>
             </a:lvl5pPr>
-            <a:lvl6pPr marL="1857375" indent="0">
-              <a:buNone/>
-              <a:defRPr sz="1625"/>
+            <a:lvl6pPr marL="1714500" indent="0">
+              <a:buNone/>
+              <a:defRPr sz="750"/>
             </a:lvl6pPr>
-            <a:lvl7pPr marL="2228850" indent="0">
-              <a:buNone/>
-              <a:defRPr sz="1625"/>
+            <a:lvl7pPr marL="2057400" indent="0">
+              <a:buNone/>
+              <a:defRPr sz="750"/>
             </a:lvl7pPr>
-            <a:lvl8pPr marL="2600325" indent="0">
-              <a:buNone/>
-              <a:defRPr sz="1625"/>
+            <a:lvl8pPr marL="2400300" indent="0">
+              <a:buNone/>
+              <a:defRPr sz="750"/>
             </a:lvl8pPr>
-            <a:lvl9pPr marL="2971800" indent="0">
-              <a:buNone/>
-              <a:defRPr sz="1625"/>
+            <a:lvl9pPr marL="2743200" indent="0">
+              <a:buNone/>
+              <a:defRPr sz="750"/>
             </a:lvl9pPr>
           </a:lstStyle>
           <a:p>
-            <a:endParaRPr lang="es-CO"/>
-          </a:p>
-        </p:txBody>
-      </p:sp>
-      <p:sp>
-        <p:nvSpPr>
-          <p:cNvPr id="4" name="Marcador de texto 3">
-            <a:extLst>
-              <a:ext uri="{FF2B5EF4-FFF2-40B4-BE49-F238E27FC236}">
-                <a16:creationId xmlns:a16="http://schemas.microsoft.com/office/drawing/2014/main" id="{A978EE67-CAD2-832E-9076-096C0EA31580}"/>
-              </a:ext>
-            </a:extLst>
-          </p:cNvPr>
-          <p:cNvSpPr>
-            <a:spLocks noGrp="1"/>
-          </p:cNvSpPr>
-          <p:nvPr>
-            <p:ph type="body" sz="half" idx="2"/>
-          </p:nvPr>
-        </p:nvSpPr>
-        <p:spPr>
-          <a:xfrm>
-            <a:off x="682328" y="2057400"/>
-            <a:ext cx="3194943" cy="3811588"/>
-          </a:xfrm>
-        </p:spPr>
-        <p:txBody>
-          <a:bodyPr/>
-          <a:lstStyle>
-            <a:lvl1pPr marL="0" indent="0">
-              <a:buNone/>
-              <a:defRPr sz="1300"/>
-            </a:lvl1pPr>
-            <a:lvl2pPr marL="371475" indent="0">
-              <a:buNone/>
-              <a:defRPr sz="1138"/>
-            </a:lvl2pPr>
-            <a:lvl3pPr marL="742950" indent="0">
-              <a:buNone/>
-              <a:defRPr sz="975"/>
-            </a:lvl3pPr>
-            <a:lvl4pPr marL="1114425" indent="0">
-              <a:buNone/>
-              <a:defRPr sz="813"/>
-            </a:lvl4pPr>
-            <a:lvl5pPr marL="1485900" indent="0">
-              <a:buNone/>
-              <a:defRPr sz="813"/>
-            </a:lvl5pPr>
-            <a:lvl6pPr marL="1857375" indent="0">
-              <a:buNone/>
-              <a:defRPr sz="813"/>
-            </a:lvl6pPr>
-            <a:lvl7pPr marL="2228850" indent="0">
-              <a:buNone/>
-              <a:defRPr sz="813"/>
-            </a:lvl7pPr>
-            <a:lvl8pPr marL="2600325" indent="0">
-              <a:buNone/>
-              <a:defRPr sz="813"/>
-            </a:lvl8pPr>
-            <a:lvl9pPr marL="2971800" indent="0">
-              <a:buNone/>
-              <a:defRPr sz="813"/>
-            </a:lvl9pPr>
-          </a:lstStyle>
-          <a:p>
             <a:pPr lvl="0"/>
             <a:r>
               <a:rPr lang="es-MX"/>
@@ -3923,13 +3597,7 @@
       </p:sp>
       <p:sp>
         <p:nvSpPr>
-          <p:cNvPr id="5" name="Marcador de fecha 4">
-            <a:extLst>
-              <a:ext uri="{FF2B5EF4-FFF2-40B4-BE49-F238E27FC236}">
-                <a16:creationId xmlns:a16="http://schemas.microsoft.com/office/drawing/2014/main" id="{0860200B-ABDE-19DD-3F7D-DEC2B3B7302C}"/>
-              </a:ext>
-            </a:extLst>
-          </p:cNvPr>
+          <p:cNvPr id="5" name="Date Placeholder 4"/>
           <p:cNvSpPr>
             <a:spLocks noGrp="1"/>
           </p:cNvSpPr>
@@ -3952,13 +3620,7 @@
       </p:sp>
       <p:sp>
         <p:nvSpPr>
-          <p:cNvPr id="6" name="Marcador de pie de página 5">
-            <a:extLst>
-              <a:ext uri="{FF2B5EF4-FFF2-40B4-BE49-F238E27FC236}">
-                <a16:creationId xmlns:a16="http://schemas.microsoft.com/office/drawing/2014/main" id="{EBD9159A-EAB0-2385-722D-31BE5CCF4264}"/>
-              </a:ext>
-            </a:extLst>
-          </p:cNvPr>
+          <p:cNvPr id="6" name="Footer Placeholder 5"/>
           <p:cNvSpPr>
             <a:spLocks noGrp="1"/>
           </p:cNvSpPr>
@@ -3977,13 +3639,7 @@
       </p:sp>
       <p:sp>
         <p:nvSpPr>
-          <p:cNvPr id="7" name="Marcador de número de diapositiva 6">
-            <a:extLst>
-              <a:ext uri="{FF2B5EF4-FFF2-40B4-BE49-F238E27FC236}">
-                <a16:creationId xmlns:a16="http://schemas.microsoft.com/office/drawing/2014/main" id="{6ED059DA-D862-2A3A-D404-A5730672DF57}"/>
-              </a:ext>
-            </a:extLst>
-          </p:cNvPr>
+          <p:cNvPr id="7" name="Slide Number Placeholder 6"/>
           <p:cNvSpPr>
             <a:spLocks noGrp="1"/>
           </p:cNvSpPr>
@@ -4013,7 +3669,7 @@
     </p:spTree>
     <p:extLst>
       <p:ext uri="{BB962C8B-B14F-4D97-AF65-F5344CB8AC3E}">
-        <p14:creationId xmlns:p14="http://schemas.microsoft.com/office/powerpoint/2010/main" val="1866069480"/>
+        <p14:creationId xmlns:p14="http://schemas.microsoft.com/office/powerpoint/2010/main" val="869067219"/>
       </p:ext>
     </p:extLst>
   </p:cSld>
@@ -4048,13 +3704,7 @@
       </p:grpSpPr>
       <p:sp>
         <p:nvSpPr>
-          <p:cNvPr id="2" name="Marcador de título 1">
-            <a:extLst>
-              <a:ext uri="{FF2B5EF4-FFF2-40B4-BE49-F238E27FC236}">
-                <a16:creationId xmlns:a16="http://schemas.microsoft.com/office/drawing/2014/main" id="{557C1C77-6E76-7215-5170-225C897AAAC4}"/>
-              </a:ext>
-            </a:extLst>
-          </p:cNvPr>
+          <p:cNvPr id="2" name="Title Placeholder 1"/>
           <p:cNvSpPr>
             <a:spLocks noGrp="1"/>
           </p:cNvSpPr>
@@ -4064,8 +3714,8 @@
         </p:nvSpPr>
         <p:spPr>
           <a:xfrm>
-            <a:off x="681038" y="365126"/>
-            <a:ext cx="8543925" cy="1325563"/>
+            <a:off x="628650" y="273844"/>
+            <a:ext cx="7886700" cy="994172"/>
           </a:xfrm>
           <a:prstGeom prst="rect">
             <a:avLst/>
@@ -4081,19 +3731,13 @@
               <a:rPr lang="es-MX"/>
               <a:t>Haz clic para modificar el estilo de título del patrón</a:t>
             </a:r>
-            <a:endParaRPr lang="es-CO"/>
-          </a:p>
-        </p:txBody>
-      </p:sp>
-      <p:sp>
-        <p:nvSpPr>
-          <p:cNvPr id="3" name="Marcador de texto 2">
-            <a:extLst>
-              <a:ext uri="{FF2B5EF4-FFF2-40B4-BE49-F238E27FC236}">
-                <a16:creationId xmlns:a16="http://schemas.microsoft.com/office/drawing/2014/main" id="{61FFF842-13FB-0266-C7A8-FC6F541A40A5}"/>
-              </a:ext>
-            </a:extLst>
-          </p:cNvPr>
+            <a:endParaRPr lang="en-US" dirty="0"/>
+          </a:p>
+        </p:txBody>
+      </p:sp>
+      <p:sp>
+        <p:nvSpPr>
+          <p:cNvPr id="3" name="Text Placeholder 2"/>
           <p:cNvSpPr>
             <a:spLocks noGrp="1"/>
           </p:cNvSpPr>
@@ -4103,8 +3747,8 @@
         </p:nvSpPr>
         <p:spPr>
           <a:xfrm>
-            <a:off x="681038" y="1825625"/>
-            <a:ext cx="8543925" cy="4351338"/>
+            <a:off x="628650" y="1369218"/>
+            <a:ext cx="7886700" cy="3263504"/>
           </a:xfrm>
           <a:prstGeom prst="rect">
             <a:avLst/>
@@ -4149,19 +3793,13 @@
               <a:rPr lang="es-MX"/>
               <a:t>Quinto nivel</a:t>
             </a:r>
-            <a:endParaRPr lang="es-CO"/>
-          </a:p>
-        </p:txBody>
-      </p:sp>
-      <p:sp>
-        <p:nvSpPr>
-          <p:cNvPr id="4" name="Marcador de fecha 3">
-            <a:extLst>
-              <a:ext uri="{FF2B5EF4-FFF2-40B4-BE49-F238E27FC236}">
-                <a16:creationId xmlns:a16="http://schemas.microsoft.com/office/drawing/2014/main" id="{7C11313D-15E1-4830-78F6-4A2E3DE0C9FE}"/>
-              </a:ext>
-            </a:extLst>
-          </p:cNvPr>
+            <a:endParaRPr lang="en-US" dirty="0"/>
+          </a:p>
+        </p:txBody>
+      </p:sp>
+      <p:sp>
+        <p:nvSpPr>
+          <p:cNvPr id="4" name="Date Placeholder 3"/>
           <p:cNvSpPr>
             <a:spLocks noGrp="1"/>
           </p:cNvSpPr>
@@ -4171,8 +3809,8 @@
         </p:nvSpPr>
         <p:spPr>
           <a:xfrm>
-            <a:off x="681038" y="6356351"/>
-            <a:ext cx="2228850" cy="365125"/>
+            <a:off x="628650" y="4767263"/>
+            <a:ext cx="2057400" cy="273844"/>
           </a:xfrm>
           <a:prstGeom prst="rect">
             <a:avLst/>
@@ -4182,7 +3820,7 @@
           <a:bodyPr vert="horz" lIns="91440" tIns="45720" rIns="91440" bIns="45720" rtlCol="0" anchor="ctr"/>
           <a:lstStyle>
             <a:lvl1pPr algn="l">
-              <a:defRPr sz="975">
+              <a:defRPr sz="900">
                 <a:solidFill>
                   <a:schemeClr val="tx1">
                     <a:tint val="82000"/>
@@ -4202,13 +3840,7 @@
       </p:sp>
       <p:sp>
         <p:nvSpPr>
-          <p:cNvPr id="5" name="Marcador de pie de página 4">
-            <a:extLst>
-              <a:ext uri="{FF2B5EF4-FFF2-40B4-BE49-F238E27FC236}">
-                <a16:creationId xmlns:a16="http://schemas.microsoft.com/office/drawing/2014/main" id="{A4ED3A82-EC61-AFD7-BB37-F2E0D29D63A7}"/>
-              </a:ext>
-            </a:extLst>
-          </p:cNvPr>
+          <p:cNvPr id="5" name="Footer Placeholder 4"/>
           <p:cNvSpPr>
             <a:spLocks noGrp="1"/>
           </p:cNvSpPr>
@@ -4218,8 +3850,8 @@
         </p:nvSpPr>
         <p:spPr>
           <a:xfrm>
-            <a:off x="3281363" y="6356351"/>
-            <a:ext cx="3343275" cy="365125"/>
+            <a:off x="3028950" y="4767263"/>
+            <a:ext cx="3086100" cy="273844"/>
           </a:xfrm>
           <a:prstGeom prst="rect">
             <a:avLst/>
@@ -4229,7 +3861,7 @@
           <a:bodyPr vert="horz" lIns="91440" tIns="45720" rIns="91440" bIns="45720" rtlCol="0" anchor="ctr"/>
           <a:lstStyle>
             <a:lvl1pPr algn="ctr">
-              <a:defRPr sz="975">
+              <a:defRPr sz="900">
                 <a:solidFill>
                   <a:schemeClr val="tx1">
                     <a:tint val="82000"/>
@@ -4245,13 +3877,7 @@
       </p:sp>
       <p:sp>
         <p:nvSpPr>
-          <p:cNvPr id="6" name="Marcador de número de diapositiva 5">
-            <a:extLst>
-              <a:ext uri="{FF2B5EF4-FFF2-40B4-BE49-F238E27FC236}">
-                <a16:creationId xmlns:a16="http://schemas.microsoft.com/office/drawing/2014/main" id="{3ECCDF18-4765-4C74-2376-8E78027FBCDB}"/>
-              </a:ext>
-            </a:extLst>
-          </p:cNvPr>
+          <p:cNvPr id="6" name="Slide Number Placeholder 5"/>
           <p:cNvSpPr>
             <a:spLocks noGrp="1"/>
           </p:cNvSpPr>
@@ -4261,8 +3887,8 @@
         </p:nvSpPr>
         <p:spPr>
           <a:xfrm>
-            <a:off x="6996113" y="6356351"/>
-            <a:ext cx="2228850" cy="365125"/>
+            <a:off x="6457950" y="4767263"/>
+            <a:ext cx="2057400" cy="273844"/>
           </a:xfrm>
           <a:prstGeom prst="rect">
             <a:avLst/>
@@ -4272,7 +3898,7 @@
           <a:bodyPr vert="horz" lIns="91440" tIns="45720" rIns="91440" bIns="45720" rtlCol="0" anchor="ctr"/>
           <a:lstStyle>
             <a:lvl1pPr algn="r">
-              <a:defRPr sz="975">
+              <a:defRPr sz="900">
                 <a:solidFill>
                   <a:schemeClr val="tx1">
                     <a:tint val="82000"/>
@@ -4301,7 +3927,7 @@
           <p:cNvPr id="7" name="CuadroTexto 6">
             <a:extLst>
               <a:ext uri="{FF2B5EF4-FFF2-40B4-BE49-F238E27FC236}">
-                <a16:creationId xmlns:a16="http://schemas.microsoft.com/office/drawing/2014/main" id="{16E07B10-7F32-1A30-B222-961DACFA1718}"/>
+                <a16:creationId xmlns:a16="http://schemas.microsoft.com/office/drawing/2014/main" id="{411AEEF1-FDEA-1E99-1808-10AE40141A17}"/>
               </a:ext>
             </a:extLst>
           </p:cNvPr>
@@ -4310,8 +3936,8 @@
         </p:nvSpPr>
         <p:spPr>
           <a:xfrm>
-            <a:off x="-169684" y="649112"/>
-            <a:ext cx="184731" cy="369332"/>
+            <a:off x="-156631" y="486834"/>
+            <a:ext cx="184731" cy="300082"/>
           </a:xfrm>
           <a:prstGeom prst="rect">
             <a:avLst/>
@@ -4324,7 +3950,7 @@
           </a:bodyPr>
           <a:lstStyle/>
           <a:p>
-            <a:endParaRPr lang="es-CO" sz="1800" dirty="0"/>
+            <a:endParaRPr lang="es-CO" sz="1350" dirty="0"/>
           </a:p>
         </p:txBody>
       </p:sp>
@@ -4333,7 +3959,7 @@
           <p:cNvPr id="8" name="Imagen 7">
             <a:extLst>
               <a:ext uri="{FF2B5EF4-FFF2-40B4-BE49-F238E27FC236}">
-                <a16:creationId xmlns:a16="http://schemas.microsoft.com/office/drawing/2014/main" id="{FAB5B989-80EB-6631-13B5-A69CEF85C22D}"/>
+                <a16:creationId xmlns:a16="http://schemas.microsoft.com/office/drawing/2014/main" id="{C4BCF12F-5965-6908-BDC1-B8E10D272B53}"/>
               </a:ext>
             </a:extLst>
           </p:cNvPr>
@@ -4356,8 +3982,8 @@
         </p:blipFill>
         <p:spPr>
           <a:xfrm>
-            <a:off x="9289190" y="6207990"/>
-            <a:ext cx="497318" cy="513237"/>
+            <a:off x="8585021" y="4632722"/>
+            <a:ext cx="448679" cy="408199"/>
           </a:xfrm>
           <a:prstGeom prst="rect">
             <a:avLst/>
@@ -4367,23 +3993,23 @@
     </p:spTree>
     <p:extLst>
       <p:ext uri="{BB962C8B-B14F-4D97-AF65-F5344CB8AC3E}">
-        <p14:creationId xmlns:p14="http://schemas.microsoft.com/office/powerpoint/2010/main" val="2159090405"/>
+        <p14:creationId xmlns:p14="http://schemas.microsoft.com/office/powerpoint/2010/main" val="2242996165"/>
       </p:ext>
     </p:extLst>
   </p:cSld>
   <p:clrMap bg1="lt1" tx1="dk1" bg2="lt2" tx2="dk2" accent1="accent1" accent2="accent2" accent3="accent3" accent4="accent4" accent5="accent5" accent6="accent6" hlink="hlink" folHlink="folHlink"/>
   <p:sldLayoutIdLst>
-    <p:sldLayoutId id="2147483886" r:id="rId1"/>
-    <p:sldLayoutId id="2147483887" r:id="rId2"/>
-    <p:sldLayoutId id="2147483888" r:id="rId3"/>
-    <p:sldLayoutId id="2147483889" r:id="rId4"/>
-    <p:sldLayoutId id="2147483890" r:id="rId5"/>
-    <p:sldLayoutId id="2147483891" r:id="rId6"/>
-    <p:sldLayoutId id="2147483892" r:id="rId7"/>
-    <p:sldLayoutId id="2147483893" r:id="rId8"/>
-    <p:sldLayoutId id="2147483894" r:id="rId9"/>
-    <p:sldLayoutId id="2147483895" r:id="rId10"/>
-    <p:sldLayoutId id="2147483896" r:id="rId11"/>
+    <p:sldLayoutId id="2147483899" r:id="rId1"/>
+    <p:sldLayoutId id="2147483900" r:id="rId2"/>
+    <p:sldLayoutId id="2147483901" r:id="rId3"/>
+    <p:sldLayoutId id="2147483902" r:id="rId4"/>
+    <p:sldLayoutId id="2147483903" r:id="rId5"/>
+    <p:sldLayoutId id="2147483904" r:id="rId6"/>
+    <p:sldLayoutId id="2147483905" r:id="rId7"/>
+    <p:sldLayoutId id="2147483906" r:id="rId8"/>
+    <p:sldLayoutId id="2147483907" r:id="rId9"/>
+    <p:sldLayoutId id="2147483908" r:id="rId10"/>
+    <p:sldLayoutId id="2147483909" r:id="rId11"/>
     <p:sldLayoutId id="2147483897" r:id="rId12"/>
   </p:sldLayoutIdLst>
   <p:transition spd="med">
@@ -4392,7 +4018,7 @@
   <p:hf hdr="0" ftr="0" dt="0"/>
   <p:txStyles>
     <p:titleStyle>
-      <a:lvl1pPr algn="l" defTabSz="742950" rtl="0" eaLnBrk="1" latinLnBrk="0" hangingPunct="1">
+      <a:lvl1pPr algn="l" defTabSz="685800" rtl="0" eaLnBrk="1" latinLnBrk="0" hangingPunct="1">
         <a:lnSpc>
           <a:spcPct val="90000"/>
         </a:lnSpc>
@@ -4400,7 +4026,7 @@
           <a:spcPct val="0"/>
         </a:spcBef>
         <a:buNone/>
-        <a:defRPr sz="3575" kern="1200">
+        <a:defRPr sz="3300" kern="1200">
           <a:solidFill>
             <a:schemeClr val="tx1"/>
           </a:solidFill>
@@ -4411,16 +4037,16 @@
       </a:lvl1pPr>
     </p:titleStyle>
     <p:bodyStyle>
-      <a:lvl1pPr marL="185738" indent="-185738" algn="l" defTabSz="742950" rtl="0" eaLnBrk="1" latinLnBrk="0" hangingPunct="1">
+      <a:lvl1pPr marL="171450" indent="-171450" algn="l" defTabSz="685800" rtl="0" eaLnBrk="1" latinLnBrk="0" hangingPunct="1">
         <a:lnSpc>
           <a:spcPct val="90000"/>
         </a:lnSpc>
         <a:spcBef>
-          <a:spcPts val="813"/>
+          <a:spcPts val="750"/>
         </a:spcBef>
         <a:buFont typeface="Arial" panose="020B0604020202020204" pitchFamily="34" charset="0"/>
         <a:buChar char="•"/>
-        <a:defRPr sz="2275" kern="1200">
+        <a:defRPr sz="2100" kern="1200">
           <a:solidFill>
             <a:schemeClr val="tx1"/>
           </a:solidFill>
@@ -4429,16 +4055,16 @@
           <a:cs typeface="+mn-cs"/>
         </a:defRPr>
       </a:lvl1pPr>
-      <a:lvl2pPr marL="557213" indent="-185738" algn="l" defTabSz="742950" rtl="0" eaLnBrk="1" latinLnBrk="0" hangingPunct="1">
+      <a:lvl2pPr marL="514350" indent="-171450" algn="l" defTabSz="685800" rtl="0" eaLnBrk="1" latinLnBrk="0" hangingPunct="1">
         <a:lnSpc>
           <a:spcPct val="90000"/>
         </a:lnSpc>
         <a:spcBef>
-          <a:spcPts val="406"/>
+          <a:spcPts val="375"/>
         </a:spcBef>
         <a:buFont typeface="Arial" panose="020B0604020202020204" pitchFamily="34" charset="0"/>
         <a:buChar char="•"/>
-        <a:defRPr sz="1950" kern="1200">
+        <a:defRPr sz="1800" kern="1200">
           <a:solidFill>
             <a:schemeClr val="tx1"/>
           </a:solidFill>
@@ -4447,16 +4073,16 @@
           <a:cs typeface="+mn-cs"/>
         </a:defRPr>
       </a:lvl2pPr>
-      <a:lvl3pPr marL="928688" indent="-185738" algn="l" defTabSz="742950" rtl="0" eaLnBrk="1" latinLnBrk="0" hangingPunct="1">
+      <a:lvl3pPr marL="857250" indent="-171450" algn="l" defTabSz="685800" rtl="0" eaLnBrk="1" latinLnBrk="0" hangingPunct="1">
         <a:lnSpc>
           <a:spcPct val="90000"/>
         </a:lnSpc>
         <a:spcBef>
-          <a:spcPts val="406"/>
+          <a:spcPts val="375"/>
         </a:spcBef>
         <a:buFont typeface="Arial" panose="020B0604020202020204" pitchFamily="34" charset="0"/>
         <a:buChar char="•"/>
-        <a:defRPr sz="1625" kern="1200">
+        <a:defRPr sz="1500" kern="1200">
           <a:solidFill>
             <a:schemeClr val="tx1"/>
           </a:solidFill>
@@ -4465,16 +4091,16 @@
           <a:cs typeface="+mn-cs"/>
         </a:defRPr>
       </a:lvl3pPr>
-      <a:lvl4pPr marL="1300163" indent="-185738" algn="l" defTabSz="742950" rtl="0" eaLnBrk="1" latinLnBrk="0" hangingPunct="1">
+      <a:lvl4pPr marL="1200150" indent="-171450" algn="l" defTabSz="685800" rtl="0" eaLnBrk="1" latinLnBrk="0" hangingPunct="1">
         <a:lnSpc>
           <a:spcPct val="90000"/>
         </a:lnSpc>
         <a:spcBef>
-          <a:spcPts val="406"/>
+          <a:spcPts val="375"/>
         </a:spcBef>
         <a:buFont typeface="Arial" panose="020B0604020202020204" pitchFamily="34" charset="0"/>
         <a:buChar char="•"/>
-        <a:defRPr sz="1463" kern="1200">
+        <a:defRPr sz="1350" kern="1200">
           <a:solidFill>
             <a:schemeClr val="tx1"/>
           </a:solidFill>
@@ -4483,16 +4109,16 @@
           <a:cs typeface="+mn-cs"/>
         </a:defRPr>
       </a:lvl4pPr>
-      <a:lvl5pPr marL="1671638" indent="-185738" algn="l" defTabSz="742950" rtl="0" eaLnBrk="1" latinLnBrk="0" hangingPunct="1">
+      <a:lvl5pPr marL="1543050" indent="-171450" algn="l" defTabSz="685800" rtl="0" eaLnBrk="1" latinLnBrk="0" hangingPunct="1">
         <a:lnSpc>
           <a:spcPct val="90000"/>
         </a:lnSpc>
         <a:spcBef>
-          <a:spcPts val="406"/>
+          <a:spcPts val="375"/>
         </a:spcBef>
         <a:buFont typeface="Arial" panose="020B0604020202020204" pitchFamily="34" charset="0"/>
         <a:buChar char="•"/>
-        <a:defRPr sz="1463" kern="1200">
+        <a:defRPr sz="1350" kern="1200">
           <a:solidFill>
             <a:schemeClr val="tx1"/>
           </a:solidFill>
@@ -4501,16 +4127,16 @@
           <a:cs typeface="+mn-cs"/>
         </a:defRPr>
       </a:lvl5pPr>
-      <a:lvl6pPr marL="2043113" indent="-185738" algn="l" defTabSz="742950" rtl="0" eaLnBrk="1" latinLnBrk="0" hangingPunct="1">
+      <a:lvl6pPr marL="1885950" indent="-171450" algn="l" defTabSz="685800" rtl="0" eaLnBrk="1" latinLnBrk="0" hangingPunct="1">
         <a:lnSpc>
           <a:spcPct val="90000"/>
         </a:lnSpc>
         <a:spcBef>
-          <a:spcPts val="406"/>
+          <a:spcPts val="375"/>
         </a:spcBef>
         <a:buFont typeface="Arial" panose="020B0604020202020204" pitchFamily="34" charset="0"/>
         <a:buChar char="•"/>
-        <a:defRPr sz="1463" kern="1200">
+        <a:defRPr sz="1350" kern="1200">
           <a:solidFill>
             <a:schemeClr val="tx1"/>
           </a:solidFill>
@@ -4519,16 +4145,16 @@
           <a:cs typeface="+mn-cs"/>
         </a:defRPr>
       </a:lvl6pPr>
-      <a:lvl7pPr marL="2414588" indent="-185738" algn="l" defTabSz="742950" rtl="0" eaLnBrk="1" latinLnBrk="0" hangingPunct="1">
+      <a:lvl7pPr marL="2228850" indent="-171450" algn="l" defTabSz="685800" rtl="0" eaLnBrk="1" latinLnBrk="0" hangingPunct="1">
         <a:lnSpc>
           <a:spcPct val="90000"/>
         </a:lnSpc>
         <a:spcBef>
-          <a:spcPts val="406"/>
+          <a:spcPts val="375"/>
         </a:spcBef>
         <a:buFont typeface="Arial" panose="020B0604020202020204" pitchFamily="34" charset="0"/>
         <a:buChar char="•"/>
-        <a:defRPr sz="1463" kern="1200">
+        <a:defRPr sz="1350" kern="1200">
           <a:solidFill>
             <a:schemeClr val="tx1"/>
           </a:solidFill>
@@ -4537,16 +4163,16 @@
           <a:cs typeface="+mn-cs"/>
         </a:defRPr>
       </a:lvl7pPr>
-      <a:lvl8pPr marL="2786063" indent="-185738" algn="l" defTabSz="742950" rtl="0" eaLnBrk="1" latinLnBrk="0" hangingPunct="1">
+      <a:lvl8pPr marL="2571750" indent="-171450" algn="l" defTabSz="685800" rtl="0" eaLnBrk="1" latinLnBrk="0" hangingPunct="1">
         <a:lnSpc>
           <a:spcPct val="90000"/>
         </a:lnSpc>
         <a:spcBef>
-          <a:spcPts val="406"/>
+          <a:spcPts val="375"/>
         </a:spcBef>
         <a:buFont typeface="Arial" panose="020B0604020202020204" pitchFamily="34" charset="0"/>
         <a:buChar char="•"/>
-        <a:defRPr sz="1463" kern="1200">
+        <a:defRPr sz="1350" kern="1200">
           <a:solidFill>
             <a:schemeClr val="tx1"/>
           </a:solidFill>
@@ -4555,16 +4181,16 @@
           <a:cs typeface="+mn-cs"/>
         </a:defRPr>
       </a:lvl8pPr>
-      <a:lvl9pPr marL="3157538" indent="-185738" algn="l" defTabSz="742950" rtl="0" eaLnBrk="1" latinLnBrk="0" hangingPunct="1">
+      <a:lvl9pPr marL="2914650" indent="-171450" algn="l" defTabSz="685800" rtl="0" eaLnBrk="1" latinLnBrk="0" hangingPunct="1">
         <a:lnSpc>
           <a:spcPct val="90000"/>
         </a:lnSpc>
         <a:spcBef>
-          <a:spcPts val="406"/>
+          <a:spcPts val="375"/>
         </a:spcBef>
         <a:buFont typeface="Arial" panose="020B0604020202020204" pitchFamily="34" charset="0"/>
         <a:buChar char="•"/>
-        <a:defRPr sz="1463" kern="1200">
+        <a:defRPr sz="1350" kern="1200">
           <a:solidFill>
             <a:schemeClr val="tx1"/>
           </a:solidFill>
@@ -4576,10 +4202,10 @@
     </p:bodyStyle>
     <p:otherStyle>
       <a:defPPr>
-        <a:defRPr lang="es-CO"/>
+        <a:defRPr lang="en-US"/>
       </a:defPPr>
-      <a:lvl1pPr marL="0" algn="l" defTabSz="742950" rtl="0" eaLnBrk="1" latinLnBrk="0" hangingPunct="1">
-        <a:defRPr sz="1463" kern="1200">
+      <a:lvl1pPr marL="0" algn="l" defTabSz="685800" rtl="0" eaLnBrk="1" latinLnBrk="0" hangingPunct="1">
+        <a:defRPr sz="1350" kern="1200">
           <a:solidFill>
             <a:schemeClr val="tx1"/>
           </a:solidFill>
@@ -4588,8 +4214,8 @@
           <a:cs typeface="+mn-cs"/>
         </a:defRPr>
       </a:lvl1pPr>
-      <a:lvl2pPr marL="371475" algn="l" defTabSz="742950" rtl="0" eaLnBrk="1" latinLnBrk="0" hangingPunct="1">
-        <a:defRPr sz="1463" kern="1200">
+      <a:lvl2pPr marL="342900" algn="l" defTabSz="685800" rtl="0" eaLnBrk="1" latinLnBrk="0" hangingPunct="1">
+        <a:defRPr sz="1350" kern="1200">
           <a:solidFill>
             <a:schemeClr val="tx1"/>
           </a:solidFill>
@@ -4598,8 +4224,8 @@
           <a:cs typeface="+mn-cs"/>
         </a:defRPr>
       </a:lvl2pPr>
-      <a:lvl3pPr marL="742950" algn="l" defTabSz="742950" rtl="0" eaLnBrk="1" latinLnBrk="0" hangingPunct="1">
-        <a:defRPr sz="1463" kern="1200">
+      <a:lvl3pPr marL="685800" algn="l" defTabSz="685800" rtl="0" eaLnBrk="1" latinLnBrk="0" hangingPunct="1">
+        <a:defRPr sz="1350" kern="1200">
           <a:solidFill>
             <a:schemeClr val="tx1"/>
           </a:solidFill>
@@ -4608,8 +4234,8 @@
           <a:cs typeface="+mn-cs"/>
         </a:defRPr>
       </a:lvl3pPr>
-      <a:lvl4pPr marL="1114425" algn="l" defTabSz="742950" rtl="0" eaLnBrk="1" latinLnBrk="0" hangingPunct="1">
-        <a:defRPr sz="1463" kern="1200">
+      <a:lvl4pPr marL="1028700" algn="l" defTabSz="685800" rtl="0" eaLnBrk="1" latinLnBrk="0" hangingPunct="1">
+        <a:defRPr sz="1350" kern="1200">
           <a:solidFill>
             <a:schemeClr val="tx1"/>
           </a:solidFill>
@@ -4618,8 +4244,8 @@
           <a:cs typeface="+mn-cs"/>
         </a:defRPr>
       </a:lvl4pPr>
-      <a:lvl5pPr marL="1485900" algn="l" defTabSz="742950" rtl="0" eaLnBrk="1" latinLnBrk="0" hangingPunct="1">
-        <a:defRPr sz="1463" kern="1200">
+      <a:lvl5pPr marL="1371600" algn="l" defTabSz="685800" rtl="0" eaLnBrk="1" latinLnBrk="0" hangingPunct="1">
+        <a:defRPr sz="1350" kern="1200">
           <a:solidFill>
             <a:schemeClr val="tx1"/>
           </a:solidFill>
@@ -4628,8 +4254,8 @@
           <a:cs typeface="+mn-cs"/>
         </a:defRPr>
       </a:lvl5pPr>
-      <a:lvl6pPr marL="1857375" algn="l" defTabSz="742950" rtl="0" eaLnBrk="1" latinLnBrk="0" hangingPunct="1">
-        <a:defRPr sz="1463" kern="1200">
+      <a:lvl6pPr marL="1714500" algn="l" defTabSz="685800" rtl="0" eaLnBrk="1" latinLnBrk="0" hangingPunct="1">
+        <a:defRPr sz="1350" kern="1200">
           <a:solidFill>
             <a:schemeClr val="tx1"/>
           </a:solidFill>
@@ -4638,8 +4264,8 @@
           <a:cs typeface="+mn-cs"/>
         </a:defRPr>
       </a:lvl6pPr>
-      <a:lvl7pPr marL="2228850" algn="l" defTabSz="742950" rtl="0" eaLnBrk="1" latinLnBrk="0" hangingPunct="1">
-        <a:defRPr sz="1463" kern="1200">
+      <a:lvl7pPr marL="2057400" algn="l" defTabSz="685800" rtl="0" eaLnBrk="1" latinLnBrk="0" hangingPunct="1">
+        <a:defRPr sz="1350" kern="1200">
           <a:solidFill>
             <a:schemeClr val="tx1"/>
           </a:solidFill>
@@ -4648,8 +4274,8 @@
           <a:cs typeface="+mn-cs"/>
         </a:defRPr>
       </a:lvl7pPr>
-      <a:lvl8pPr marL="2600325" algn="l" defTabSz="742950" rtl="0" eaLnBrk="1" latinLnBrk="0" hangingPunct="1">
-        <a:defRPr sz="1463" kern="1200">
+      <a:lvl8pPr marL="2400300" algn="l" defTabSz="685800" rtl="0" eaLnBrk="1" latinLnBrk="0" hangingPunct="1">
+        <a:defRPr sz="1350" kern="1200">
           <a:solidFill>
             <a:schemeClr val="tx1"/>
           </a:solidFill>
@@ -4658,8 +4284,8 @@
           <a:cs typeface="+mn-cs"/>
         </a:defRPr>
       </a:lvl8pPr>
-      <a:lvl9pPr marL="2971800" algn="l" defTabSz="742950" rtl="0" eaLnBrk="1" latinLnBrk="0" hangingPunct="1">
-        <a:defRPr sz="1463" kern="1200">
+      <a:lvl9pPr marL="2743200" algn="l" defTabSz="685800" rtl="0" eaLnBrk="1" latinLnBrk="0" hangingPunct="1">
+        <a:defRPr sz="1350" kern="1200">
           <a:solidFill>
             <a:schemeClr val="tx1"/>
           </a:solidFill>
@@ -4690,142 +4316,6 @@
           <a:chExt cx="0" cy="0"/>
         </a:xfrm>
       </p:grpSpPr>
-      <p:sp>
-        <p:nvSpPr>
-          <p:cNvPr id="6" name="Title 1">
-            <a:extLst>
-              <a:ext uri="{FF2B5EF4-FFF2-40B4-BE49-F238E27FC236}">
-                <a16:creationId xmlns:a16="http://schemas.microsoft.com/office/drawing/2014/main" id="{027D3566-C60A-1780-272C-30C7144A2F5A}"/>
-              </a:ext>
-            </a:extLst>
-          </p:cNvPr>
-          <p:cNvSpPr>
-            <a:spLocks noGrp="1"/>
-          </p:cNvSpPr>
-          <p:nvPr>
-            <p:ph type="title"/>
-          </p:nvPr>
-        </p:nvSpPr>
-        <p:spPr>
-          <a:xfrm>
-            <a:off x="681038" y="365126"/>
-            <a:ext cx="8543925" cy="1325563"/>
-          </a:xfrm>
-        </p:spPr>
-        <p:txBody>
-          <a:bodyPr/>
-          <a:lstStyle/>
-          <a:p>
-            <a:endParaRPr lang="en-US" dirty="0"/>
-          </a:p>
-        </p:txBody>
-      </p:sp>
-      <p:sp>
-        <p:nvSpPr>
-          <p:cNvPr id="8" name="Content Placeholder 2">
-            <a:extLst>
-              <a:ext uri="{FF2B5EF4-FFF2-40B4-BE49-F238E27FC236}">
-                <a16:creationId xmlns:a16="http://schemas.microsoft.com/office/drawing/2014/main" id="{27D99E95-7F35-2B23-8944-67B7833D95C0}"/>
-              </a:ext>
-            </a:extLst>
-          </p:cNvPr>
-          <p:cNvSpPr>
-            <a:spLocks noGrp="1"/>
-          </p:cNvSpPr>
-          <p:nvPr>
-            <p:ph sz="half" idx="1"/>
-          </p:nvPr>
-        </p:nvSpPr>
-        <p:spPr>
-          <a:xfrm>
-            <a:off x="681038" y="1825625"/>
-            <a:ext cx="4210050" cy="4351338"/>
-          </a:xfrm>
-        </p:spPr>
-        <p:txBody>
-          <a:bodyPr/>
-          <a:lstStyle/>
-          <a:p>
-            <a:endParaRPr lang="en-US"/>
-          </a:p>
-        </p:txBody>
-      </p:sp>
-      <p:sp>
-        <p:nvSpPr>
-          <p:cNvPr id="10" name="Content Placeholder 3">
-            <a:extLst>
-              <a:ext uri="{FF2B5EF4-FFF2-40B4-BE49-F238E27FC236}">
-                <a16:creationId xmlns:a16="http://schemas.microsoft.com/office/drawing/2014/main" id="{387BBF64-863A-4BF5-314C-7C36D4052695}"/>
-              </a:ext>
-            </a:extLst>
-          </p:cNvPr>
-          <p:cNvSpPr>
-            <a:spLocks noGrp="1"/>
-          </p:cNvSpPr>
-          <p:nvPr>
-            <p:ph sz="half" idx="2"/>
-          </p:nvPr>
-        </p:nvSpPr>
-        <p:spPr>
-          <a:xfrm>
-            <a:off x="5014913" y="1825625"/>
-            <a:ext cx="4210050" cy="4351338"/>
-          </a:xfrm>
-        </p:spPr>
-        <p:txBody>
-          <a:bodyPr/>
-          <a:lstStyle/>
-          <a:p>
-            <a:endParaRPr lang="en-US"/>
-          </a:p>
-        </p:txBody>
-      </p:sp>
-      <p:sp>
-        <p:nvSpPr>
-          <p:cNvPr id="12" name="Slide Number Placeholder 4">
-            <a:extLst>
-              <a:ext uri="{FF2B5EF4-FFF2-40B4-BE49-F238E27FC236}">
-                <a16:creationId xmlns:a16="http://schemas.microsoft.com/office/drawing/2014/main" id="{3E500A91-E82A-16F5-7214-F630701234ED}"/>
-              </a:ext>
-            </a:extLst>
-          </p:cNvPr>
-          <p:cNvSpPr>
-            <a:spLocks noGrp="1"/>
-          </p:cNvSpPr>
-          <p:nvPr>
-            <p:ph type="sldNum" sz="quarter" idx="12"/>
-          </p:nvPr>
-        </p:nvSpPr>
-        <p:spPr>
-          <a:xfrm>
-            <a:off x="6996113" y="6356351"/>
-            <a:ext cx="2228850" cy="365125"/>
-          </a:xfrm>
-        </p:spPr>
-        <p:txBody>
-          <a:bodyPr/>
-          <a:lstStyle/>
-          <a:p>
-            <a:pPr>
-              <a:spcAft>
-                <a:spcPts val="600"/>
-              </a:spcAft>
-              <a:defRPr/>
-            </a:pPr>
-            <a:fld id="{8B288C03-2A76-6E48-9E1C-16F6C3999434}" type="slidenum">
-              <a:rPr lang="en-US" smtClean="0"/>
-              <a:pPr>
-                <a:spcAft>
-                  <a:spcPts val="600"/>
-                </a:spcAft>
-                <a:defRPr/>
-              </a:pPr>
-              <a:t>1</a:t>
-            </a:fld>
-            <a:endParaRPr lang="en-US"/>
-          </a:p>
-        </p:txBody>
-      </p:sp>
     </p:spTree>
     <p:extLst>
       <p:ext uri="{BB962C8B-B14F-4D97-AF65-F5344CB8AC3E}">
@@ -4836,16 +4326,13 @@
   <p:clrMapOvr>
     <a:masterClrMapping/>
   </p:clrMapOvr>
-  <p:transition spd="med">
-    <p:fade/>
-  </p:transition>
 </p:sld>
 </file>
 
 <file path=ppt/theme/theme1.xml><?xml version="1.0" encoding="utf-8"?>
 <a:theme xmlns:a="http://schemas.openxmlformats.org/drawingml/2006/main" name="Tema de Office">
   <a:themeElements>
-    <a:clrScheme name="Office">
+    <a:clrScheme name="Tema de Office">
       <a:dk1>
         <a:sysClr val="windowText" lastClr="000000"/>
       </a:dk1>
@@ -4883,7 +4370,7 @@
         <a:srgbClr val="96607D"/>
       </a:folHlink>
     </a:clrScheme>
-    <a:fontScheme name="Office">
+    <a:fontScheme name="Tema de Office">
       <a:majorFont>
         <a:latin typeface="Aptos Display" panose="02110004020202020204"/>
         <a:ea typeface=""/>
@@ -4989,7 +4476,7 @@
         <a:font script="Tfng" typeface="Ebrima"/>
       </a:minorFont>
     </a:fontScheme>
-    <a:fmtScheme name="Office">
+    <a:fmtScheme name="Tema de Office">
       <a:fillStyleLst>
         <a:solidFill>
           <a:schemeClr val="phClr"/>

--- a/Plantilla_PPT_ATL.pptx
+++ b/Plantilla_PPT_ATL.pptx
@@ -2,7 +2,7 @@
 <file path=ppt/presentation.xml><?xml version="1.0" encoding="utf-8"?>
 <p:presentation xmlns:a="http://schemas.openxmlformats.org/drawingml/2006/main" xmlns:r="http://schemas.openxmlformats.org/officeDocument/2006/relationships" xmlns:p="http://schemas.openxmlformats.org/presentationml/2006/main" saveSubsetFonts="1">
   <p:sldMasterIdLst>
-    <p:sldMasterId id="2147483898" r:id="rId1"/>
+    <p:sldMasterId id="2147483910" r:id="rId1"/>
   </p:sldMasterIdLst>
   <p:notesMasterIdLst>
     <p:notesMasterId r:id="rId3"/>
@@ -13,7 +13,7 @@
   <p:sldIdLst>
     <p:sldId id="309" r:id="rId2"/>
   </p:sldIdLst>
-  <p:sldSz cx="9144000" cy="5143500" type="screen16x9"/>
+  <p:sldSz cx="14630400" cy="8229600"/>
   <p:notesSz cx="6858000" cy="9144000"/>
   <p:defaultTextStyle>
     <a:defPPr>
@@ -113,12 +113,12 @@
   <p:extLst>
     <p:ext uri="{EFAFB233-063F-42B5-8137-9DF3F51BA10A}">
       <p15:sldGuideLst xmlns:p15="http://schemas.microsoft.com/office/powerpoint/2012/main">
-        <p15:guide id="1" orient="horz" pos="1620" userDrawn="1">
+        <p15:guide id="1" orient="horz" pos="2592" userDrawn="1">
           <p15:clr>
             <a:srgbClr val="A4A3A4"/>
           </p15:clr>
         </p15:guide>
-        <p15:guide id="2" pos="2880" userDrawn="1">
+        <p15:guide id="2" pos="4608" userDrawn="1">
           <p15:clr>
             <a:srgbClr val="A4A3A4"/>
           </p15:clr>
@@ -667,7 +667,7 @@
       <a:spcAft>
         <a:spcPct val="0"/>
       </a:spcAft>
-      <a:defRPr sz="1023" kern="1200">
+      <a:defRPr sz="1637" kern="1200">
         <a:solidFill>
           <a:schemeClr val="tx1"/>
         </a:solidFill>
@@ -676,14 +676,14 @@
         <a:cs typeface="+mn-cs"/>
       </a:defRPr>
     </a:lvl1pPr>
-    <a:lvl2pPr marL="389626" algn="l" rtl="0" eaLnBrk="0" fontAlgn="base" hangingPunct="0">
+    <a:lvl2pPr marL="623402" algn="l" rtl="0" eaLnBrk="0" fontAlgn="base" hangingPunct="0">
       <a:spcBef>
         <a:spcPct val="30000"/>
       </a:spcBef>
       <a:spcAft>
         <a:spcPct val="0"/>
       </a:spcAft>
-      <a:defRPr sz="1023" kern="1200">
+      <a:defRPr sz="1637" kern="1200">
         <a:solidFill>
           <a:schemeClr val="tx1"/>
         </a:solidFill>
@@ -692,14 +692,14 @@
         <a:cs typeface="+mn-cs"/>
       </a:defRPr>
     </a:lvl2pPr>
-    <a:lvl3pPr marL="779252" algn="l" rtl="0" eaLnBrk="0" fontAlgn="base" hangingPunct="0">
+    <a:lvl3pPr marL="1246803" algn="l" rtl="0" eaLnBrk="0" fontAlgn="base" hangingPunct="0">
       <a:spcBef>
         <a:spcPct val="30000"/>
       </a:spcBef>
       <a:spcAft>
         <a:spcPct val="0"/>
       </a:spcAft>
-      <a:defRPr sz="1023" kern="1200">
+      <a:defRPr sz="1637" kern="1200">
         <a:solidFill>
           <a:schemeClr val="tx1"/>
         </a:solidFill>
@@ -708,14 +708,14 @@
         <a:cs typeface="+mn-cs"/>
       </a:defRPr>
     </a:lvl3pPr>
-    <a:lvl4pPr marL="1168878" algn="l" rtl="0" eaLnBrk="0" fontAlgn="base" hangingPunct="0">
+    <a:lvl4pPr marL="1870205" algn="l" rtl="0" eaLnBrk="0" fontAlgn="base" hangingPunct="0">
       <a:spcBef>
         <a:spcPct val="30000"/>
       </a:spcBef>
       <a:spcAft>
         <a:spcPct val="0"/>
       </a:spcAft>
-      <a:defRPr sz="1023" kern="1200">
+      <a:defRPr sz="1637" kern="1200">
         <a:solidFill>
           <a:schemeClr val="tx1"/>
         </a:solidFill>
@@ -724,14 +724,14 @@
         <a:cs typeface="+mn-cs"/>
       </a:defRPr>
     </a:lvl4pPr>
-    <a:lvl5pPr marL="1558503" algn="l" rtl="0" eaLnBrk="0" fontAlgn="base" hangingPunct="0">
+    <a:lvl5pPr marL="2493605" algn="l" rtl="0" eaLnBrk="0" fontAlgn="base" hangingPunct="0">
       <a:spcBef>
         <a:spcPct val="30000"/>
       </a:spcBef>
       <a:spcAft>
         <a:spcPct val="0"/>
       </a:spcAft>
-      <a:defRPr sz="1023" kern="1200">
+      <a:defRPr sz="1637" kern="1200">
         <a:solidFill>
           <a:schemeClr val="tx1"/>
         </a:solidFill>
@@ -740,8 +740,8 @@
         <a:cs typeface="+mn-cs"/>
       </a:defRPr>
     </a:lvl5pPr>
-    <a:lvl6pPr marL="1948129" algn="l" defTabSz="779252" rtl="0" eaLnBrk="1" latinLnBrk="0" hangingPunct="1">
-      <a:defRPr sz="1023" kern="1200">
+    <a:lvl6pPr marL="3117006" algn="l" defTabSz="1246803" rtl="0" eaLnBrk="1" latinLnBrk="0" hangingPunct="1">
+      <a:defRPr sz="1637" kern="1200">
         <a:solidFill>
           <a:schemeClr val="tx1"/>
         </a:solidFill>
@@ -750,8 +750,8 @@
         <a:cs typeface="+mn-cs"/>
       </a:defRPr>
     </a:lvl6pPr>
-    <a:lvl7pPr marL="2337755" algn="l" defTabSz="779252" rtl="0" eaLnBrk="1" latinLnBrk="0" hangingPunct="1">
-      <a:defRPr sz="1023" kern="1200">
+    <a:lvl7pPr marL="3740408" algn="l" defTabSz="1246803" rtl="0" eaLnBrk="1" latinLnBrk="0" hangingPunct="1">
+      <a:defRPr sz="1637" kern="1200">
         <a:solidFill>
           <a:schemeClr val="tx1"/>
         </a:solidFill>
@@ -760,8 +760,8 @@
         <a:cs typeface="+mn-cs"/>
       </a:defRPr>
     </a:lvl7pPr>
-    <a:lvl8pPr marL="2727381" algn="l" defTabSz="779252" rtl="0" eaLnBrk="1" latinLnBrk="0" hangingPunct="1">
-      <a:defRPr sz="1023" kern="1200">
+    <a:lvl8pPr marL="4363810" algn="l" defTabSz="1246803" rtl="0" eaLnBrk="1" latinLnBrk="0" hangingPunct="1">
+      <a:defRPr sz="1637" kern="1200">
         <a:solidFill>
           <a:schemeClr val="tx1"/>
         </a:solidFill>
@@ -770,8 +770,8 @@
         <a:cs typeface="+mn-cs"/>
       </a:defRPr>
     </a:lvl8pPr>
-    <a:lvl9pPr marL="3117007" algn="l" defTabSz="779252" rtl="0" eaLnBrk="1" latinLnBrk="0" hangingPunct="1">
-      <a:defRPr sz="1023" kern="1200">
+    <a:lvl9pPr marL="4987211" algn="l" defTabSz="1246803" rtl="0" eaLnBrk="1" latinLnBrk="0" hangingPunct="1">
+      <a:defRPr sz="1637" kern="1200">
         <a:solidFill>
           <a:schemeClr val="tx1"/>
         </a:solidFill>
@@ -813,15 +813,15 @@
         </p:nvSpPr>
         <p:spPr>
           <a:xfrm>
-            <a:off x="1143000" y="841772"/>
-            <a:ext cx="6858000" cy="1790700"/>
+            <a:off x="1828800" y="1346836"/>
+            <a:ext cx="10972800" cy="2865120"/>
           </a:xfrm>
         </p:spPr>
         <p:txBody>
           <a:bodyPr anchor="b"/>
           <a:lstStyle>
             <a:lvl1pPr algn="ctr">
-              <a:defRPr sz="4500"/>
+              <a:defRPr sz="7200"/>
             </a:lvl1pPr>
           </a:lstStyle>
           <a:p>
@@ -845,48 +845,51 @@
         </p:nvSpPr>
         <p:spPr>
           <a:xfrm>
-            <a:off x="1143000" y="2701528"/>
-            <a:ext cx="6858000" cy="1241822"/>
+            <a:off x="1828800" y="4322446"/>
+            <a:ext cx="10972800" cy="1986914"/>
           </a:xfrm>
+          <a:prstGeom prst="rect">
+            <a:avLst/>
+          </a:prstGeom>
         </p:spPr>
         <p:txBody>
           <a:bodyPr/>
           <a:lstStyle>
             <a:lvl1pPr marL="0" indent="0" algn="ctr">
               <a:buNone/>
-              <a:defRPr sz="1800"/>
+              <a:defRPr sz="2880"/>
             </a:lvl1pPr>
-            <a:lvl2pPr marL="342900" indent="0" algn="ctr">
-              <a:buNone/>
-              <a:defRPr sz="1500"/>
+            <a:lvl2pPr marL="548640" indent="0" algn="ctr">
+              <a:buNone/>
+              <a:defRPr sz="2400"/>
             </a:lvl2pPr>
-            <a:lvl3pPr marL="685800" indent="0" algn="ctr">
-              <a:buNone/>
-              <a:defRPr sz="1350"/>
+            <a:lvl3pPr marL="1097280" indent="0" algn="ctr">
+              <a:buNone/>
+              <a:defRPr sz="2160"/>
             </a:lvl3pPr>
-            <a:lvl4pPr marL="1028700" indent="0" algn="ctr">
-              <a:buNone/>
-              <a:defRPr sz="1200"/>
+            <a:lvl4pPr marL="1645920" indent="0" algn="ctr">
+              <a:buNone/>
+              <a:defRPr sz="1920"/>
             </a:lvl4pPr>
-            <a:lvl5pPr marL="1371600" indent="0" algn="ctr">
-              <a:buNone/>
-              <a:defRPr sz="1200"/>
+            <a:lvl5pPr marL="2194560" indent="0" algn="ctr">
+              <a:buNone/>
+              <a:defRPr sz="1920"/>
             </a:lvl5pPr>
-            <a:lvl6pPr marL="1714500" indent="0" algn="ctr">
-              <a:buNone/>
-              <a:defRPr sz="1200"/>
+            <a:lvl6pPr marL="2743200" indent="0" algn="ctr">
+              <a:buNone/>
+              <a:defRPr sz="1920"/>
             </a:lvl6pPr>
-            <a:lvl7pPr marL="2057400" indent="0" algn="ctr">
-              <a:buNone/>
-              <a:defRPr sz="1200"/>
+            <a:lvl7pPr marL="3291840" indent="0" algn="ctr">
+              <a:buNone/>
+              <a:defRPr sz="1920"/>
             </a:lvl7pPr>
-            <a:lvl8pPr marL="2400300" indent="0" algn="ctr">
-              <a:buNone/>
-              <a:defRPr sz="1200"/>
+            <a:lvl8pPr marL="3840480" indent="0" algn="ctr">
+              <a:buNone/>
+              <a:defRPr sz="1920"/>
             </a:lvl8pPr>
-            <a:lvl9pPr marL="2743200" indent="0" algn="ctr">
-              <a:buNone/>
-              <a:defRPr sz="1200"/>
+            <a:lvl9pPr marL="4389120" indent="0" algn="ctr">
+              <a:buNone/>
+              <a:defRPr sz="1920"/>
             </a:lvl9pPr>
           </a:lstStyle>
           <a:p>
@@ -913,9 +916,9 @@
           <a:bodyPr/>
           <a:lstStyle/>
           <a:p>
-            <a:fld id="{C764DE79-268F-4C1A-8933-263129D2AF90}" type="datetimeFigureOut">
-              <a:rPr lang="en-US" smtClean="0"/>
-              <a:t>10/26/25</a:t>
+            <a:fld id="{359C6100-32B9-2D42-9719-A79D18AC7B95}" type="datetime1">
+              <a:rPr lang="es-CO" smtClean="0"/>
+              <a:t>26/10/25</a:t>
             </a:fld>
             <a:endParaRPr lang="en-US" dirty="0"/>
           </a:p>
@@ -972,14 +975,13 @@
     </p:spTree>
     <p:extLst>
       <p:ext uri="{BB962C8B-B14F-4D97-AF65-F5344CB8AC3E}">
-        <p14:creationId xmlns:p14="http://schemas.microsoft.com/office/powerpoint/2010/main" val="2242320293"/>
+        <p14:creationId xmlns:p14="http://schemas.microsoft.com/office/powerpoint/2010/main" val="795541160"/>
       </p:ext>
     </p:extLst>
   </p:cSld>
   <p:clrMapOvr>
     <a:masterClrMapping/>
   </p:clrMapOvr>
-  <p:hf hdr="0" ftr="0" dt="0"/>
 </p:sldLayout>
 </file>
 
@@ -1033,7 +1035,15 @@
             <p:ph type="body" orient="vert" idx="1"/>
           </p:nvPr>
         </p:nvSpPr>
-        <p:spPr/>
+        <p:spPr>
+          <a:xfrm>
+            <a:off x="1005840" y="2190750"/>
+            <a:ext cx="12618720" cy="5221606"/>
+          </a:xfrm>
+          <a:prstGeom prst="rect">
+            <a:avLst/>
+          </a:prstGeom>
+        </p:spPr>
         <p:txBody>
           <a:bodyPr vert="eaVert"/>
           <a:lstStyle/>
@@ -1090,9 +1100,9 @@
           <a:bodyPr/>
           <a:lstStyle/>
           <a:p>
-            <a:fld id="{C764DE79-268F-4C1A-8933-263129D2AF90}" type="datetimeFigureOut">
-              <a:rPr lang="en-US" smtClean="0"/>
-              <a:t>10/26/25</a:t>
+            <a:fld id="{6C692DB8-DF0D-9849-9D46-0B81D1BBF0BF}" type="datetime1">
+              <a:rPr lang="es-CO" smtClean="0"/>
+              <a:t>26/10/25</a:t>
             </a:fld>
             <a:endParaRPr lang="en-US" dirty="0"/>
           </a:p>
@@ -1149,14 +1159,13 @@
     </p:spTree>
     <p:extLst>
       <p:ext uri="{BB962C8B-B14F-4D97-AF65-F5344CB8AC3E}">
-        <p14:creationId xmlns:p14="http://schemas.microsoft.com/office/powerpoint/2010/main" val="180263830"/>
+        <p14:creationId xmlns:p14="http://schemas.microsoft.com/office/powerpoint/2010/main" val="110967074"/>
       </p:ext>
     </p:extLst>
   </p:cSld>
   <p:clrMapOvr>
     <a:masterClrMapping/>
   </p:clrMapOvr>
-  <p:hf hdr="0" ftr="0" dt="0"/>
 </p:sldLayout>
 </file>
 
@@ -1189,8 +1198,8 @@
         </p:nvSpPr>
         <p:spPr>
           <a:xfrm>
-            <a:off x="6543675" y="273843"/>
-            <a:ext cx="1971675" cy="4358879"/>
+            <a:off x="10469880" y="438150"/>
+            <a:ext cx="3154680" cy="6974206"/>
           </a:xfrm>
         </p:spPr>
         <p:txBody>
@@ -1217,9 +1226,12 @@
         </p:nvSpPr>
         <p:spPr>
           <a:xfrm>
-            <a:off x="628650" y="273843"/>
-            <a:ext cx="5800725" cy="4358879"/>
+            <a:off x="1005840" y="438150"/>
+            <a:ext cx="9281160" cy="6974206"/>
           </a:xfrm>
+          <a:prstGeom prst="rect">
+            <a:avLst/>
+          </a:prstGeom>
         </p:spPr>
         <p:txBody>
           <a:bodyPr vert="eaVert"/>
@@ -1277,9 +1289,9 @@
           <a:bodyPr/>
           <a:lstStyle/>
           <a:p>
-            <a:fld id="{C764DE79-268F-4C1A-8933-263129D2AF90}" type="datetimeFigureOut">
-              <a:rPr lang="en-US" smtClean="0"/>
-              <a:t>10/26/25</a:t>
+            <a:fld id="{CB6FDAD5-F234-3E48-A1E8-3960130F22A3}" type="datetime1">
+              <a:rPr lang="es-CO" smtClean="0"/>
+              <a:t>26/10/25</a:t>
             </a:fld>
             <a:endParaRPr lang="en-US" dirty="0"/>
           </a:p>
@@ -1336,14 +1348,13 @@
     </p:spTree>
     <p:extLst>
       <p:ext uri="{BB962C8B-B14F-4D97-AF65-F5344CB8AC3E}">
-        <p14:creationId xmlns:p14="http://schemas.microsoft.com/office/powerpoint/2010/main" val="937455482"/>
+        <p14:creationId xmlns:p14="http://schemas.microsoft.com/office/powerpoint/2010/main" val="3615244237"/>
       </p:ext>
     </p:extLst>
   </p:cSld>
   <p:clrMapOvr>
     <a:masterClrMapping/>
   </p:clrMapOvr>
-  <p:hf hdr="0" ftr="0" dt="0"/>
 </p:sldLayout>
 </file>
 
@@ -1382,8 +1393,8 @@
         </p:nvSpPr>
         <p:spPr>
           <a:xfrm>
-            <a:off x="8510400" y="233618"/>
-            <a:ext cx="405000" cy="270000"/>
+            <a:off x="13616640" y="373789"/>
+            <a:ext cx="648000" cy="432000"/>
           </a:xfrm>
           <a:prstGeom prst="rect">
             <a:avLst/>
@@ -1399,7 +1410,7 @@
               <a:spcAft>
                 <a:spcPts val="0"/>
               </a:spcAft>
-              <a:defRPr sz="609" b="1">
+              <a:defRPr sz="974" b="1">
                 <a:solidFill>
                   <a:schemeClr val="tx1"/>
                 </a:solidFill>
@@ -1450,8 +1461,8 @@
         </p:blipFill>
         <p:spPr>
           <a:xfrm>
-            <a:off x="8574637" y="4655993"/>
-            <a:ext cx="459063" cy="384928"/>
+            <a:off x="13719420" y="7449589"/>
+            <a:ext cx="734501" cy="615885"/>
           </a:xfrm>
           <a:prstGeom prst="rect">
             <a:avLst/>
@@ -1476,8 +1487,8 @@
         </p:nvSpPr>
         <p:spPr>
           <a:xfrm>
-            <a:off x="228602" y="156667"/>
-            <a:ext cx="6300080" cy="529133"/>
+            <a:off x="365763" y="250668"/>
+            <a:ext cx="10080128" cy="846613"/>
           </a:xfrm>
           <a:prstGeom prst="rect">
             <a:avLst/>
@@ -1486,7 +1497,7 @@
         <p:txBody>
           <a:bodyPr anchor="ctr"/>
           <a:lstStyle>
-            <a:lvl1pPr marL="0" indent="0" algn="l" defTabSz="278605" rtl="0" eaLnBrk="1" fontAlgn="auto" hangingPunct="1">
+            <a:lvl1pPr marL="0" indent="0" algn="l" defTabSz="445768" rtl="0" eaLnBrk="1" fontAlgn="auto" hangingPunct="1">
               <a:lnSpc>
                 <a:spcPct val="100000"/>
               </a:lnSpc>
@@ -1497,7 +1508,7 @@
                 <a:spcPts val="0"/>
               </a:spcAft>
               <a:buNone/>
-              <a:defRPr lang="en-US" sz="2681" b="0" kern="1200" dirty="0">
+              <a:defRPr lang="en-US" sz="4290" b="0" kern="1200" dirty="0">
                 <a:solidFill>
                   <a:schemeClr val="accent1">
                     <a:lumMod val="75000"/>
@@ -1536,50 +1547,53 @@
         </p:nvSpPr>
         <p:spPr>
           <a:xfrm>
-            <a:off x="629842" y="1260872"/>
-            <a:ext cx="3868340" cy="617934"/>
+            <a:off x="1007747" y="2017395"/>
+            <a:ext cx="6189344" cy="988694"/>
           </a:xfrm>
+          <a:prstGeom prst="rect">
+            <a:avLst/>
+          </a:prstGeom>
         </p:spPr>
         <p:txBody>
           <a:bodyPr anchor="ctr"/>
           <a:lstStyle>
             <a:lvl1pPr marL="0" indent="0" algn="ctr">
               <a:buNone/>
-              <a:defRPr sz="1500" b="1">
+              <a:defRPr sz="2400" b="1">
                 <a:latin typeface="Montserrat" pitchFamily="2" charset="77"/>
               </a:defRPr>
             </a:lvl1pPr>
-            <a:lvl2pPr marL="342900" indent="0">
-              <a:buNone/>
-              <a:defRPr sz="1500" b="1"/>
+            <a:lvl2pPr marL="548640" indent="0">
+              <a:buNone/>
+              <a:defRPr sz="2400" b="1"/>
             </a:lvl2pPr>
-            <a:lvl3pPr marL="685800" indent="0">
-              <a:buNone/>
-              <a:defRPr sz="1350" b="1"/>
+            <a:lvl3pPr marL="1097280" indent="0">
+              <a:buNone/>
+              <a:defRPr sz="2160" b="1"/>
             </a:lvl3pPr>
-            <a:lvl4pPr marL="1028700" indent="0">
-              <a:buNone/>
-              <a:defRPr sz="1200" b="1"/>
+            <a:lvl4pPr marL="1645920" indent="0">
+              <a:buNone/>
+              <a:defRPr sz="1920" b="1"/>
             </a:lvl4pPr>
-            <a:lvl5pPr marL="1371600" indent="0">
-              <a:buNone/>
-              <a:defRPr sz="1200" b="1"/>
+            <a:lvl5pPr marL="2194560" indent="0">
+              <a:buNone/>
+              <a:defRPr sz="1920" b="1"/>
             </a:lvl5pPr>
-            <a:lvl6pPr marL="1714500" indent="0">
-              <a:buNone/>
-              <a:defRPr sz="1200" b="1"/>
+            <a:lvl6pPr marL="2743200" indent="0">
+              <a:buNone/>
+              <a:defRPr sz="1920" b="1"/>
             </a:lvl6pPr>
-            <a:lvl7pPr marL="2057400" indent="0">
-              <a:buNone/>
-              <a:defRPr sz="1200" b="1"/>
+            <a:lvl7pPr marL="3291840" indent="0">
+              <a:buNone/>
+              <a:defRPr sz="1920" b="1"/>
             </a:lvl7pPr>
-            <a:lvl8pPr marL="2400300" indent="0">
-              <a:buNone/>
-              <a:defRPr sz="1200" b="1"/>
+            <a:lvl8pPr marL="3840480" indent="0">
+              <a:buNone/>
+              <a:defRPr sz="1920" b="1"/>
             </a:lvl8pPr>
-            <a:lvl9pPr marL="2743200" indent="0">
-              <a:buNone/>
-              <a:defRPr sz="1200" b="1"/>
+            <a:lvl9pPr marL="4389120" indent="0">
+              <a:buNone/>
+              <a:defRPr sz="1920" b="1"/>
             </a:lvl9pPr>
           </a:lstStyle>
           <a:p>
@@ -1609,9 +1623,12 @@
         </p:nvSpPr>
         <p:spPr>
           <a:xfrm>
-            <a:off x="629842" y="1878806"/>
-            <a:ext cx="3868340" cy="2763441"/>
+            <a:off x="1007747" y="3006090"/>
+            <a:ext cx="6189344" cy="4421506"/>
           </a:xfrm>
+          <a:prstGeom prst="rect">
+            <a:avLst/>
+          </a:prstGeom>
         </p:spPr>
         <p:txBody>
           <a:bodyPr>
@@ -1619,27 +1636,27 @@
           </a:bodyPr>
           <a:lstStyle>
             <a:lvl1pPr>
-              <a:defRPr sz="1800">
+              <a:defRPr sz="2880">
                 <a:latin typeface="Montserrat" pitchFamily="2" charset="77"/>
               </a:defRPr>
             </a:lvl1pPr>
             <a:lvl2pPr>
-              <a:defRPr sz="1500">
+              <a:defRPr sz="2400">
                 <a:latin typeface="Montserrat" pitchFamily="2" charset="77"/>
               </a:defRPr>
             </a:lvl2pPr>
             <a:lvl3pPr>
-              <a:defRPr sz="1350">
+              <a:defRPr sz="2160">
                 <a:latin typeface="Montserrat" pitchFamily="2" charset="77"/>
               </a:defRPr>
             </a:lvl3pPr>
             <a:lvl4pPr>
-              <a:defRPr sz="1200">
+              <a:defRPr sz="1920">
                 <a:latin typeface="Montserrat" pitchFamily="2" charset="77"/>
               </a:defRPr>
             </a:lvl4pPr>
             <a:lvl5pPr>
-              <a:defRPr sz="1200">
+              <a:defRPr sz="1920">
                 <a:latin typeface="Montserrat" pitchFamily="2" charset="77"/>
               </a:defRPr>
             </a:lvl5pPr>
@@ -1700,50 +1717,53 @@
         </p:nvSpPr>
         <p:spPr>
           <a:xfrm>
-            <a:off x="4629150" y="1260872"/>
-            <a:ext cx="3887391" cy="617934"/>
+            <a:off x="7406641" y="2017395"/>
+            <a:ext cx="6219826" cy="988694"/>
           </a:xfrm>
+          <a:prstGeom prst="rect">
+            <a:avLst/>
+          </a:prstGeom>
         </p:spPr>
         <p:txBody>
           <a:bodyPr anchor="ctr"/>
           <a:lstStyle>
             <a:lvl1pPr marL="0" indent="0" algn="ctr">
               <a:buNone/>
-              <a:defRPr sz="1500" b="1">
+              <a:defRPr sz="2400" b="1">
                 <a:latin typeface="Montserrat" pitchFamily="2" charset="77"/>
               </a:defRPr>
             </a:lvl1pPr>
-            <a:lvl2pPr marL="342900" indent="0">
-              <a:buNone/>
-              <a:defRPr sz="1500" b="1"/>
+            <a:lvl2pPr marL="548640" indent="0">
+              <a:buNone/>
+              <a:defRPr sz="2400" b="1"/>
             </a:lvl2pPr>
-            <a:lvl3pPr marL="685800" indent="0">
-              <a:buNone/>
-              <a:defRPr sz="1350" b="1"/>
+            <a:lvl3pPr marL="1097280" indent="0">
+              <a:buNone/>
+              <a:defRPr sz="2160" b="1"/>
             </a:lvl3pPr>
-            <a:lvl4pPr marL="1028700" indent="0">
-              <a:buNone/>
-              <a:defRPr sz="1200" b="1"/>
+            <a:lvl4pPr marL="1645920" indent="0">
+              <a:buNone/>
+              <a:defRPr sz="1920" b="1"/>
             </a:lvl4pPr>
-            <a:lvl5pPr marL="1371600" indent="0">
-              <a:buNone/>
-              <a:defRPr sz="1200" b="1"/>
+            <a:lvl5pPr marL="2194560" indent="0">
+              <a:buNone/>
+              <a:defRPr sz="1920" b="1"/>
             </a:lvl5pPr>
-            <a:lvl6pPr marL="1714500" indent="0">
-              <a:buNone/>
-              <a:defRPr sz="1200" b="1"/>
+            <a:lvl6pPr marL="2743200" indent="0">
+              <a:buNone/>
+              <a:defRPr sz="1920" b="1"/>
             </a:lvl6pPr>
-            <a:lvl7pPr marL="2057400" indent="0">
-              <a:buNone/>
-              <a:defRPr sz="1200" b="1"/>
+            <a:lvl7pPr marL="3291840" indent="0">
+              <a:buNone/>
+              <a:defRPr sz="1920" b="1"/>
             </a:lvl7pPr>
-            <a:lvl8pPr marL="2400300" indent="0">
-              <a:buNone/>
-              <a:defRPr sz="1200" b="1"/>
+            <a:lvl8pPr marL="3840480" indent="0">
+              <a:buNone/>
+              <a:defRPr sz="1920" b="1"/>
             </a:lvl8pPr>
-            <a:lvl9pPr marL="2743200" indent="0">
-              <a:buNone/>
-              <a:defRPr sz="1200" b="1"/>
+            <a:lvl9pPr marL="4389120" indent="0">
+              <a:buNone/>
+              <a:defRPr sz="1920" b="1"/>
             </a:lvl9pPr>
           </a:lstStyle>
           <a:p>
@@ -1773,9 +1793,12 @@
         </p:nvSpPr>
         <p:spPr>
           <a:xfrm>
-            <a:off x="4629150" y="1878806"/>
-            <a:ext cx="3887391" cy="2763441"/>
+            <a:off x="7406641" y="3006090"/>
+            <a:ext cx="6219826" cy="4421506"/>
           </a:xfrm>
+          <a:prstGeom prst="rect">
+            <a:avLst/>
+          </a:prstGeom>
         </p:spPr>
         <p:txBody>
           <a:bodyPr>
@@ -1783,27 +1806,27 @@
           </a:bodyPr>
           <a:lstStyle>
             <a:lvl1pPr>
-              <a:defRPr sz="1800">
+              <a:defRPr sz="2880">
                 <a:latin typeface="Montserrat" pitchFamily="2" charset="77"/>
               </a:defRPr>
             </a:lvl1pPr>
             <a:lvl2pPr>
-              <a:defRPr sz="1500">
+              <a:defRPr sz="2400">
                 <a:latin typeface="Montserrat" pitchFamily="2" charset="77"/>
               </a:defRPr>
             </a:lvl2pPr>
             <a:lvl3pPr>
-              <a:defRPr sz="1350">
+              <a:defRPr sz="2160">
                 <a:latin typeface="Montserrat" pitchFamily="2" charset="77"/>
               </a:defRPr>
             </a:lvl3pPr>
             <a:lvl4pPr>
-              <a:defRPr sz="1200">
+              <a:defRPr sz="1920">
                 <a:latin typeface="Montserrat" pitchFamily="2" charset="77"/>
               </a:defRPr>
             </a:lvl4pPr>
             <a:lvl5pPr>
-              <a:defRPr sz="1200">
+              <a:defRPr sz="1920">
                 <a:latin typeface="Montserrat" pitchFamily="2" charset="77"/>
               </a:defRPr>
             </a:lvl5pPr>
@@ -1912,7 +1935,15 @@
             <p:ph idx="1"/>
           </p:nvPr>
         </p:nvSpPr>
-        <p:spPr/>
+        <p:spPr>
+          <a:xfrm>
+            <a:off x="1005840" y="2190750"/>
+            <a:ext cx="12618720" cy="5221606"/>
+          </a:xfrm>
+          <a:prstGeom prst="rect">
+            <a:avLst/>
+          </a:prstGeom>
+        </p:spPr>
         <p:txBody>
           <a:bodyPr/>
           <a:lstStyle/>
@@ -1969,9 +2000,9 @@
           <a:bodyPr/>
           <a:lstStyle/>
           <a:p>
-            <a:fld id="{C764DE79-268F-4C1A-8933-263129D2AF90}" type="datetimeFigureOut">
-              <a:rPr lang="en-US" smtClean="0"/>
-              <a:t>10/26/25</a:t>
+            <a:fld id="{B06350CC-0FA5-CF4A-A644-5D6E501D1F0F}" type="datetime1">
+              <a:rPr lang="es-CO" smtClean="0"/>
+              <a:t>26/10/25</a:t>
             </a:fld>
             <a:endParaRPr lang="en-US" dirty="0"/>
           </a:p>
@@ -2028,14 +2059,13 @@
     </p:spTree>
     <p:extLst>
       <p:ext uri="{BB962C8B-B14F-4D97-AF65-F5344CB8AC3E}">
-        <p14:creationId xmlns:p14="http://schemas.microsoft.com/office/powerpoint/2010/main" val="550084577"/>
+        <p14:creationId xmlns:p14="http://schemas.microsoft.com/office/powerpoint/2010/main" val="549222371"/>
       </p:ext>
     </p:extLst>
   </p:cSld>
   <p:clrMapOvr>
     <a:masterClrMapping/>
   </p:clrMapOvr>
-  <p:hf hdr="0" ftr="0" dt="0"/>
 </p:sldLayout>
 </file>
 
@@ -2068,15 +2098,15 @@
         </p:nvSpPr>
         <p:spPr>
           <a:xfrm>
-            <a:off x="623887" y="1282304"/>
-            <a:ext cx="7886700" cy="2139553"/>
+            <a:off x="998220" y="2051686"/>
+            <a:ext cx="12618720" cy="3423284"/>
           </a:xfrm>
         </p:spPr>
         <p:txBody>
           <a:bodyPr anchor="b"/>
           <a:lstStyle>
             <a:lvl1pPr>
-              <a:defRPr sz="4500"/>
+              <a:defRPr sz="7200"/>
             </a:lvl1pPr>
           </a:lstStyle>
           <a:p>
@@ -2100,16 +2130,19 @@
         </p:nvSpPr>
         <p:spPr>
           <a:xfrm>
-            <a:off x="623887" y="3442098"/>
-            <a:ext cx="7886700" cy="1125140"/>
+            <a:off x="998220" y="5507356"/>
+            <a:ext cx="12618720" cy="1800224"/>
           </a:xfrm>
+          <a:prstGeom prst="rect">
+            <a:avLst/>
+          </a:prstGeom>
         </p:spPr>
         <p:txBody>
           <a:bodyPr/>
           <a:lstStyle>
             <a:lvl1pPr marL="0" indent="0">
               <a:buNone/>
-              <a:defRPr sz="1800">
+              <a:defRPr sz="2880">
                 <a:solidFill>
                   <a:schemeClr val="tx1">
                     <a:tint val="82000"/>
@@ -2117,9 +2150,9 @@
                 </a:solidFill>
               </a:defRPr>
             </a:lvl1pPr>
-            <a:lvl2pPr marL="342900" indent="0">
-              <a:buNone/>
-              <a:defRPr sz="1500">
+            <a:lvl2pPr marL="548640" indent="0">
+              <a:buNone/>
+              <a:defRPr sz="2400">
                 <a:solidFill>
                   <a:schemeClr val="tx1">
                     <a:tint val="82000"/>
@@ -2127,9 +2160,9 @@
                 </a:solidFill>
               </a:defRPr>
             </a:lvl2pPr>
-            <a:lvl3pPr marL="685800" indent="0">
-              <a:buNone/>
-              <a:defRPr sz="1350">
+            <a:lvl3pPr marL="1097280" indent="0">
+              <a:buNone/>
+              <a:defRPr sz="2160">
                 <a:solidFill>
                   <a:schemeClr val="tx1">
                     <a:tint val="82000"/>
@@ -2137,9 +2170,9 @@
                 </a:solidFill>
               </a:defRPr>
             </a:lvl3pPr>
-            <a:lvl4pPr marL="1028700" indent="0">
-              <a:buNone/>
-              <a:defRPr sz="1200">
+            <a:lvl4pPr marL="1645920" indent="0">
+              <a:buNone/>
+              <a:defRPr sz="1920">
                 <a:solidFill>
                   <a:schemeClr val="tx1">
                     <a:tint val="82000"/>
@@ -2147,9 +2180,9 @@
                 </a:solidFill>
               </a:defRPr>
             </a:lvl4pPr>
-            <a:lvl5pPr marL="1371600" indent="0">
-              <a:buNone/>
-              <a:defRPr sz="1200">
+            <a:lvl5pPr marL="2194560" indent="0">
+              <a:buNone/>
+              <a:defRPr sz="1920">
                 <a:solidFill>
                   <a:schemeClr val="tx1">
                     <a:tint val="82000"/>
@@ -2157,9 +2190,9 @@
                 </a:solidFill>
               </a:defRPr>
             </a:lvl5pPr>
-            <a:lvl6pPr marL="1714500" indent="0">
-              <a:buNone/>
-              <a:defRPr sz="1200">
+            <a:lvl6pPr marL="2743200" indent="0">
+              <a:buNone/>
+              <a:defRPr sz="1920">
                 <a:solidFill>
                   <a:schemeClr val="tx1">
                     <a:tint val="82000"/>
@@ -2167,9 +2200,9 @@
                 </a:solidFill>
               </a:defRPr>
             </a:lvl6pPr>
-            <a:lvl7pPr marL="2057400" indent="0">
-              <a:buNone/>
-              <a:defRPr sz="1200">
+            <a:lvl7pPr marL="3291840" indent="0">
+              <a:buNone/>
+              <a:defRPr sz="1920">
                 <a:solidFill>
                   <a:schemeClr val="tx1">
                     <a:tint val="82000"/>
@@ -2177,9 +2210,9 @@
                 </a:solidFill>
               </a:defRPr>
             </a:lvl7pPr>
-            <a:lvl8pPr marL="2400300" indent="0">
-              <a:buNone/>
-              <a:defRPr sz="1200">
+            <a:lvl8pPr marL="3840480" indent="0">
+              <a:buNone/>
+              <a:defRPr sz="1920">
                 <a:solidFill>
                   <a:schemeClr val="tx1">
                     <a:tint val="82000"/>
@@ -2187,9 +2220,9 @@
                 </a:solidFill>
               </a:defRPr>
             </a:lvl8pPr>
-            <a:lvl9pPr marL="2743200" indent="0">
-              <a:buNone/>
-              <a:defRPr sz="1200">
+            <a:lvl9pPr marL="4389120" indent="0">
+              <a:buNone/>
+              <a:defRPr sz="1920">
                 <a:solidFill>
                   <a:schemeClr val="tx1">
                     <a:tint val="82000"/>
@@ -2222,9 +2255,9 @@
           <a:bodyPr/>
           <a:lstStyle/>
           <a:p>
-            <a:fld id="{C764DE79-268F-4C1A-8933-263129D2AF90}" type="datetimeFigureOut">
-              <a:rPr lang="en-US" smtClean="0"/>
-              <a:t>10/26/25</a:t>
+            <a:fld id="{82F639A3-5CD3-8049-A46F-AA72788B31EF}" type="datetime1">
+              <a:rPr lang="es-CO" smtClean="0"/>
+              <a:t>26/10/25</a:t>
             </a:fld>
             <a:endParaRPr lang="en-US" dirty="0"/>
           </a:p>
@@ -2281,14 +2314,13 @@
     </p:spTree>
     <p:extLst>
       <p:ext uri="{BB962C8B-B14F-4D97-AF65-F5344CB8AC3E}">
-        <p14:creationId xmlns:p14="http://schemas.microsoft.com/office/powerpoint/2010/main" val="2922541606"/>
+        <p14:creationId xmlns:p14="http://schemas.microsoft.com/office/powerpoint/2010/main" val="2866226154"/>
       </p:ext>
     </p:extLst>
   </p:cSld>
   <p:clrMapOvr>
     <a:masterClrMapping/>
   </p:clrMapOvr>
-  <p:hf hdr="0" ftr="0" dt="0"/>
 </p:sldLayout>
 </file>
 
@@ -2344,9 +2376,12 @@
         </p:nvSpPr>
         <p:spPr>
           <a:xfrm>
-            <a:off x="628650" y="1369218"/>
-            <a:ext cx="3886200" cy="3263504"/>
+            <a:off x="1005840" y="2190750"/>
+            <a:ext cx="6217920" cy="5221606"/>
           </a:xfrm>
+          <a:prstGeom prst="rect">
+            <a:avLst/>
+          </a:prstGeom>
         </p:spPr>
         <p:txBody>
           <a:bodyPr/>
@@ -2401,9 +2436,12 @@
         </p:nvSpPr>
         <p:spPr>
           <a:xfrm>
-            <a:off x="4629150" y="1369218"/>
-            <a:ext cx="3886200" cy="3263504"/>
+            <a:off x="7406640" y="2190750"/>
+            <a:ext cx="6217920" cy="5221606"/>
           </a:xfrm>
+          <a:prstGeom prst="rect">
+            <a:avLst/>
+          </a:prstGeom>
         </p:spPr>
         <p:txBody>
           <a:bodyPr/>
@@ -2461,9 +2499,9 @@
           <a:bodyPr/>
           <a:lstStyle/>
           <a:p>
-            <a:fld id="{C764DE79-268F-4C1A-8933-263129D2AF90}" type="datetimeFigureOut">
-              <a:rPr lang="en-US" smtClean="0"/>
-              <a:t>10/26/25</a:t>
+            <a:fld id="{F15B58FD-0E59-6840-9899-72F7DE63DC1B}" type="datetime1">
+              <a:rPr lang="es-CO" smtClean="0"/>
+              <a:t>26/10/25</a:t>
             </a:fld>
             <a:endParaRPr lang="en-US" dirty="0"/>
           </a:p>
@@ -2520,14 +2558,13 @@
     </p:spTree>
     <p:extLst>
       <p:ext uri="{BB962C8B-B14F-4D97-AF65-F5344CB8AC3E}">
-        <p14:creationId xmlns:p14="http://schemas.microsoft.com/office/powerpoint/2010/main" val="1555281819"/>
+        <p14:creationId xmlns:p14="http://schemas.microsoft.com/office/powerpoint/2010/main" val="3840660365"/>
       </p:ext>
     </p:extLst>
   </p:cSld>
   <p:clrMapOvr>
     <a:masterClrMapping/>
   </p:clrMapOvr>
-  <p:hf hdr="0" ftr="0" dt="0"/>
 </p:sldLayout>
 </file>
 
@@ -2560,8 +2597,8 @@
         </p:nvSpPr>
         <p:spPr>
           <a:xfrm>
-            <a:off x="629841" y="273844"/>
-            <a:ext cx="7886700" cy="994172"/>
+            <a:off x="1007746" y="438150"/>
+            <a:ext cx="12618720" cy="1590676"/>
           </a:xfrm>
         </p:spPr>
         <p:txBody>
@@ -2588,48 +2625,51 @@
         </p:nvSpPr>
         <p:spPr>
           <a:xfrm>
-            <a:off x="629842" y="1260872"/>
-            <a:ext cx="3868340" cy="617934"/>
+            <a:off x="1007746" y="2017396"/>
+            <a:ext cx="6189344" cy="988694"/>
           </a:xfrm>
+          <a:prstGeom prst="rect">
+            <a:avLst/>
+          </a:prstGeom>
         </p:spPr>
         <p:txBody>
           <a:bodyPr anchor="b"/>
           <a:lstStyle>
             <a:lvl1pPr marL="0" indent="0">
               <a:buNone/>
-              <a:defRPr sz="1800" b="1"/>
+              <a:defRPr sz="2880" b="1"/>
             </a:lvl1pPr>
-            <a:lvl2pPr marL="342900" indent="0">
-              <a:buNone/>
-              <a:defRPr sz="1500" b="1"/>
+            <a:lvl2pPr marL="548640" indent="0">
+              <a:buNone/>
+              <a:defRPr sz="2400" b="1"/>
             </a:lvl2pPr>
-            <a:lvl3pPr marL="685800" indent="0">
-              <a:buNone/>
-              <a:defRPr sz="1350" b="1"/>
+            <a:lvl3pPr marL="1097280" indent="0">
+              <a:buNone/>
+              <a:defRPr sz="2160" b="1"/>
             </a:lvl3pPr>
-            <a:lvl4pPr marL="1028700" indent="0">
-              <a:buNone/>
-              <a:defRPr sz="1200" b="1"/>
+            <a:lvl4pPr marL="1645920" indent="0">
+              <a:buNone/>
+              <a:defRPr sz="1920" b="1"/>
             </a:lvl4pPr>
-            <a:lvl5pPr marL="1371600" indent="0">
-              <a:buNone/>
-              <a:defRPr sz="1200" b="1"/>
+            <a:lvl5pPr marL="2194560" indent="0">
+              <a:buNone/>
+              <a:defRPr sz="1920" b="1"/>
             </a:lvl5pPr>
-            <a:lvl6pPr marL="1714500" indent="0">
-              <a:buNone/>
-              <a:defRPr sz="1200" b="1"/>
+            <a:lvl6pPr marL="2743200" indent="0">
+              <a:buNone/>
+              <a:defRPr sz="1920" b="1"/>
             </a:lvl6pPr>
-            <a:lvl7pPr marL="2057400" indent="0">
-              <a:buNone/>
-              <a:defRPr sz="1200" b="1"/>
+            <a:lvl7pPr marL="3291840" indent="0">
+              <a:buNone/>
+              <a:defRPr sz="1920" b="1"/>
             </a:lvl7pPr>
-            <a:lvl8pPr marL="2400300" indent="0">
-              <a:buNone/>
-              <a:defRPr sz="1200" b="1"/>
+            <a:lvl8pPr marL="3840480" indent="0">
+              <a:buNone/>
+              <a:defRPr sz="1920" b="1"/>
             </a:lvl8pPr>
-            <a:lvl9pPr marL="2743200" indent="0">
-              <a:buNone/>
-              <a:defRPr sz="1200" b="1"/>
+            <a:lvl9pPr marL="4389120" indent="0">
+              <a:buNone/>
+              <a:defRPr sz="1920" b="1"/>
             </a:lvl9pPr>
           </a:lstStyle>
           <a:p>
@@ -2653,9 +2693,12 @@
         </p:nvSpPr>
         <p:spPr>
           <a:xfrm>
-            <a:off x="629842" y="1878806"/>
-            <a:ext cx="3868340" cy="2763441"/>
+            <a:off x="1007746" y="3006090"/>
+            <a:ext cx="6189344" cy="4421506"/>
           </a:xfrm>
+          <a:prstGeom prst="rect">
+            <a:avLst/>
+          </a:prstGeom>
         </p:spPr>
         <p:txBody>
           <a:bodyPr/>
@@ -2710,48 +2753,51 @@
         </p:nvSpPr>
         <p:spPr>
           <a:xfrm>
-            <a:off x="4629150" y="1260872"/>
-            <a:ext cx="3887391" cy="617934"/>
+            <a:off x="7406640" y="2017396"/>
+            <a:ext cx="6219826" cy="988694"/>
           </a:xfrm>
+          <a:prstGeom prst="rect">
+            <a:avLst/>
+          </a:prstGeom>
         </p:spPr>
         <p:txBody>
           <a:bodyPr anchor="b"/>
           <a:lstStyle>
             <a:lvl1pPr marL="0" indent="0">
               <a:buNone/>
-              <a:defRPr sz="1800" b="1"/>
+              <a:defRPr sz="2880" b="1"/>
             </a:lvl1pPr>
-            <a:lvl2pPr marL="342900" indent="0">
-              <a:buNone/>
-              <a:defRPr sz="1500" b="1"/>
+            <a:lvl2pPr marL="548640" indent="0">
+              <a:buNone/>
+              <a:defRPr sz="2400" b="1"/>
             </a:lvl2pPr>
-            <a:lvl3pPr marL="685800" indent="0">
-              <a:buNone/>
-              <a:defRPr sz="1350" b="1"/>
+            <a:lvl3pPr marL="1097280" indent="0">
+              <a:buNone/>
+              <a:defRPr sz="2160" b="1"/>
             </a:lvl3pPr>
-            <a:lvl4pPr marL="1028700" indent="0">
-              <a:buNone/>
-              <a:defRPr sz="1200" b="1"/>
+            <a:lvl4pPr marL="1645920" indent="0">
+              <a:buNone/>
+              <a:defRPr sz="1920" b="1"/>
             </a:lvl4pPr>
-            <a:lvl5pPr marL="1371600" indent="0">
-              <a:buNone/>
-              <a:defRPr sz="1200" b="1"/>
+            <a:lvl5pPr marL="2194560" indent="0">
+              <a:buNone/>
+              <a:defRPr sz="1920" b="1"/>
             </a:lvl5pPr>
-            <a:lvl6pPr marL="1714500" indent="0">
-              <a:buNone/>
-              <a:defRPr sz="1200" b="1"/>
+            <a:lvl6pPr marL="2743200" indent="0">
+              <a:buNone/>
+              <a:defRPr sz="1920" b="1"/>
             </a:lvl6pPr>
-            <a:lvl7pPr marL="2057400" indent="0">
-              <a:buNone/>
-              <a:defRPr sz="1200" b="1"/>
+            <a:lvl7pPr marL="3291840" indent="0">
+              <a:buNone/>
+              <a:defRPr sz="1920" b="1"/>
             </a:lvl7pPr>
-            <a:lvl8pPr marL="2400300" indent="0">
-              <a:buNone/>
-              <a:defRPr sz="1200" b="1"/>
+            <a:lvl8pPr marL="3840480" indent="0">
+              <a:buNone/>
+              <a:defRPr sz="1920" b="1"/>
             </a:lvl8pPr>
-            <a:lvl9pPr marL="2743200" indent="0">
-              <a:buNone/>
-              <a:defRPr sz="1200" b="1"/>
+            <a:lvl9pPr marL="4389120" indent="0">
+              <a:buNone/>
+              <a:defRPr sz="1920" b="1"/>
             </a:lvl9pPr>
           </a:lstStyle>
           <a:p>
@@ -2775,9 +2821,12 @@
         </p:nvSpPr>
         <p:spPr>
           <a:xfrm>
-            <a:off x="4629150" y="1878806"/>
-            <a:ext cx="3887391" cy="2763441"/>
+            <a:off x="7406640" y="3006090"/>
+            <a:ext cx="6219826" cy="4421506"/>
           </a:xfrm>
+          <a:prstGeom prst="rect">
+            <a:avLst/>
+          </a:prstGeom>
         </p:spPr>
         <p:txBody>
           <a:bodyPr/>
@@ -2835,9 +2884,9 @@
           <a:bodyPr/>
           <a:lstStyle/>
           <a:p>
-            <a:fld id="{C764DE79-268F-4C1A-8933-263129D2AF90}" type="datetimeFigureOut">
-              <a:rPr lang="en-US" smtClean="0"/>
-              <a:t>10/26/25</a:t>
+            <a:fld id="{97478AEC-386E-F740-BDE9-4B44890E8089}" type="datetime1">
+              <a:rPr lang="es-CO" smtClean="0"/>
+              <a:t>26/10/25</a:t>
             </a:fld>
             <a:endParaRPr lang="en-US" dirty="0"/>
           </a:p>
@@ -2894,14 +2943,13 @@
     </p:spTree>
     <p:extLst>
       <p:ext uri="{BB962C8B-B14F-4D97-AF65-F5344CB8AC3E}">
-        <p14:creationId xmlns:p14="http://schemas.microsoft.com/office/powerpoint/2010/main" val="1407176346"/>
+        <p14:creationId xmlns:p14="http://schemas.microsoft.com/office/powerpoint/2010/main" val="3427183973"/>
       </p:ext>
     </p:extLst>
   </p:cSld>
   <p:clrMapOvr>
     <a:masterClrMapping/>
   </p:clrMapOvr>
-  <p:hf hdr="0" ftr="0" dt="0"/>
 </p:sldLayout>
 </file>
 
@@ -2960,9 +3008,9 @@
           <a:bodyPr/>
           <a:lstStyle/>
           <a:p>
-            <a:fld id="{C764DE79-268F-4C1A-8933-263129D2AF90}" type="datetimeFigureOut">
-              <a:rPr lang="en-US" smtClean="0"/>
-              <a:t>10/26/25</a:t>
+            <a:fld id="{031D21B5-EAA5-9E42-8CB4-6470D1B88D71}" type="datetime1">
+              <a:rPr lang="es-CO" smtClean="0"/>
+              <a:t>26/10/25</a:t>
             </a:fld>
             <a:endParaRPr lang="en-US" dirty="0"/>
           </a:p>
@@ -3019,14 +3067,13 @@
     </p:spTree>
     <p:extLst>
       <p:ext uri="{BB962C8B-B14F-4D97-AF65-F5344CB8AC3E}">
-        <p14:creationId xmlns:p14="http://schemas.microsoft.com/office/powerpoint/2010/main" val="2838670738"/>
+        <p14:creationId xmlns:p14="http://schemas.microsoft.com/office/powerpoint/2010/main" val="242133688"/>
       </p:ext>
     </p:extLst>
   </p:cSld>
   <p:clrMapOvr>
     <a:masterClrMapping/>
   </p:clrMapOvr>
-  <p:hf hdr="0" ftr="0" dt="0"/>
 </p:sldLayout>
 </file>
 
@@ -3062,9 +3109,9 @@
           <a:bodyPr/>
           <a:lstStyle/>
           <a:p>
-            <a:fld id="{C764DE79-268F-4C1A-8933-263129D2AF90}" type="datetimeFigureOut">
-              <a:rPr lang="en-US" smtClean="0"/>
-              <a:t>10/26/25</a:t>
+            <a:fld id="{F0693671-F9F2-A14C-A742-B6C446121A4E}" type="datetime1">
+              <a:rPr lang="es-CO" smtClean="0"/>
+              <a:t>26/10/25</a:t>
             </a:fld>
             <a:endParaRPr lang="en-US" dirty="0"/>
           </a:p>
@@ -3121,14 +3168,13 @@
     </p:spTree>
     <p:extLst>
       <p:ext uri="{BB962C8B-B14F-4D97-AF65-F5344CB8AC3E}">
-        <p14:creationId xmlns:p14="http://schemas.microsoft.com/office/powerpoint/2010/main" val="2704228309"/>
+        <p14:creationId xmlns:p14="http://schemas.microsoft.com/office/powerpoint/2010/main" val="704198628"/>
       </p:ext>
     </p:extLst>
   </p:cSld>
   <p:clrMapOvr>
     <a:masterClrMapping/>
   </p:clrMapOvr>
-  <p:hf hdr="0" ftr="0" dt="0"/>
 </p:sldLayout>
 </file>
 
@@ -3161,15 +3207,15 @@
         </p:nvSpPr>
         <p:spPr>
           <a:xfrm>
-            <a:off x="629841" y="342900"/>
-            <a:ext cx="2949178" cy="1200150"/>
+            <a:off x="1007746" y="548640"/>
+            <a:ext cx="4718684" cy="1920240"/>
           </a:xfrm>
         </p:spPr>
         <p:txBody>
           <a:bodyPr anchor="b"/>
           <a:lstStyle>
             <a:lvl1pPr>
-              <a:defRPr sz="2400"/>
+              <a:defRPr sz="3840"/>
             </a:lvl1pPr>
           </a:lstStyle>
           <a:p>
@@ -3193,39 +3239,42 @@
         </p:nvSpPr>
         <p:spPr>
           <a:xfrm>
-            <a:off x="3887391" y="740569"/>
-            <a:ext cx="4629150" cy="3655219"/>
+            <a:off x="6219826" y="1184911"/>
+            <a:ext cx="7406640" cy="5848350"/>
           </a:xfrm>
+          <a:prstGeom prst="rect">
+            <a:avLst/>
+          </a:prstGeom>
         </p:spPr>
         <p:txBody>
           <a:bodyPr/>
           <a:lstStyle>
             <a:lvl1pPr>
-              <a:defRPr sz="2400"/>
+              <a:defRPr sz="3840"/>
             </a:lvl1pPr>
             <a:lvl2pPr>
-              <a:defRPr sz="2100"/>
+              <a:defRPr sz="3360"/>
             </a:lvl2pPr>
             <a:lvl3pPr>
-              <a:defRPr sz="1800"/>
+              <a:defRPr sz="2880"/>
             </a:lvl3pPr>
             <a:lvl4pPr>
-              <a:defRPr sz="1500"/>
+              <a:defRPr sz="2400"/>
             </a:lvl4pPr>
             <a:lvl5pPr>
-              <a:defRPr sz="1500"/>
+              <a:defRPr sz="2400"/>
             </a:lvl5pPr>
             <a:lvl6pPr>
-              <a:defRPr sz="1500"/>
+              <a:defRPr sz="2400"/>
             </a:lvl6pPr>
             <a:lvl7pPr>
-              <a:defRPr sz="1500"/>
+              <a:defRPr sz="2400"/>
             </a:lvl7pPr>
             <a:lvl8pPr>
-              <a:defRPr sz="1500"/>
+              <a:defRPr sz="2400"/>
             </a:lvl8pPr>
             <a:lvl9pPr>
-              <a:defRPr sz="1500"/>
+              <a:defRPr sz="2400"/>
             </a:lvl9pPr>
           </a:lstStyle>
           <a:p>
@@ -3278,48 +3327,51 @@
         </p:nvSpPr>
         <p:spPr>
           <a:xfrm>
-            <a:off x="629841" y="1543050"/>
-            <a:ext cx="2949178" cy="2858691"/>
+            <a:off x="1007746" y="2468880"/>
+            <a:ext cx="4718684" cy="4573906"/>
           </a:xfrm>
+          <a:prstGeom prst="rect">
+            <a:avLst/>
+          </a:prstGeom>
         </p:spPr>
         <p:txBody>
           <a:bodyPr/>
           <a:lstStyle>
             <a:lvl1pPr marL="0" indent="0">
               <a:buNone/>
+              <a:defRPr sz="1920"/>
+            </a:lvl1pPr>
+            <a:lvl2pPr marL="548640" indent="0">
+              <a:buNone/>
+              <a:defRPr sz="1680"/>
+            </a:lvl2pPr>
+            <a:lvl3pPr marL="1097280" indent="0">
+              <a:buNone/>
+              <a:defRPr sz="1440"/>
+            </a:lvl3pPr>
+            <a:lvl4pPr marL="1645920" indent="0">
+              <a:buNone/>
               <a:defRPr sz="1200"/>
-            </a:lvl1pPr>
-            <a:lvl2pPr marL="342900" indent="0">
-              <a:buNone/>
-              <a:defRPr sz="1050"/>
-            </a:lvl2pPr>
-            <a:lvl3pPr marL="685800" indent="0">
-              <a:buNone/>
-              <a:defRPr sz="900"/>
-            </a:lvl3pPr>
-            <a:lvl4pPr marL="1028700" indent="0">
-              <a:buNone/>
-              <a:defRPr sz="750"/>
             </a:lvl4pPr>
-            <a:lvl5pPr marL="1371600" indent="0">
-              <a:buNone/>
-              <a:defRPr sz="750"/>
+            <a:lvl5pPr marL="2194560" indent="0">
+              <a:buNone/>
+              <a:defRPr sz="1200"/>
             </a:lvl5pPr>
-            <a:lvl6pPr marL="1714500" indent="0">
-              <a:buNone/>
-              <a:defRPr sz="750"/>
+            <a:lvl6pPr marL="2743200" indent="0">
+              <a:buNone/>
+              <a:defRPr sz="1200"/>
             </a:lvl6pPr>
-            <a:lvl7pPr marL="2057400" indent="0">
-              <a:buNone/>
-              <a:defRPr sz="750"/>
+            <a:lvl7pPr marL="3291840" indent="0">
+              <a:buNone/>
+              <a:defRPr sz="1200"/>
             </a:lvl7pPr>
-            <a:lvl8pPr marL="2400300" indent="0">
-              <a:buNone/>
-              <a:defRPr sz="750"/>
+            <a:lvl8pPr marL="3840480" indent="0">
+              <a:buNone/>
+              <a:defRPr sz="1200"/>
             </a:lvl8pPr>
-            <a:lvl9pPr marL="2743200" indent="0">
-              <a:buNone/>
-              <a:defRPr sz="750"/>
+            <a:lvl9pPr marL="4389120" indent="0">
+              <a:buNone/>
+              <a:defRPr sz="1200"/>
             </a:lvl9pPr>
           </a:lstStyle>
           <a:p>
@@ -3346,9 +3398,9 @@
           <a:bodyPr/>
           <a:lstStyle/>
           <a:p>
-            <a:fld id="{C764DE79-268F-4C1A-8933-263129D2AF90}" type="datetimeFigureOut">
-              <a:rPr lang="en-US" smtClean="0"/>
-              <a:t>10/26/25</a:t>
+            <a:fld id="{60D95D54-B87E-6740-B50E-6DE15E257D4E}" type="datetime1">
+              <a:rPr lang="es-CO" smtClean="0"/>
+              <a:t>26/10/25</a:t>
             </a:fld>
             <a:endParaRPr lang="en-US" dirty="0"/>
           </a:p>
@@ -3405,14 +3457,13 @@
     </p:spTree>
     <p:extLst>
       <p:ext uri="{BB962C8B-B14F-4D97-AF65-F5344CB8AC3E}">
-        <p14:creationId xmlns:p14="http://schemas.microsoft.com/office/powerpoint/2010/main" val="872662690"/>
+        <p14:creationId xmlns:p14="http://schemas.microsoft.com/office/powerpoint/2010/main" val="2598268091"/>
       </p:ext>
     </p:extLst>
   </p:cSld>
   <p:clrMapOvr>
     <a:masterClrMapping/>
   </p:clrMapOvr>
-  <p:hf hdr="0" ftr="0" dt="0"/>
 </p:sldLayout>
 </file>
 
@@ -3445,15 +3496,15 @@
         </p:nvSpPr>
         <p:spPr>
           <a:xfrm>
-            <a:off x="629841" y="342900"/>
-            <a:ext cx="2949178" cy="1200150"/>
+            <a:off x="1007746" y="548640"/>
+            <a:ext cx="4718684" cy="1920240"/>
           </a:xfrm>
         </p:spPr>
         <p:txBody>
           <a:bodyPr anchor="b"/>
           <a:lstStyle>
             <a:lvl1pPr>
-              <a:defRPr sz="2400"/>
+              <a:defRPr sz="3840"/>
             </a:lvl1pPr>
           </a:lstStyle>
           <a:p>
@@ -3477,48 +3528,51 @@
         </p:nvSpPr>
         <p:spPr>
           <a:xfrm>
-            <a:off x="3887391" y="740569"/>
-            <a:ext cx="4629150" cy="3655219"/>
+            <a:off x="6219826" y="1184911"/>
+            <a:ext cx="7406640" cy="5848350"/>
           </a:xfrm>
+          <a:prstGeom prst="rect">
+            <a:avLst/>
+          </a:prstGeom>
         </p:spPr>
         <p:txBody>
           <a:bodyPr anchor="t"/>
           <a:lstStyle>
             <a:lvl1pPr marL="0" indent="0">
               <a:buNone/>
+              <a:defRPr sz="3840"/>
+            </a:lvl1pPr>
+            <a:lvl2pPr marL="548640" indent="0">
+              <a:buNone/>
+              <a:defRPr sz="3360"/>
+            </a:lvl2pPr>
+            <a:lvl3pPr marL="1097280" indent="0">
+              <a:buNone/>
+              <a:defRPr sz="2880"/>
+            </a:lvl3pPr>
+            <a:lvl4pPr marL="1645920" indent="0">
+              <a:buNone/>
               <a:defRPr sz="2400"/>
-            </a:lvl1pPr>
-            <a:lvl2pPr marL="342900" indent="0">
-              <a:buNone/>
-              <a:defRPr sz="2100"/>
-            </a:lvl2pPr>
-            <a:lvl3pPr marL="685800" indent="0">
-              <a:buNone/>
-              <a:defRPr sz="1800"/>
-            </a:lvl3pPr>
-            <a:lvl4pPr marL="1028700" indent="0">
-              <a:buNone/>
-              <a:defRPr sz="1500"/>
             </a:lvl4pPr>
-            <a:lvl5pPr marL="1371600" indent="0">
-              <a:buNone/>
-              <a:defRPr sz="1500"/>
+            <a:lvl5pPr marL="2194560" indent="0">
+              <a:buNone/>
+              <a:defRPr sz="2400"/>
             </a:lvl5pPr>
-            <a:lvl6pPr marL="1714500" indent="0">
-              <a:buNone/>
-              <a:defRPr sz="1500"/>
+            <a:lvl6pPr marL="2743200" indent="0">
+              <a:buNone/>
+              <a:defRPr sz="2400"/>
             </a:lvl6pPr>
-            <a:lvl7pPr marL="2057400" indent="0">
-              <a:buNone/>
-              <a:defRPr sz="1500"/>
+            <a:lvl7pPr marL="3291840" indent="0">
+              <a:buNone/>
+              <a:defRPr sz="2400"/>
             </a:lvl7pPr>
-            <a:lvl8pPr marL="2400300" indent="0">
-              <a:buNone/>
-              <a:defRPr sz="1500"/>
+            <a:lvl8pPr marL="3840480" indent="0">
+              <a:buNone/>
+              <a:defRPr sz="2400"/>
             </a:lvl8pPr>
-            <a:lvl9pPr marL="2743200" indent="0">
-              <a:buNone/>
-              <a:defRPr sz="1500"/>
+            <a:lvl9pPr marL="4389120" indent="0">
+              <a:buNone/>
+              <a:defRPr sz="2400"/>
             </a:lvl9pPr>
           </a:lstStyle>
           <a:p>
@@ -3542,48 +3596,51 @@
         </p:nvSpPr>
         <p:spPr>
           <a:xfrm>
-            <a:off x="629841" y="1543050"/>
-            <a:ext cx="2949178" cy="2858691"/>
+            <a:off x="1007746" y="2468880"/>
+            <a:ext cx="4718684" cy="4573906"/>
           </a:xfrm>
+          <a:prstGeom prst="rect">
+            <a:avLst/>
+          </a:prstGeom>
         </p:spPr>
         <p:txBody>
           <a:bodyPr/>
           <a:lstStyle>
             <a:lvl1pPr marL="0" indent="0">
               <a:buNone/>
+              <a:defRPr sz="1920"/>
+            </a:lvl1pPr>
+            <a:lvl2pPr marL="548640" indent="0">
+              <a:buNone/>
+              <a:defRPr sz="1680"/>
+            </a:lvl2pPr>
+            <a:lvl3pPr marL="1097280" indent="0">
+              <a:buNone/>
+              <a:defRPr sz="1440"/>
+            </a:lvl3pPr>
+            <a:lvl4pPr marL="1645920" indent="0">
+              <a:buNone/>
               <a:defRPr sz="1200"/>
-            </a:lvl1pPr>
-            <a:lvl2pPr marL="342900" indent="0">
-              <a:buNone/>
-              <a:defRPr sz="1050"/>
-            </a:lvl2pPr>
-            <a:lvl3pPr marL="685800" indent="0">
-              <a:buNone/>
-              <a:defRPr sz="900"/>
-            </a:lvl3pPr>
-            <a:lvl4pPr marL="1028700" indent="0">
-              <a:buNone/>
-              <a:defRPr sz="750"/>
             </a:lvl4pPr>
-            <a:lvl5pPr marL="1371600" indent="0">
-              <a:buNone/>
-              <a:defRPr sz="750"/>
+            <a:lvl5pPr marL="2194560" indent="0">
+              <a:buNone/>
+              <a:defRPr sz="1200"/>
             </a:lvl5pPr>
-            <a:lvl6pPr marL="1714500" indent="0">
-              <a:buNone/>
-              <a:defRPr sz="750"/>
+            <a:lvl6pPr marL="2743200" indent="0">
+              <a:buNone/>
+              <a:defRPr sz="1200"/>
             </a:lvl6pPr>
-            <a:lvl7pPr marL="2057400" indent="0">
-              <a:buNone/>
-              <a:defRPr sz="750"/>
+            <a:lvl7pPr marL="3291840" indent="0">
+              <a:buNone/>
+              <a:defRPr sz="1200"/>
             </a:lvl7pPr>
-            <a:lvl8pPr marL="2400300" indent="0">
-              <a:buNone/>
-              <a:defRPr sz="750"/>
+            <a:lvl8pPr marL="3840480" indent="0">
+              <a:buNone/>
+              <a:defRPr sz="1200"/>
             </a:lvl8pPr>
-            <a:lvl9pPr marL="2743200" indent="0">
-              <a:buNone/>
-              <a:defRPr sz="750"/>
+            <a:lvl9pPr marL="4389120" indent="0">
+              <a:buNone/>
+              <a:defRPr sz="1200"/>
             </a:lvl9pPr>
           </a:lstStyle>
           <a:p>
@@ -3610,9 +3667,9 @@
           <a:bodyPr/>
           <a:lstStyle/>
           <a:p>
-            <a:fld id="{C764DE79-268F-4C1A-8933-263129D2AF90}" type="datetimeFigureOut">
-              <a:rPr lang="en-US" smtClean="0"/>
-              <a:t>10/26/25</a:t>
+            <a:fld id="{1D1A7503-4FE2-3A42-BEAA-59E0EEC48B6D}" type="datetime1">
+              <a:rPr lang="es-CO" smtClean="0"/>
+              <a:t>26/10/25</a:t>
             </a:fld>
             <a:endParaRPr lang="en-US" dirty="0"/>
           </a:p>
@@ -3669,14 +3726,13 @@
     </p:spTree>
     <p:extLst>
       <p:ext uri="{BB962C8B-B14F-4D97-AF65-F5344CB8AC3E}">
-        <p14:creationId xmlns:p14="http://schemas.microsoft.com/office/powerpoint/2010/main" val="869067219"/>
+        <p14:creationId xmlns:p14="http://schemas.microsoft.com/office/powerpoint/2010/main" val="3538229875"/>
       </p:ext>
     </p:extLst>
   </p:cSld>
   <p:clrMapOvr>
     <a:masterClrMapping/>
   </p:clrMapOvr>
-  <p:hf hdr="0" ftr="0" dt="0"/>
 </p:sldLayout>
 </file>
 
@@ -3714,8 +3770,8 @@
         </p:nvSpPr>
         <p:spPr>
           <a:xfrm>
-            <a:off x="628650" y="273844"/>
-            <a:ext cx="7886700" cy="994172"/>
+            <a:off x="1005840" y="438150"/>
+            <a:ext cx="12618720" cy="1590676"/>
           </a:xfrm>
           <a:prstGeom prst="rect">
             <a:avLst/>
@@ -3737,90 +3793,28 @@
       </p:sp>
       <p:sp>
         <p:nvSpPr>
-          <p:cNvPr id="3" name="Text Placeholder 2"/>
-          <p:cNvSpPr>
-            <a:spLocks noGrp="1"/>
-          </p:cNvSpPr>
-          <p:nvPr>
-            <p:ph type="body" idx="1"/>
+          <p:cNvPr id="4" name="Date Placeholder 3"/>
+          <p:cNvSpPr>
+            <a:spLocks noGrp="1"/>
+          </p:cNvSpPr>
+          <p:nvPr>
+            <p:ph type="dt" sz="half" idx="2"/>
           </p:nvPr>
         </p:nvSpPr>
         <p:spPr>
           <a:xfrm>
-            <a:off x="628650" y="1369218"/>
-            <a:ext cx="7886700" cy="3263504"/>
+            <a:off x="1005840" y="7627621"/>
+            <a:ext cx="3291840" cy="438150"/>
           </a:xfrm>
           <a:prstGeom prst="rect">
             <a:avLst/>
           </a:prstGeom>
         </p:spPr>
         <p:txBody>
-          <a:bodyPr vert="horz" lIns="91440" tIns="45720" rIns="91440" bIns="45720" rtlCol="0">
-            <a:normAutofit/>
-          </a:bodyPr>
-          <a:lstStyle/>
-          <a:p>
-            <a:pPr lvl="0"/>
-            <a:r>
-              <a:rPr lang="es-MX"/>
-              <a:t>Haga clic para modificar los estilos de texto del patrón</a:t>
-            </a:r>
-          </a:p>
-          <a:p>
-            <a:pPr lvl="1"/>
-            <a:r>
-              <a:rPr lang="es-MX"/>
-              <a:t>Segundo nivel</a:t>
-            </a:r>
-          </a:p>
-          <a:p>
-            <a:pPr lvl="2"/>
-            <a:r>
-              <a:rPr lang="es-MX"/>
-              <a:t>Tercer nivel</a:t>
-            </a:r>
-          </a:p>
-          <a:p>
-            <a:pPr lvl="3"/>
-            <a:r>
-              <a:rPr lang="es-MX"/>
-              <a:t>Cuarto nivel</a:t>
-            </a:r>
-          </a:p>
-          <a:p>
-            <a:pPr lvl="4"/>
-            <a:r>
-              <a:rPr lang="es-MX"/>
-              <a:t>Quinto nivel</a:t>
-            </a:r>
-            <a:endParaRPr lang="en-US" dirty="0"/>
-          </a:p>
-        </p:txBody>
-      </p:sp>
-      <p:sp>
-        <p:nvSpPr>
-          <p:cNvPr id="4" name="Date Placeholder 3"/>
-          <p:cNvSpPr>
-            <a:spLocks noGrp="1"/>
-          </p:cNvSpPr>
-          <p:nvPr>
-            <p:ph type="dt" sz="half" idx="2"/>
-          </p:nvPr>
-        </p:nvSpPr>
-        <p:spPr>
-          <a:xfrm>
-            <a:off x="628650" y="4767263"/>
-            <a:ext cx="2057400" cy="273844"/>
-          </a:xfrm>
-          <a:prstGeom prst="rect">
-            <a:avLst/>
-          </a:prstGeom>
-        </p:spPr>
-        <p:txBody>
           <a:bodyPr vert="horz" lIns="91440" tIns="45720" rIns="91440" bIns="45720" rtlCol="0" anchor="ctr"/>
           <a:lstStyle>
             <a:lvl1pPr algn="l">
-              <a:defRPr sz="900">
+              <a:defRPr sz="1440">
                 <a:solidFill>
                   <a:schemeClr val="tx1">
                     <a:tint val="82000"/>
@@ -3830,9 +3824,9 @@
             </a:lvl1pPr>
           </a:lstStyle>
           <a:p>
-            <a:fld id="{C764DE79-268F-4C1A-8933-263129D2AF90}" type="datetimeFigureOut">
-              <a:rPr lang="en-US" smtClean="0"/>
-              <a:t>10/26/25</a:t>
+            <a:fld id="{AB5B5609-E904-CC46-ACFC-D1E2FB132B9A}" type="datetime1">
+              <a:rPr lang="es-CO" smtClean="0"/>
+              <a:t>26/10/25</a:t>
             </a:fld>
             <a:endParaRPr lang="en-US" dirty="0"/>
           </a:p>
@@ -3850,8 +3844,8 @@
         </p:nvSpPr>
         <p:spPr>
           <a:xfrm>
-            <a:off x="3028950" y="4767263"/>
-            <a:ext cx="3086100" cy="273844"/>
+            <a:off x="4846320" y="7627621"/>
+            <a:ext cx="4937760" cy="438150"/>
           </a:xfrm>
           <a:prstGeom prst="rect">
             <a:avLst/>
@@ -3861,7 +3855,7 @@
           <a:bodyPr vert="horz" lIns="91440" tIns="45720" rIns="91440" bIns="45720" rtlCol="0" anchor="ctr"/>
           <a:lstStyle>
             <a:lvl1pPr algn="ctr">
-              <a:defRPr sz="900">
+              <a:defRPr sz="1440">
                 <a:solidFill>
                   <a:schemeClr val="tx1">
                     <a:tint val="82000"/>
@@ -3887,8 +3881,8 @@
         </p:nvSpPr>
         <p:spPr>
           <a:xfrm>
-            <a:off x="6457950" y="4767263"/>
-            <a:ext cx="2057400" cy="273844"/>
+            <a:off x="10332720" y="7627621"/>
+            <a:ext cx="3291840" cy="438150"/>
           </a:xfrm>
           <a:prstGeom prst="rect">
             <a:avLst/>
@@ -3898,7 +3892,7 @@
           <a:bodyPr vert="horz" lIns="91440" tIns="45720" rIns="91440" bIns="45720" rtlCol="0" anchor="ctr"/>
           <a:lstStyle>
             <a:lvl1pPr algn="r">
-              <a:defRPr sz="900">
+              <a:defRPr sz="1440">
                 <a:solidFill>
                   <a:schemeClr val="tx1">
                     <a:tint val="82000"/>
@@ -3927,7 +3921,7 @@
           <p:cNvPr id="7" name="CuadroTexto 6">
             <a:extLst>
               <a:ext uri="{FF2B5EF4-FFF2-40B4-BE49-F238E27FC236}">
-                <a16:creationId xmlns:a16="http://schemas.microsoft.com/office/drawing/2014/main" id="{411AEEF1-FDEA-1E99-1808-10AE40141A17}"/>
+                <a16:creationId xmlns:a16="http://schemas.microsoft.com/office/drawing/2014/main" id="{9E007B7B-2F28-E7C7-1A08-ABDE2B0FDF80}"/>
               </a:ext>
             </a:extLst>
           </p:cNvPr>
@@ -3936,8 +3930,8 @@
         </p:nvSpPr>
         <p:spPr>
           <a:xfrm>
-            <a:off x="-156631" y="486834"/>
-            <a:ext cx="184731" cy="300082"/>
+            <a:off x="-250609" y="778935"/>
+            <a:ext cx="184731" cy="424732"/>
           </a:xfrm>
           <a:prstGeom prst="rect">
             <a:avLst/>
@@ -3950,7 +3944,7 @@
           </a:bodyPr>
           <a:lstStyle/>
           <a:p>
-            <a:endParaRPr lang="es-CO" sz="1350" dirty="0"/>
+            <a:endParaRPr lang="es-CO" sz="2160" dirty="0"/>
           </a:p>
         </p:txBody>
       </p:sp>
@@ -3959,7 +3953,7 @@
           <p:cNvPr id="8" name="Imagen 7">
             <a:extLst>
               <a:ext uri="{FF2B5EF4-FFF2-40B4-BE49-F238E27FC236}">
-                <a16:creationId xmlns:a16="http://schemas.microsoft.com/office/drawing/2014/main" id="{C4BCF12F-5965-6908-BDC1-B8E10D272B53}"/>
+                <a16:creationId xmlns:a16="http://schemas.microsoft.com/office/drawing/2014/main" id="{498239D6-D710-95E8-6DBA-72FDAB0C470C}"/>
               </a:ext>
             </a:extLst>
           </p:cNvPr>
@@ -3982,43 +3976,111 @@
         </p:blipFill>
         <p:spPr>
           <a:xfrm>
-            <a:off x="8585021" y="4632722"/>
-            <a:ext cx="448679" cy="408199"/>
+            <a:off x="13868399" y="7532778"/>
+            <a:ext cx="585521" cy="532695"/>
           </a:xfrm>
           <a:prstGeom prst="rect">
             <a:avLst/>
           </a:prstGeom>
         </p:spPr>
       </p:pic>
+      <p:sp>
+        <p:nvSpPr>
+          <p:cNvPr id="9" name="Marcador de texto 8">
+            <a:extLst>
+              <a:ext uri="{FF2B5EF4-FFF2-40B4-BE49-F238E27FC236}">
+                <a16:creationId xmlns:a16="http://schemas.microsoft.com/office/drawing/2014/main" id="{0BDED356-0524-AAD1-081C-B881CFD09764}"/>
+              </a:ext>
+            </a:extLst>
+          </p:cNvPr>
+          <p:cNvSpPr>
+            <a:spLocks noGrp="1"/>
+          </p:cNvSpPr>
+          <p:nvPr>
+            <p:ph type="body" idx="1"/>
+          </p:nvPr>
+        </p:nvSpPr>
+        <p:spPr>
+          <a:xfrm>
+            <a:off x="1006475" y="2190750"/>
+            <a:ext cx="12617450" cy="5221288"/>
+          </a:xfrm>
+          <a:prstGeom prst="rect">
+            <a:avLst/>
+          </a:prstGeom>
+        </p:spPr>
+        <p:txBody>
+          <a:bodyPr vert="horz" lIns="91440" tIns="45720" rIns="91440" bIns="45720" rtlCol="0">
+            <a:normAutofit/>
+          </a:bodyPr>
+          <a:lstStyle/>
+          <a:p>
+            <a:pPr lvl="0"/>
+            <a:r>
+              <a:rPr lang="es-MX"/>
+              <a:t>Haga clic para modificar los estilos de texto del patrón</a:t>
+            </a:r>
+          </a:p>
+          <a:p>
+            <a:pPr lvl="1"/>
+            <a:r>
+              <a:rPr lang="es-MX"/>
+              <a:t>Segundo nivel</a:t>
+            </a:r>
+          </a:p>
+          <a:p>
+            <a:pPr lvl="2"/>
+            <a:r>
+              <a:rPr lang="es-MX"/>
+              <a:t>Tercer nivel</a:t>
+            </a:r>
+          </a:p>
+          <a:p>
+            <a:pPr lvl="3"/>
+            <a:r>
+              <a:rPr lang="es-MX"/>
+              <a:t>Cuarto nivel</a:t>
+            </a:r>
+          </a:p>
+          <a:p>
+            <a:pPr lvl="4"/>
+            <a:r>
+              <a:rPr lang="es-MX"/>
+              <a:t>Quinto nivel</a:t>
+            </a:r>
+            <a:endParaRPr lang="es-CO"/>
+          </a:p>
+        </p:txBody>
+      </p:sp>
     </p:spTree>
     <p:extLst>
       <p:ext uri="{BB962C8B-B14F-4D97-AF65-F5344CB8AC3E}">
-        <p14:creationId xmlns:p14="http://schemas.microsoft.com/office/powerpoint/2010/main" val="2242996165"/>
+        <p14:creationId xmlns:p14="http://schemas.microsoft.com/office/powerpoint/2010/main" val="4209412303"/>
       </p:ext>
     </p:extLst>
   </p:cSld>
   <p:clrMap bg1="lt1" tx1="dk1" bg2="lt2" tx2="dk2" accent1="accent1" accent2="accent2" accent3="accent3" accent4="accent4" accent5="accent5" accent6="accent6" hlink="hlink" folHlink="folHlink"/>
   <p:sldLayoutIdLst>
-    <p:sldLayoutId id="2147483899" r:id="rId1"/>
-    <p:sldLayoutId id="2147483900" r:id="rId2"/>
-    <p:sldLayoutId id="2147483901" r:id="rId3"/>
-    <p:sldLayoutId id="2147483902" r:id="rId4"/>
-    <p:sldLayoutId id="2147483903" r:id="rId5"/>
-    <p:sldLayoutId id="2147483904" r:id="rId6"/>
-    <p:sldLayoutId id="2147483905" r:id="rId7"/>
-    <p:sldLayoutId id="2147483906" r:id="rId8"/>
-    <p:sldLayoutId id="2147483907" r:id="rId9"/>
-    <p:sldLayoutId id="2147483908" r:id="rId10"/>
-    <p:sldLayoutId id="2147483909" r:id="rId11"/>
+    <p:sldLayoutId id="2147483911" r:id="rId1"/>
+    <p:sldLayoutId id="2147483912" r:id="rId2"/>
+    <p:sldLayoutId id="2147483913" r:id="rId3"/>
+    <p:sldLayoutId id="2147483914" r:id="rId4"/>
+    <p:sldLayoutId id="2147483915" r:id="rId5"/>
+    <p:sldLayoutId id="2147483916" r:id="rId6"/>
+    <p:sldLayoutId id="2147483917" r:id="rId7"/>
+    <p:sldLayoutId id="2147483918" r:id="rId8"/>
+    <p:sldLayoutId id="2147483919" r:id="rId9"/>
+    <p:sldLayoutId id="2147483920" r:id="rId10"/>
+    <p:sldLayoutId id="2147483921" r:id="rId11"/>
     <p:sldLayoutId id="2147483897" r:id="rId12"/>
   </p:sldLayoutIdLst>
   <p:transition spd="med">
     <p:fade/>
   </p:transition>
-  <p:hf hdr="0" ftr="0" dt="0"/>
+  <p:hf sldNum="0" hdr="0" ftr="0" dt="0"/>
   <p:txStyles>
     <p:titleStyle>
-      <a:lvl1pPr algn="l" defTabSz="685800" rtl="0" eaLnBrk="1" latinLnBrk="0" hangingPunct="1">
+      <a:lvl1pPr algn="l" defTabSz="1097280" rtl="0" eaLnBrk="1" latinLnBrk="0" hangingPunct="1">
         <a:lnSpc>
           <a:spcPct val="90000"/>
         </a:lnSpc>
@@ -4026,7 +4088,7 @@
           <a:spcPct val="0"/>
         </a:spcBef>
         <a:buNone/>
-        <a:defRPr sz="3300" kern="1200">
+        <a:defRPr sz="5280" kern="1200">
           <a:solidFill>
             <a:schemeClr val="tx1"/>
           </a:solidFill>
@@ -4037,16 +4099,16 @@
       </a:lvl1pPr>
     </p:titleStyle>
     <p:bodyStyle>
-      <a:lvl1pPr marL="171450" indent="-171450" algn="l" defTabSz="685800" rtl="0" eaLnBrk="1" latinLnBrk="0" hangingPunct="1">
+      <a:lvl1pPr marL="274320" indent="-274320" algn="l" defTabSz="1097280" rtl="0" eaLnBrk="1" latinLnBrk="0" hangingPunct="1">
         <a:lnSpc>
           <a:spcPct val="90000"/>
         </a:lnSpc>
         <a:spcBef>
-          <a:spcPts val="750"/>
+          <a:spcPts val="1200"/>
         </a:spcBef>
         <a:buFont typeface="Arial" panose="020B0604020202020204" pitchFamily="34" charset="0"/>
         <a:buChar char="•"/>
-        <a:defRPr sz="2100" kern="1200">
+        <a:defRPr sz="3360" kern="1200">
           <a:solidFill>
             <a:schemeClr val="tx1"/>
           </a:solidFill>
@@ -4055,16 +4117,16 @@
           <a:cs typeface="+mn-cs"/>
         </a:defRPr>
       </a:lvl1pPr>
-      <a:lvl2pPr marL="514350" indent="-171450" algn="l" defTabSz="685800" rtl="0" eaLnBrk="1" latinLnBrk="0" hangingPunct="1">
+      <a:lvl2pPr marL="822960" indent="-274320" algn="l" defTabSz="1097280" rtl="0" eaLnBrk="1" latinLnBrk="0" hangingPunct="1">
         <a:lnSpc>
           <a:spcPct val="90000"/>
         </a:lnSpc>
         <a:spcBef>
-          <a:spcPts val="375"/>
+          <a:spcPts val="600"/>
         </a:spcBef>
         <a:buFont typeface="Arial" panose="020B0604020202020204" pitchFamily="34" charset="0"/>
         <a:buChar char="•"/>
-        <a:defRPr sz="1800" kern="1200">
+        <a:defRPr sz="2880" kern="1200">
           <a:solidFill>
             <a:schemeClr val="tx1"/>
           </a:solidFill>
@@ -4073,16 +4135,16 @@
           <a:cs typeface="+mn-cs"/>
         </a:defRPr>
       </a:lvl2pPr>
-      <a:lvl3pPr marL="857250" indent="-171450" algn="l" defTabSz="685800" rtl="0" eaLnBrk="1" latinLnBrk="0" hangingPunct="1">
+      <a:lvl3pPr marL="1371600" indent="-274320" algn="l" defTabSz="1097280" rtl="0" eaLnBrk="1" latinLnBrk="0" hangingPunct="1">
         <a:lnSpc>
           <a:spcPct val="90000"/>
         </a:lnSpc>
         <a:spcBef>
-          <a:spcPts val="375"/>
+          <a:spcPts val="600"/>
         </a:spcBef>
         <a:buFont typeface="Arial" panose="020B0604020202020204" pitchFamily="34" charset="0"/>
         <a:buChar char="•"/>
-        <a:defRPr sz="1500" kern="1200">
+        <a:defRPr sz="2400" kern="1200">
           <a:solidFill>
             <a:schemeClr val="tx1"/>
           </a:solidFill>
@@ -4091,16 +4153,16 @@
           <a:cs typeface="+mn-cs"/>
         </a:defRPr>
       </a:lvl3pPr>
-      <a:lvl4pPr marL="1200150" indent="-171450" algn="l" defTabSz="685800" rtl="0" eaLnBrk="1" latinLnBrk="0" hangingPunct="1">
+      <a:lvl4pPr marL="1920240" indent="-274320" algn="l" defTabSz="1097280" rtl="0" eaLnBrk="1" latinLnBrk="0" hangingPunct="1">
         <a:lnSpc>
           <a:spcPct val="90000"/>
         </a:lnSpc>
         <a:spcBef>
-          <a:spcPts val="375"/>
+          <a:spcPts val="600"/>
         </a:spcBef>
         <a:buFont typeface="Arial" panose="020B0604020202020204" pitchFamily="34" charset="0"/>
         <a:buChar char="•"/>
-        <a:defRPr sz="1350" kern="1200">
+        <a:defRPr sz="2160" kern="1200">
           <a:solidFill>
             <a:schemeClr val="tx1"/>
           </a:solidFill>
@@ -4109,16 +4171,16 @@
           <a:cs typeface="+mn-cs"/>
         </a:defRPr>
       </a:lvl4pPr>
-      <a:lvl5pPr marL="1543050" indent="-171450" algn="l" defTabSz="685800" rtl="0" eaLnBrk="1" latinLnBrk="0" hangingPunct="1">
+      <a:lvl5pPr marL="2468880" indent="-274320" algn="l" defTabSz="1097280" rtl="0" eaLnBrk="1" latinLnBrk="0" hangingPunct="1">
         <a:lnSpc>
           <a:spcPct val="90000"/>
         </a:lnSpc>
         <a:spcBef>
-          <a:spcPts val="375"/>
+          <a:spcPts val="600"/>
         </a:spcBef>
         <a:buFont typeface="Arial" panose="020B0604020202020204" pitchFamily="34" charset="0"/>
         <a:buChar char="•"/>
-        <a:defRPr sz="1350" kern="1200">
+        <a:defRPr sz="2160" kern="1200">
           <a:solidFill>
             <a:schemeClr val="tx1"/>
           </a:solidFill>
@@ -4127,16 +4189,16 @@
           <a:cs typeface="+mn-cs"/>
         </a:defRPr>
       </a:lvl5pPr>
-      <a:lvl6pPr marL="1885950" indent="-171450" algn="l" defTabSz="685800" rtl="0" eaLnBrk="1" latinLnBrk="0" hangingPunct="1">
+      <a:lvl6pPr marL="3017520" indent="-274320" algn="l" defTabSz="1097280" rtl="0" eaLnBrk="1" latinLnBrk="0" hangingPunct="1">
         <a:lnSpc>
           <a:spcPct val="90000"/>
         </a:lnSpc>
         <a:spcBef>
-          <a:spcPts val="375"/>
+          <a:spcPts val="600"/>
         </a:spcBef>
         <a:buFont typeface="Arial" panose="020B0604020202020204" pitchFamily="34" charset="0"/>
         <a:buChar char="•"/>
-        <a:defRPr sz="1350" kern="1200">
+        <a:defRPr sz="2160" kern="1200">
           <a:solidFill>
             <a:schemeClr val="tx1"/>
           </a:solidFill>
@@ -4145,16 +4207,16 @@
           <a:cs typeface="+mn-cs"/>
         </a:defRPr>
       </a:lvl6pPr>
-      <a:lvl7pPr marL="2228850" indent="-171450" algn="l" defTabSz="685800" rtl="0" eaLnBrk="1" latinLnBrk="0" hangingPunct="1">
+      <a:lvl7pPr marL="3566160" indent="-274320" algn="l" defTabSz="1097280" rtl="0" eaLnBrk="1" latinLnBrk="0" hangingPunct="1">
         <a:lnSpc>
           <a:spcPct val="90000"/>
         </a:lnSpc>
         <a:spcBef>
-          <a:spcPts val="375"/>
+          <a:spcPts val="600"/>
         </a:spcBef>
         <a:buFont typeface="Arial" panose="020B0604020202020204" pitchFamily="34" charset="0"/>
         <a:buChar char="•"/>
-        <a:defRPr sz="1350" kern="1200">
+        <a:defRPr sz="2160" kern="1200">
           <a:solidFill>
             <a:schemeClr val="tx1"/>
           </a:solidFill>
@@ -4163,16 +4225,16 @@
           <a:cs typeface="+mn-cs"/>
         </a:defRPr>
       </a:lvl7pPr>
-      <a:lvl8pPr marL="2571750" indent="-171450" algn="l" defTabSz="685800" rtl="0" eaLnBrk="1" latinLnBrk="0" hangingPunct="1">
+      <a:lvl8pPr marL="4114800" indent="-274320" algn="l" defTabSz="1097280" rtl="0" eaLnBrk="1" latinLnBrk="0" hangingPunct="1">
         <a:lnSpc>
           <a:spcPct val="90000"/>
         </a:lnSpc>
         <a:spcBef>
-          <a:spcPts val="375"/>
+          <a:spcPts val="600"/>
         </a:spcBef>
         <a:buFont typeface="Arial" panose="020B0604020202020204" pitchFamily="34" charset="0"/>
         <a:buChar char="•"/>
-        <a:defRPr sz="1350" kern="1200">
+        <a:defRPr sz="2160" kern="1200">
           <a:solidFill>
             <a:schemeClr val="tx1"/>
           </a:solidFill>
@@ -4181,16 +4243,16 @@
           <a:cs typeface="+mn-cs"/>
         </a:defRPr>
       </a:lvl8pPr>
-      <a:lvl9pPr marL="2914650" indent="-171450" algn="l" defTabSz="685800" rtl="0" eaLnBrk="1" latinLnBrk="0" hangingPunct="1">
+      <a:lvl9pPr marL="4663440" indent="-274320" algn="l" defTabSz="1097280" rtl="0" eaLnBrk="1" latinLnBrk="0" hangingPunct="1">
         <a:lnSpc>
           <a:spcPct val="90000"/>
         </a:lnSpc>
         <a:spcBef>
-          <a:spcPts val="375"/>
+          <a:spcPts val="600"/>
         </a:spcBef>
         <a:buFont typeface="Arial" panose="020B0604020202020204" pitchFamily="34" charset="0"/>
         <a:buChar char="•"/>
-        <a:defRPr sz="1350" kern="1200">
+        <a:defRPr sz="2160" kern="1200">
           <a:solidFill>
             <a:schemeClr val="tx1"/>
           </a:solidFill>
@@ -4204,8 +4266,8 @@
       <a:defPPr>
         <a:defRPr lang="en-US"/>
       </a:defPPr>
-      <a:lvl1pPr marL="0" algn="l" defTabSz="685800" rtl="0" eaLnBrk="1" latinLnBrk="0" hangingPunct="1">
-        <a:defRPr sz="1350" kern="1200">
+      <a:lvl1pPr marL="0" algn="l" defTabSz="1097280" rtl="0" eaLnBrk="1" latinLnBrk="0" hangingPunct="1">
+        <a:defRPr sz="2160" kern="1200">
           <a:solidFill>
             <a:schemeClr val="tx1"/>
           </a:solidFill>
@@ -4214,8 +4276,8 @@
           <a:cs typeface="+mn-cs"/>
         </a:defRPr>
       </a:lvl1pPr>
-      <a:lvl2pPr marL="342900" algn="l" defTabSz="685800" rtl="0" eaLnBrk="1" latinLnBrk="0" hangingPunct="1">
-        <a:defRPr sz="1350" kern="1200">
+      <a:lvl2pPr marL="548640" algn="l" defTabSz="1097280" rtl="0" eaLnBrk="1" latinLnBrk="0" hangingPunct="1">
+        <a:defRPr sz="2160" kern="1200">
           <a:solidFill>
             <a:schemeClr val="tx1"/>
           </a:solidFill>
@@ -4224,8 +4286,8 @@
           <a:cs typeface="+mn-cs"/>
         </a:defRPr>
       </a:lvl2pPr>
-      <a:lvl3pPr marL="685800" algn="l" defTabSz="685800" rtl="0" eaLnBrk="1" latinLnBrk="0" hangingPunct="1">
-        <a:defRPr sz="1350" kern="1200">
+      <a:lvl3pPr marL="1097280" algn="l" defTabSz="1097280" rtl="0" eaLnBrk="1" latinLnBrk="0" hangingPunct="1">
+        <a:defRPr sz="2160" kern="1200">
           <a:solidFill>
             <a:schemeClr val="tx1"/>
           </a:solidFill>
@@ -4234,8 +4296,8 @@
           <a:cs typeface="+mn-cs"/>
         </a:defRPr>
       </a:lvl3pPr>
-      <a:lvl4pPr marL="1028700" algn="l" defTabSz="685800" rtl="0" eaLnBrk="1" latinLnBrk="0" hangingPunct="1">
-        <a:defRPr sz="1350" kern="1200">
+      <a:lvl4pPr marL="1645920" algn="l" defTabSz="1097280" rtl="0" eaLnBrk="1" latinLnBrk="0" hangingPunct="1">
+        <a:defRPr sz="2160" kern="1200">
           <a:solidFill>
             <a:schemeClr val="tx1"/>
           </a:solidFill>
@@ -4244,8 +4306,8 @@
           <a:cs typeface="+mn-cs"/>
         </a:defRPr>
       </a:lvl4pPr>
-      <a:lvl5pPr marL="1371600" algn="l" defTabSz="685800" rtl="0" eaLnBrk="1" latinLnBrk="0" hangingPunct="1">
-        <a:defRPr sz="1350" kern="1200">
+      <a:lvl5pPr marL="2194560" algn="l" defTabSz="1097280" rtl="0" eaLnBrk="1" latinLnBrk="0" hangingPunct="1">
+        <a:defRPr sz="2160" kern="1200">
           <a:solidFill>
             <a:schemeClr val="tx1"/>
           </a:solidFill>
@@ -4254,8 +4316,8 @@
           <a:cs typeface="+mn-cs"/>
         </a:defRPr>
       </a:lvl5pPr>
-      <a:lvl6pPr marL="1714500" algn="l" defTabSz="685800" rtl="0" eaLnBrk="1" latinLnBrk="0" hangingPunct="1">
-        <a:defRPr sz="1350" kern="1200">
+      <a:lvl6pPr marL="2743200" algn="l" defTabSz="1097280" rtl="0" eaLnBrk="1" latinLnBrk="0" hangingPunct="1">
+        <a:defRPr sz="2160" kern="1200">
           <a:solidFill>
             <a:schemeClr val="tx1"/>
           </a:solidFill>
@@ -4264,8 +4326,8 @@
           <a:cs typeface="+mn-cs"/>
         </a:defRPr>
       </a:lvl6pPr>
-      <a:lvl7pPr marL="2057400" algn="l" defTabSz="685800" rtl="0" eaLnBrk="1" latinLnBrk="0" hangingPunct="1">
-        <a:defRPr sz="1350" kern="1200">
+      <a:lvl7pPr marL="3291840" algn="l" defTabSz="1097280" rtl="0" eaLnBrk="1" latinLnBrk="0" hangingPunct="1">
+        <a:defRPr sz="2160" kern="1200">
           <a:solidFill>
             <a:schemeClr val="tx1"/>
           </a:solidFill>
@@ -4274,8 +4336,8 @@
           <a:cs typeface="+mn-cs"/>
         </a:defRPr>
       </a:lvl7pPr>
-      <a:lvl8pPr marL="2400300" algn="l" defTabSz="685800" rtl="0" eaLnBrk="1" latinLnBrk="0" hangingPunct="1">
-        <a:defRPr sz="1350" kern="1200">
+      <a:lvl8pPr marL="3840480" algn="l" defTabSz="1097280" rtl="0" eaLnBrk="1" latinLnBrk="0" hangingPunct="1">
+        <a:defRPr sz="2160" kern="1200">
           <a:solidFill>
             <a:schemeClr val="tx1"/>
           </a:solidFill>
@@ -4284,8 +4346,8 @@
           <a:cs typeface="+mn-cs"/>
         </a:defRPr>
       </a:lvl8pPr>
-      <a:lvl9pPr marL="2743200" algn="l" defTabSz="685800" rtl="0" eaLnBrk="1" latinLnBrk="0" hangingPunct="1">
-        <a:defRPr sz="1350" kern="1200">
+      <a:lvl9pPr marL="4389120" algn="l" defTabSz="1097280" rtl="0" eaLnBrk="1" latinLnBrk="0" hangingPunct="1">
+        <a:defRPr sz="2160" kern="1200">
           <a:solidFill>
             <a:schemeClr val="tx1"/>
           </a:solidFill>
